--- a/cceug10 international.pptx
+++ b/cceug10 international.pptx
@@ -5,10 +5,10 @@
     <p:sldMasterId id="2147483648" r:id="rId1"/>
   </p:sldMasterIdLst>
   <p:notesMasterIdLst>
-    <p:notesMasterId r:id="rId53"/>
+    <p:notesMasterId r:id="rId54"/>
   </p:notesMasterIdLst>
   <p:handoutMasterIdLst>
-    <p:handoutMasterId r:id="rId54"/>
+    <p:handoutMasterId r:id="rId55"/>
   </p:handoutMasterIdLst>
   <p:sldIdLst>
     <p:sldId id="257" r:id="rId2"/>
@@ -29,39 +29,40 @@
     <p:sldId id="344" r:id="rId17"/>
     <p:sldId id="368" r:id="rId18"/>
     <p:sldId id="341" r:id="rId19"/>
-    <p:sldId id="308" r:id="rId20"/>
-    <p:sldId id="309" r:id="rId21"/>
-    <p:sldId id="310" r:id="rId22"/>
-    <p:sldId id="342" r:id="rId23"/>
-    <p:sldId id="303" r:id="rId24"/>
+    <p:sldId id="303" r:id="rId20"/>
+    <p:sldId id="308" r:id="rId21"/>
+    <p:sldId id="309" r:id="rId22"/>
+    <p:sldId id="310" r:id="rId23"/>
+    <p:sldId id="342" r:id="rId24"/>
     <p:sldId id="370" r:id="rId25"/>
-    <p:sldId id="262" r:id="rId26"/>
-    <p:sldId id="379" r:id="rId27"/>
-    <p:sldId id="272" r:id="rId28"/>
-    <p:sldId id="331" r:id="rId29"/>
-    <p:sldId id="356" r:id="rId30"/>
-    <p:sldId id="274" r:id="rId31"/>
-    <p:sldId id="275" r:id="rId32"/>
-    <p:sldId id="293" r:id="rId33"/>
-    <p:sldId id="317" r:id="rId34"/>
-    <p:sldId id="334" r:id="rId35"/>
-    <p:sldId id="359" r:id="rId36"/>
-    <p:sldId id="360" r:id="rId37"/>
-    <p:sldId id="361" r:id="rId38"/>
-    <p:sldId id="366" r:id="rId39"/>
-    <p:sldId id="338" r:id="rId40"/>
-    <p:sldId id="369" r:id="rId41"/>
-    <p:sldId id="362" r:id="rId42"/>
-    <p:sldId id="363" r:id="rId43"/>
-    <p:sldId id="373" r:id="rId44"/>
-    <p:sldId id="345" r:id="rId45"/>
-    <p:sldId id="374" r:id="rId46"/>
-    <p:sldId id="375" r:id="rId47"/>
-    <p:sldId id="346" r:id="rId48"/>
-    <p:sldId id="351" r:id="rId49"/>
-    <p:sldId id="376" r:id="rId50"/>
-    <p:sldId id="353" r:id="rId51"/>
-    <p:sldId id="354" r:id="rId52"/>
+    <p:sldId id="379" r:id="rId26"/>
+    <p:sldId id="262" r:id="rId27"/>
+    <p:sldId id="380" r:id="rId28"/>
+    <p:sldId id="272" r:id="rId29"/>
+    <p:sldId id="331" r:id="rId30"/>
+    <p:sldId id="356" r:id="rId31"/>
+    <p:sldId id="274" r:id="rId32"/>
+    <p:sldId id="275" r:id="rId33"/>
+    <p:sldId id="293" r:id="rId34"/>
+    <p:sldId id="317" r:id="rId35"/>
+    <p:sldId id="334" r:id="rId36"/>
+    <p:sldId id="359" r:id="rId37"/>
+    <p:sldId id="360" r:id="rId38"/>
+    <p:sldId id="361" r:id="rId39"/>
+    <p:sldId id="366" r:id="rId40"/>
+    <p:sldId id="338" r:id="rId41"/>
+    <p:sldId id="369" r:id="rId42"/>
+    <p:sldId id="362" r:id="rId43"/>
+    <p:sldId id="363" r:id="rId44"/>
+    <p:sldId id="373" r:id="rId45"/>
+    <p:sldId id="345" r:id="rId46"/>
+    <p:sldId id="374" r:id="rId47"/>
+    <p:sldId id="375" r:id="rId48"/>
+    <p:sldId id="346" r:id="rId49"/>
+    <p:sldId id="351" r:id="rId50"/>
+    <p:sldId id="376" r:id="rId51"/>
+    <p:sldId id="353" r:id="rId52"/>
+    <p:sldId id="354" r:id="rId53"/>
   </p:sldIdLst>
   <p:sldSz cx="9144000" cy="6858000" type="screen4x3"/>
   <p:notesSz cx="6797675" cy="9874250"/>
@@ -2680,7 +2681,7 @@
       </p:grpSpPr>
       <p:sp>
         <p:nvSpPr>
-          <p:cNvPr id="27650" name="Rectangle 7"/>
+          <p:cNvPr id="35842" name="Rectangle 7"/>
           <p:cNvSpPr>
             <a:spLocks noGrp="1" noChangeArrowheads="1"/>
           </p:cNvSpPr>
@@ -2832,6 +2833,263 @@
                 <a:spcPct val="0"/>
               </a:spcBef>
             </a:pPr>
+            <a:fld id="{03EBA420-2C5D-4BEC-BB4A-3DA726A5C2ED}" type="slidenum">
+              <a:rPr lang="en-US" altLang="en-US" smtClean="0"/>
+              <a:pPr>
+                <a:spcBef>
+                  <a:spcPct val="0"/>
+                </a:spcBef>
+              </a:pPr>
+              <a:t>19</a:t>
+            </a:fld>
+            <a:endParaRPr lang="en-US" altLang="en-US"/>
+          </a:p>
+        </p:txBody>
+      </p:sp>
+      <p:sp>
+        <p:nvSpPr>
+          <p:cNvPr id="35843" name="Rectangle 2"/>
+          <p:cNvSpPr>
+            <a:spLocks noGrp="1" noRot="1" noChangeAspect="1" noChangeArrowheads="1" noTextEdit="1"/>
+          </p:cNvSpPr>
+          <p:nvPr>
+            <p:ph type="sldImg"/>
+          </p:nvPr>
+        </p:nvSpPr>
+        <p:spPr>
+          <a:xfrm>
+            <a:off x="931863" y="741363"/>
+            <a:ext cx="4935537" cy="3702050"/>
+          </a:xfrm>
+          <a:ln/>
+        </p:spPr>
+      </p:sp>
+      <p:sp>
+        <p:nvSpPr>
+          <p:cNvPr id="35844" name="Rectangle 3"/>
+          <p:cNvSpPr>
+            <a:spLocks noGrp="1" noChangeArrowheads="1"/>
+          </p:cNvSpPr>
+          <p:nvPr>
+            <p:ph type="body" idx="1"/>
+          </p:nvPr>
+        </p:nvSpPr>
+        <p:spPr>
+          <a:noFill/>
+          <a:ln/>
+          <a:extLst>
+            <a:ext uri="{909E8E84-426E-40DD-AFC4-6F175D3DCCD1}">
+              <a14:hiddenFill xmlns:a14="http://schemas.microsoft.com/office/drawing/2010/main">
+                <a:solidFill>
+                  <a:srgbClr val="FFFFFF"/>
+                </a:solidFill>
+              </a14:hiddenFill>
+            </a:ext>
+            <a:ext uri="{91240B29-F687-4F45-9708-019B960494DF}">
+              <a14:hiddenLine xmlns:a14="http://schemas.microsoft.com/office/drawing/2010/main" w="9525">
+                <a:solidFill>
+                  <a:srgbClr val="000000"/>
+                </a:solidFill>
+                <a:miter lim="800000"/>
+                <a:headEnd/>
+                <a:tailEnd/>
+              </a14:hiddenLine>
+            </a:ext>
+          </a:extLst>
+        </p:spPr>
+        <p:txBody>
+          <a:bodyPr/>
+          <a:lstStyle/>
+          <a:p>
+            <a:pPr eaLnBrk="1" hangingPunct="1"/>
+            <a:endParaRPr lang="en-US" altLang="en-US"/>
+          </a:p>
+        </p:txBody>
+      </p:sp>
+    </p:spTree>
+    <p:extLst>
+      <p:ext uri="{BB962C8B-B14F-4D97-AF65-F5344CB8AC3E}">
+        <p14:creationId xmlns:p14="http://schemas.microsoft.com/office/powerpoint/2010/main" val="3594659561"/>
+      </p:ext>
+    </p:extLst>
+  </p:cSld>
+  <p:clrMapOvr>
+    <a:masterClrMapping/>
+  </p:clrMapOvr>
+</p:notes>
+</file>
+
+<file path=ppt/notesSlides/notesSlide17.xml><?xml version="1.0" encoding="utf-8"?>
+<p:notes xmlns:a="http://schemas.openxmlformats.org/drawingml/2006/main" xmlns:r="http://schemas.openxmlformats.org/officeDocument/2006/relationships" xmlns:p="http://schemas.openxmlformats.org/presentationml/2006/main">
+  <p:cSld>
+    <p:spTree>
+      <p:nvGrpSpPr>
+        <p:cNvPr id="1" name=""/>
+        <p:cNvGrpSpPr/>
+        <p:nvPr/>
+      </p:nvGrpSpPr>
+      <p:grpSpPr>
+        <a:xfrm>
+          <a:off x="0" y="0"/>
+          <a:ext cx="0" cy="0"/>
+          <a:chOff x="0" y="0"/>
+          <a:chExt cx="0" cy="0"/>
+        </a:xfrm>
+      </p:grpSpPr>
+      <p:sp>
+        <p:nvSpPr>
+          <p:cNvPr id="27650" name="Rectangle 7"/>
+          <p:cNvSpPr>
+            <a:spLocks noGrp="1" noChangeArrowheads="1"/>
+          </p:cNvSpPr>
+          <p:nvPr>
+            <p:ph type="sldNum" sz="quarter" idx="5"/>
+          </p:nvPr>
+        </p:nvSpPr>
+        <p:spPr>
+          <a:noFill/>
+          <a:ln/>
+          <a:extLst>
+            <a:ext uri="{909E8E84-426E-40DD-AFC4-6F175D3DCCD1}">
+              <a14:hiddenFill xmlns:a14="http://schemas.microsoft.com/office/drawing/2010/main">
+                <a:solidFill>
+                  <a:srgbClr val="FFFFFF"/>
+                </a:solidFill>
+              </a14:hiddenFill>
+            </a:ext>
+            <a:ext uri="{91240B29-F687-4F45-9708-019B960494DF}">
+              <a14:hiddenLine xmlns:a14="http://schemas.microsoft.com/office/drawing/2010/main" w="9525">
+                <a:solidFill>
+                  <a:srgbClr val="000000"/>
+                </a:solidFill>
+                <a:miter lim="800000"/>
+                <a:headEnd/>
+                <a:tailEnd/>
+              </a14:hiddenLine>
+            </a:ext>
+          </a:extLst>
+        </p:spPr>
+        <p:txBody>
+          <a:bodyPr/>
+          <a:lstStyle>
+            <a:lvl1pPr>
+              <a:spcBef>
+                <a:spcPct val="30000"/>
+              </a:spcBef>
+              <a:defRPr sz="1200">
+                <a:solidFill>
+                  <a:schemeClr val="tx1"/>
+                </a:solidFill>
+                <a:latin typeface="Times New Roman" panose="02020603050405020304" pitchFamily="18" charset="0"/>
+              </a:defRPr>
+            </a:lvl1pPr>
+            <a:lvl2pPr marL="742950" indent="-285750">
+              <a:spcBef>
+                <a:spcPct val="30000"/>
+              </a:spcBef>
+              <a:defRPr sz="1200">
+                <a:solidFill>
+                  <a:schemeClr val="tx1"/>
+                </a:solidFill>
+                <a:latin typeface="Times New Roman" panose="02020603050405020304" pitchFamily="18" charset="0"/>
+              </a:defRPr>
+            </a:lvl2pPr>
+            <a:lvl3pPr marL="1143000" indent="-228600">
+              <a:spcBef>
+                <a:spcPct val="30000"/>
+              </a:spcBef>
+              <a:defRPr sz="1200">
+                <a:solidFill>
+                  <a:schemeClr val="tx1"/>
+                </a:solidFill>
+                <a:latin typeface="Times New Roman" panose="02020603050405020304" pitchFamily="18" charset="0"/>
+              </a:defRPr>
+            </a:lvl3pPr>
+            <a:lvl4pPr marL="1600200" indent="-228600">
+              <a:spcBef>
+                <a:spcPct val="30000"/>
+              </a:spcBef>
+              <a:defRPr sz="1200">
+                <a:solidFill>
+                  <a:schemeClr val="tx1"/>
+                </a:solidFill>
+                <a:latin typeface="Times New Roman" panose="02020603050405020304" pitchFamily="18" charset="0"/>
+              </a:defRPr>
+            </a:lvl4pPr>
+            <a:lvl5pPr marL="2057400" indent="-228600">
+              <a:spcBef>
+                <a:spcPct val="30000"/>
+              </a:spcBef>
+              <a:defRPr sz="1200">
+                <a:solidFill>
+                  <a:schemeClr val="tx1"/>
+                </a:solidFill>
+                <a:latin typeface="Times New Roman" panose="02020603050405020304" pitchFamily="18" charset="0"/>
+              </a:defRPr>
+            </a:lvl5pPr>
+            <a:lvl6pPr marL="2514600" indent="-228600" eaLnBrk="0" fontAlgn="base" hangingPunct="0">
+              <a:spcBef>
+                <a:spcPct val="30000"/>
+              </a:spcBef>
+              <a:spcAft>
+                <a:spcPct val="0"/>
+              </a:spcAft>
+              <a:defRPr sz="1200">
+                <a:solidFill>
+                  <a:schemeClr val="tx1"/>
+                </a:solidFill>
+                <a:latin typeface="Times New Roman" panose="02020603050405020304" pitchFamily="18" charset="0"/>
+              </a:defRPr>
+            </a:lvl6pPr>
+            <a:lvl7pPr marL="2971800" indent="-228600" eaLnBrk="0" fontAlgn="base" hangingPunct="0">
+              <a:spcBef>
+                <a:spcPct val="30000"/>
+              </a:spcBef>
+              <a:spcAft>
+                <a:spcPct val="0"/>
+              </a:spcAft>
+              <a:defRPr sz="1200">
+                <a:solidFill>
+                  <a:schemeClr val="tx1"/>
+                </a:solidFill>
+                <a:latin typeface="Times New Roman" panose="02020603050405020304" pitchFamily="18" charset="0"/>
+              </a:defRPr>
+            </a:lvl7pPr>
+            <a:lvl8pPr marL="3429000" indent="-228600" eaLnBrk="0" fontAlgn="base" hangingPunct="0">
+              <a:spcBef>
+                <a:spcPct val="30000"/>
+              </a:spcBef>
+              <a:spcAft>
+                <a:spcPct val="0"/>
+              </a:spcAft>
+              <a:defRPr sz="1200">
+                <a:solidFill>
+                  <a:schemeClr val="tx1"/>
+                </a:solidFill>
+                <a:latin typeface="Times New Roman" panose="02020603050405020304" pitchFamily="18" charset="0"/>
+              </a:defRPr>
+            </a:lvl8pPr>
+            <a:lvl9pPr marL="3886200" indent="-228600" eaLnBrk="0" fontAlgn="base" hangingPunct="0">
+              <a:spcBef>
+                <a:spcPct val="30000"/>
+              </a:spcBef>
+              <a:spcAft>
+                <a:spcPct val="0"/>
+              </a:spcAft>
+              <a:defRPr sz="1200">
+                <a:solidFill>
+                  <a:schemeClr val="tx1"/>
+                </a:solidFill>
+                <a:latin typeface="Times New Roman" panose="02020603050405020304" pitchFamily="18" charset="0"/>
+              </a:defRPr>
+            </a:lvl9pPr>
+          </a:lstStyle>
+          <a:p>
+            <a:pPr>
+              <a:spcBef>
+                <a:spcPct val="0"/>
+              </a:spcBef>
+            </a:pPr>
             <a:fld id="{208C60A1-2B6C-4CD4-BF18-521BA4E52AAC}" type="slidenum">
               <a:rPr lang="en-US" altLang="en-US" smtClean="0"/>
               <a:pPr>
@@ -2839,7 +3097,7 @@
                   <a:spcPct val="0"/>
                 </a:spcBef>
               </a:pPr>
-              <a:t>19</a:t>
+              <a:t>20</a:t>
             </a:fld>
             <a:endParaRPr lang="en-US" altLang="en-US"/>
           </a:p>
@@ -2918,7 +3176,7 @@
 </p:notes>
 </file>
 
-<file path=ppt/notesSlides/notesSlide17.xml><?xml version="1.0" encoding="utf-8"?>
+<file path=ppt/notesSlides/notesSlide18.xml><?xml version="1.0" encoding="utf-8"?>
 <p:notes xmlns:a="http://schemas.openxmlformats.org/drawingml/2006/main" xmlns:r="http://schemas.openxmlformats.org/officeDocument/2006/relationships" xmlns:p="http://schemas.openxmlformats.org/presentationml/2006/main">
   <p:cSld>
     <p:spTree>
@@ -3096,7 +3354,7 @@
                   <a:spcPct val="0"/>
                 </a:spcBef>
               </a:pPr>
-              <a:t>20</a:t>
+              <a:t>21</a:t>
             </a:fld>
             <a:endParaRPr lang="en-US" altLang="en-US"/>
           </a:p>
@@ -3175,7 +3433,7 @@
 </p:notes>
 </file>
 
-<file path=ppt/notesSlides/notesSlide18.xml><?xml version="1.0" encoding="utf-8"?>
+<file path=ppt/notesSlides/notesSlide19.xml><?xml version="1.0" encoding="utf-8"?>
 <p:notes xmlns:a="http://schemas.openxmlformats.org/drawingml/2006/main" xmlns:r="http://schemas.openxmlformats.org/officeDocument/2006/relationships" xmlns:p="http://schemas.openxmlformats.org/presentationml/2006/main">
   <p:cSld>
     <p:spTree>
@@ -3353,7 +3611,7 @@
                   <a:spcPct val="0"/>
                 </a:spcBef>
               </a:pPr>
-              <a:t>21</a:t>
+              <a:t>22</a:t>
             </a:fld>
             <a:endParaRPr lang="en-US" altLang="en-US"/>
           </a:p>
@@ -3423,239 +3681,6 @@
     <p:extLst>
       <p:ext uri="{BB962C8B-B14F-4D97-AF65-F5344CB8AC3E}">
         <p14:creationId xmlns:p14="http://schemas.microsoft.com/office/powerpoint/2010/main" val="1762943448"/>
-      </p:ext>
-    </p:extLst>
-  </p:cSld>
-  <p:clrMapOvr>
-    <a:masterClrMapping/>
-  </p:clrMapOvr>
-</p:notes>
-</file>
-
-<file path=ppt/notesSlides/notesSlide19.xml><?xml version="1.0" encoding="utf-8"?>
-<p:notes xmlns:a="http://schemas.openxmlformats.org/drawingml/2006/main" xmlns:r="http://schemas.openxmlformats.org/officeDocument/2006/relationships" xmlns:p="http://schemas.openxmlformats.org/presentationml/2006/main">
-  <p:cSld>
-    <p:spTree>
-      <p:nvGrpSpPr>
-        <p:cNvPr id="1" name=""/>
-        <p:cNvGrpSpPr/>
-        <p:nvPr/>
-      </p:nvGrpSpPr>
-      <p:grpSpPr>
-        <a:xfrm>
-          <a:off x="0" y="0"/>
-          <a:ext cx="0" cy="0"/>
-          <a:chOff x="0" y="0"/>
-          <a:chExt cx="0" cy="0"/>
-        </a:xfrm>
-      </p:grpSpPr>
-      <p:sp>
-        <p:nvSpPr>
-          <p:cNvPr id="33794" name="Rectangle 7"/>
-          <p:cNvSpPr>
-            <a:spLocks noGrp="1" noChangeArrowheads="1"/>
-          </p:cNvSpPr>
-          <p:nvPr>
-            <p:ph type="sldNum" sz="quarter" idx="5"/>
-          </p:nvPr>
-        </p:nvSpPr>
-        <p:spPr>
-          <a:noFill/>
-          <a:ln/>
-          <a:extLst>
-            <a:ext uri="{909E8E84-426E-40DD-AFC4-6F175D3DCCD1}">
-              <a14:hiddenFill xmlns:a14="http://schemas.microsoft.com/office/drawing/2010/main">
-                <a:solidFill>
-                  <a:srgbClr val="FFFFFF"/>
-                </a:solidFill>
-              </a14:hiddenFill>
-            </a:ext>
-            <a:ext uri="{91240B29-F687-4F45-9708-019B960494DF}">
-              <a14:hiddenLine xmlns:a14="http://schemas.microsoft.com/office/drawing/2010/main" w="9525">
-                <a:solidFill>
-                  <a:srgbClr val="000000"/>
-                </a:solidFill>
-                <a:miter lim="800000"/>
-                <a:headEnd/>
-                <a:tailEnd/>
-              </a14:hiddenLine>
-            </a:ext>
-          </a:extLst>
-        </p:spPr>
-        <p:txBody>
-          <a:bodyPr/>
-          <a:lstStyle>
-            <a:lvl1pPr>
-              <a:defRPr sz="2400">
-                <a:solidFill>
-                  <a:schemeClr val="tx1"/>
-                </a:solidFill>
-                <a:latin typeface="Times New Roman" panose="02020603050405020304" pitchFamily="18" charset="0"/>
-              </a:defRPr>
-            </a:lvl1pPr>
-            <a:lvl2pPr marL="742950" indent="-285750">
-              <a:defRPr sz="2400">
-                <a:solidFill>
-                  <a:schemeClr val="tx1"/>
-                </a:solidFill>
-                <a:latin typeface="Times New Roman" panose="02020603050405020304" pitchFamily="18" charset="0"/>
-              </a:defRPr>
-            </a:lvl2pPr>
-            <a:lvl3pPr marL="1143000" indent="-228600">
-              <a:defRPr sz="2400">
-                <a:solidFill>
-                  <a:schemeClr val="tx1"/>
-                </a:solidFill>
-                <a:latin typeface="Times New Roman" panose="02020603050405020304" pitchFamily="18" charset="0"/>
-              </a:defRPr>
-            </a:lvl3pPr>
-            <a:lvl4pPr marL="1600200" indent="-228600">
-              <a:defRPr sz="2400">
-                <a:solidFill>
-                  <a:schemeClr val="tx1"/>
-                </a:solidFill>
-                <a:latin typeface="Times New Roman" panose="02020603050405020304" pitchFamily="18" charset="0"/>
-              </a:defRPr>
-            </a:lvl4pPr>
-            <a:lvl5pPr marL="2057400" indent="-228600">
-              <a:defRPr sz="2400">
-                <a:solidFill>
-                  <a:schemeClr val="tx1"/>
-                </a:solidFill>
-                <a:latin typeface="Times New Roman" panose="02020603050405020304" pitchFamily="18" charset="0"/>
-              </a:defRPr>
-            </a:lvl5pPr>
-            <a:lvl6pPr marL="2514600" indent="-228600" eaLnBrk="0" fontAlgn="base" hangingPunct="0">
-              <a:spcBef>
-                <a:spcPct val="0"/>
-              </a:spcBef>
-              <a:spcAft>
-                <a:spcPct val="0"/>
-              </a:spcAft>
-              <a:defRPr sz="2400">
-                <a:solidFill>
-                  <a:schemeClr val="tx1"/>
-                </a:solidFill>
-                <a:latin typeface="Times New Roman" panose="02020603050405020304" pitchFamily="18" charset="0"/>
-              </a:defRPr>
-            </a:lvl6pPr>
-            <a:lvl7pPr marL="2971800" indent="-228600" eaLnBrk="0" fontAlgn="base" hangingPunct="0">
-              <a:spcBef>
-                <a:spcPct val="0"/>
-              </a:spcBef>
-              <a:spcAft>
-                <a:spcPct val="0"/>
-              </a:spcAft>
-              <a:defRPr sz="2400">
-                <a:solidFill>
-                  <a:schemeClr val="tx1"/>
-                </a:solidFill>
-                <a:latin typeface="Times New Roman" panose="02020603050405020304" pitchFamily="18" charset="0"/>
-              </a:defRPr>
-            </a:lvl7pPr>
-            <a:lvl8pPr marL="3429000" indent="-228600" eaLnBrk="0" fontAlgn="base" hangingPunct="0">
-              <a:spcBef>
-                <a:spcPct val="0"/>
-              </a:spcBef>
-              <a:spcAft>
-                <a:spcPct val="0"/>
-              </a:spcAft>
-              <a:defRPr sz="2400">
-                <a:solidFill>
-                  <a:schemeClr val="tx1"/>
-                </a:solidFill>
-                <a:latin typeface="Times New Roman" panose="02020603050405020304" pitchFamily="18" charset="0"/>
-              </a:defRPr>
-            </a:lvl8pPr>
-            <a:lvl9pPr marL="3886200" indent="-228600" eaLnBrk="0" fontAlgn="base" hangingPunct="0">
-              <a:spcBef>
-                <a:spcPct val="0"/>
-              </a:spcBef>
-              <a:spcAft>
-                <a:spcPct val="0"/>
-              </a:spcAft>
-              <a:defRPr sz="2400">
-                <a:solidFill>
-                  <a:schemeClr val="tx1"/>
-                </a:solidFill>
-                <a:latin typeface="Times New Roman" panose="02020603050405020304" pitchFamily="18" charset="0"/>
-              </a:defRPr>
-            </a:lvl9pPr>
-          </a:lstStyle>
-          <a:p>
-            <a:fld id="{DDAC4356-A2F3-4F6D-8F60-1A5854F67719}" type="slidenum">
-              <a:rPr lang="en-US" altLang="en-US" sz="1200" smtClean="0"/>
-              <a:pPr/>
-              <a:t>22</a:t>
-            </a:fld>
-            <a:endParaRPr lang="en-US" altLang="en-US" sz="1200"/>
-          </a:p>
-        </p:txBody>
-      </p:sp>
-      <p:sp>
-        <p:nvSpPr>
-          <p:cNvPr id="33795" name="Rectangle 2"/>
-          <p:cNvSpPr>
-            <a:spLocks noGrp="1" noRot="1" noChangeAspect="1" noChangeArrowheads="1" noTextEdit="1"/>
-          </p:cNvSpPr>
-          <p:nvPr>
-            <p:ph type="sldImg"/>
-          </p:nvPr>
-        </p:nvSpPr>
-        <p:spPr>
-          <a:xfrm>
-            <a:off x="931863" y="741363"/>
-            <a:ext cx="4935537" cy="3702050"/>
-          </a:xfrm>
-          <a:ln/>
-        </p:spPr>
-      </p:sp>
-      <p:sp>
-        <p:nvSpPr>
-          <p:cNvPr id="33796" name="Rectangle 3"/>
-          <p:cNvSpPr>
-            <a:spLocks noGrp="1" noChangeArrowheads="1"/>
-          </p:cNvSpPr>
-          <p:nvPr>
-            <p:ph type="body" idx="1"/>
-          </p:nvPr>
-        </p:nvSpPr>
-        <p:spPr>
-          <a:noFill/>
-          <a:ln/>
-          <a:extLst>
-            <a:ext uri="{909E8E84-426E-40DD-AFC4-6F175D3DCCD1}">
-              <a14:hiddenFill xmlns:a14="http://schemas.microsoft.com/office/drawing/2010/main">
-                <a:solidFill>
-                  <a:srgbClr val="FFFFFF"/>
-                </a:solidFill>
-              </a14:hiddenFill>
-            </a:ext>
-            <a:ext uri="{91240B29-F687-4F45-9708-019B960494DF}">
-              <a14:hiddenLine xmlns:a14="http://schemas.microsoft.com/office/drawing/2010/main" w="9525">
-                <a:solidFill>
-                  <a:srgbClr val="000000"/>
-                </a:solidFill>
-                <a:miter lim="800000"/>
-                <a:headEnd/>
-                <a:tailEnd/>
-              </a14:hiddenLine>
-            </a:ext>
-          </a:extLst>
-        </p:spPr>
-        <p:txBody>
-          <a:bodyPr/>
-          <a:lstStyle/>
-          <a:p>
-            <a:pPr eaLnBrk="1" hangingPunct="1"/>
-            <a:endParaRPr lang="en-US" altLang="en-US"/>
-          </a:p>
-        </p:txBody>
-      </p:sp>
-    </p:spTree>
-    <p:extLst>
-      <p:ext uri="{BB962C8B-B14F-4D97-AF65-F5344CB8AC3E}">
-        <p14:creationId xmlns:p14="http://schemas.microsoft.com/office/powerpoint/2010/main" val="1933058259"/>
       </p:ext>
     </p:extLst>
   </p:cSld>
@@ -3773,7 +3798,7 @@
       </p:grpSpPr>
       <p:sp>
         <p:nvSpPr>
-          <p:cNvPr id="35842" name="Rectangle 7"/>
+          <p:cNvPr id="33794" name="Rectangle 7"/>
           <p:cNvSpPr>
             <a:spLocks noGrp="1" noChangeArrowheads="1"/>
           </p:cNvSpPr>
@@ -3808,10 +3833,7 @@
           <a:bodyPr/>
           <a:lstStyle>
             <a:lvl1pPr>
-              <a:spcBef>
-                <a:spcPct val="30000"/>
-              </a:spcBef>
-              <a:defRPr sz="1200">
+              <a:defRPr sz="2400">
                 <a:solidFill>
                   <a:schemeClr val="tx1"/>
                 </a:solidFill>
@@ -3819,10 +3841,7 @@
               </a:defRPr>
             </a:lvl1pPr>
             <a:lvl2pPr marL="742950" indent="-285750">
-              <a:spcBef>
-                <a:spcPct val="30000"/>
-              </a:spcBef>
-              <a:defRPr sz="1200">
+              <a:defRPr sz="2400">
                 <a:solidFill>
                   <a:schemeClr val="tx1"/>
                 </a:solidFill>
@@ -3830,10 +3849,7 @@
               </a:defRPr>
             </a:lvl2pPr>
             <a:lvl3pPr marL="1143000" indent="-228600">
-              <a:spcBef>
-                <a:spcPct val="30000"/>
-              </a:spcBef>
-              <a:defRPr sz="1200">
+              <a:defRPr sz="2400">
                 <a:solidFill>
                   <a:schemeClr val="tx1"/>
                 </a:solidFill>
@@ -3841,10 +3857,7 @@
               </a:defRPr>
             </a:lvl3pPr>
             <a:lvl4pPr marL="1600200" indent="-228600">
-              <a:spcBef>
-                <a:spcPct val="30000"/>
-              </a:spcBef>
-              <a:defRPr sz="1200">
+              <a:defRPr sz="2400">
                 <a:solidFill>
                   <a:schemeClr val="tx1"/>
                 </a:solidFill>
@@ -3852,10 +3865,7 @@
               </a:defRPr>
             </a:lvl4pPr>
             <a:lvl5pPr marL="2057400" indent="-228600">
-              <a:spcBef>
-                <a:spcPct val="30000"/>
-              </a:spcBef>
-              <a:defRPr sz="1200">
+              <a:defRPr sz="2400">
                 <a:solidFill>
                   <a:schemeClr val="tx1"/>
                 </a:solidFill>
@@ -3864,12 +3874,12 @@
             </a:lvl5pPr>
             <a:lvl6pPr marL="2514600" indent="-228600" eaLnBrk="0" fontAlgn="base" hangingPunct="0">
               <a:spcBef>
-                <a:spcPct val="30000"/>
+                <a:spcPct val="0"/>
               </a:spcBef>
               <a:spcAft>
                 <a:spcPct val="0"/>
               </a:spcAft>
-              <a:defRPr sz="1200">
+              <a:defRPr sz="2400">
                 <a:solidFill>
                   <a:schemeClr val="tx1"/>
                 </a:solidFill>
@@ -3878,12 +3888,12 @@
             </a:lvl6pPr>
             <a:lvl7pPr marL="2971800" indent="-228600" eaLnBrk="0" fontAlgn="base" hangingPunct="0">
               <a:spcBef>
-                <a:spcPct val="30000"/>
+                <a:spcPct val="0"/>
               </a:spcBef>
               <a:spcAft>
                 <a:spcPct val="0"/>
               </a:spcAft>
-              <a:defRPr sz="1200">
+              <a:defRPr sz="2400">
                 <a:solidFill>
                   <a:schemeClr val="tx1"/>
                 </a:solidFill>
@@ -3892,12 +3902,12 @@
             </a:lvl7pPr>
             <a:lvl8pPr marL="3429000" indent="-228600" eaLnBrk="0" fontAlgn="base" hangingPunct="0">
               <a:spcBef>
-                <a:spcPct val="30000"/>
+                <a:spcPct val="0"/>
               </a:spcBef>
               <a:spcAft>
                 <a:spcPct val="0"/>
               </a:spcAft>
-              <a:defRPr sz="1200">
+              <a:defRPr sz="2400">
                 <a:solidFill>
                   <a:schemeClr val="tx1"/>
                 </a:solidFill>
@@ -3906,12 +3916,12 @@
             </a:lvl8pPr>
             <a:lvl9pPr marL="3886200" indent="-228600" eaLnBrk="0" fontAlgn="base" hangingPunct="0">
               <a:spcBef>
-                <a:spcPct val="30000"/>
+                <a:spcPct val="0"/>
               </a:spcBef>
               <a:spcAft>
                 <a:spcPct val="0"/>
               </a:spcAft>
-              <a:defRPr sz="1200">
+              <a:defRPr sz="2400">
                 <a:solidFill>
                   <a:schemeClr val="tx1"/>
                 </a:solidFill>
@@ -3920,27 +3930,18 @@
             </a:lvl9pPr>
           </a:lstStyle>
           <a:p>
-            <a:pPr>
-              <a:spcBef>
-                <a:spcPct val="0"/>
-              </a:spcBef>
-            </a:pPr>
-            <a:fld id="{03EBA420-2C5D-4BEC-BB4A-3DA726A5C2ED}" type="slidenum">
-              <a:rPr lang="en-US" altLang="en-US" smtClean="0"/>
-              <a:pPr>
-                <a:spcBef>
-                  <a:spcPct val="0"/>
-                </a:spcBef>
-              </a:pPr>
+            <a:fld id="{DDAC4356-A2F3-4F6D-8F60-1A5854F67719}" type="slidenum">
+              <a:rPr lang="en-US" altLang="en-US" sz="1200" smtClean="0"/>
+              <a:pPr/>
               <a:t>23</a:t>
             </a:fld>
-            <a:endParaRPr lang="en-US" altLang="en-US"/>
+            <a:endParaRPr lang="en-US" altLang="en-US" sz="1200"/>
           </a:p>
         </p:txBody>
       </p:sp>
       <p:sp>
         <p:nvSpPr>
-          <p:cNvPr id="35843" name="Rectangle 2"/>
+          <p:cNvPr id="33795" name="Rectangle 2"/>
           <p:cNvSpPr>
             <a:spLocks noGrp="1" noRot="1" noChangeAspect="1" noChangeArrowheads="1" noTextEdit="1"/>
           </p:cNvSpPr>
@@ -3958,7 +3959,7 @@
       </p:sp>
       <p:sp>
         <p:nvSpPr>
-          <p:cNvPr id="35844" name="Rectangle 3"/>
+          <p:cNvPr id="33796" name="Rectangle 3"/>
           <p:cNvSpPr>
             <a:spLocks noGrp="1" noChangeArrowheads="1"/>
           </p:cNvSpPr>
@@ -4001,7 +4002,7 @@
     </p:spTree>
     <p:extLst>
       <p:ext uri="{BB962C8B-B14F-4D97-AF65-F5344CB8AC3E}">
-        <p14:creationId xmlns:p14="http://schemas.microsoft.com/office/powerpoint/2010/main" val="3594659561"/>
+        <p14:creationId xmlns:p14="http://schemas.microsoft.com/office/powerpoint/2010/main" val="1933058259"/>
       </p:ext>
     </p:extLst>
   </p:cSld>
@@ -4507,7 +4508,7 @@
     </p:spTree>
     <p:extLst>
       <p:ext uri="{BB962C8B-B14F-4D97-AF65-F5344CB8AC3E}">
-        <p14:creationId xmlns:p14="http://schemas.microsoft.com/office/powerpoint/2010/main" val="2662656848"/>
+        <p14:creationId xmlns:p14="http://schemas.microsoft.com/office/powerpoint/2010/main" val="298361142"/>
       </p:ext>
     </p:extLst>
   </p:cSld>
@@ -4760,7 +4761,7 @@
     </p:spTree>
     <p:extLst>
       <p:ext uri="{BB962C8B-B14F-4D97-AF65-F5344CB8AC3E}">
-        <p14:creationId xmlns:p14="http://schemas.microsoft.com/office/powerpoint/2010/main" val="298361142"/>
+        <p14:creationId xmlns:p14="http://schemas.microsoft.com/office/powerpoint/2010/main" val="2662656848"/>
       </p:ext>
     </p:extLst>
   </p:cSld>
@@ -4771,6 +4772,259 @@
 </file>
 
 <file path=ppt/notesSlides/notesSlide24.xml><?xml version="1.0" encoding="utf-8"?>
+<p:notes xmlns:a="http://schemas.openxmlformats.org/drawingml/2006/main" xmlns:r="http://schemas.openxmlformats.org/officeDocument/2006/relationships" xmlns:p="http://schemas.openxmlformats.org/presentationml/2006/main">
+  <p:cSld>
+    <p:spTree>
+      <p:nvGrpSpPr>
+        <p:cNvPr id="1" name=""/>
+        <p:cNvGrpSpPr/>
+        <p:nvPr/>
+      </p:nvGrpSpPr>
+      <p:grpSpPr>
+        <a:xfrm>
+          <a:off x="0" y="0"/>
+          <a:ext cx="0" cy="0"/>
+          <a:chOff x="0" y="0"/>
+          <a:chExt cx="0" cy="0"/>
+        </a:xfrm>
+      </p:grpSpPr>
+      <p:sp>
+        <p:nvSpPr>
+          <p:cNvPr id="37890" name="Rectangle 7"/>
+          <p:cNvSpPr>
+            <a:spLocks noGrp="1" noChangeArrowheads="1"/>
+          </p:cNvSpPr>
+          <p:nvPr>
+            <p:ph type="sldNum" sz="quarter" idx="5"/>
+          </p:nvPr>
+        </p:nvSpPr>
+        <p:spPr>
+          <a:noFill/>
+          <a:ln/>
+          <a:extLst>
+            <a:ext uri="{909E8E84-426E-40DD-AFC4-6F175D3DCCD1}">
+              <a14:hiddenFill xmlns:a14="http://schemas.microsoft.com/office/drawing/2010/main">
+                <a:solidFill>
+                  <a:srgbClr val="FFFFFF"/>
+                </a:solidFill>
+              </a14:hiddenFill>
+            </a:ext>
+            <a:ext uri="{91240B29-F687-4F45-9708-019B960494DF}">
+              <a14:hiddenLine xmlns:a14="http://schemas.microsoft.com/office/drawing/2010/main" w="9525">
+                <a:solidFill>
+                  <a:srgbClr val="000000"/>
+                </a:solidFill>
+                <a:miter lim="800000"/>
+                <a:headEnd/>
+                <a:tailEnd/>
+              </a14:hiddenLine>
+            </a:ext>
+          </a:extLst>
+        </p:spPr>
+        <p:txBody>
+          <a:bodyPr/>
+          <a:lstStyle>
+            <a:lvl1pPr>
+              <a:spcBef>
+                <a:spcPct val="30000"/>
+              </a:spcBef>
+              <a:defRPr sz="1200">
+                <a:solidFill>
+                  <a:schemeClr val="tx1"/>
+                </a:solidFill>
+                <a:latin typeface="Times New Roman" panose="02020603050405020304" pitchFamily="18" charset="0"/>
+              </a:defRPr>
+            </a:lvl1pPr>
+            <a:lvl2pPr marL="742950" indent="-285750">
+              <a:spcBef>
+                <a:spcPct val="30000"/>
+              </a:spcBef>
+              <a:defRPr sz="1200">
+                <a:solidFill>
+                  <a:schemeClr val="tx1"/>
+                </a:solidFill>
+                <a:latin typeface="Times New Roman" panose="02020603050405020304" pitchFamily="18" charset="0"/>
+              </a:defRPr>
+            </a:lvl2pPr>
+            <a:lvl3pPr marL="1143000" indent="-228600">
+              <a:spcBef>
+                <a:spcPct val="30000"/>
+              </a:spcBef>
+              <a:defRPr sz="1200">
+                <a:solidFill>
+                  <a:schemeClr val="tx1"/>
+                </a:solidFill>
+                <a:latin typeface="Times New Roman" panose="02020603050405020304" pitchFamily="18" charset="0"/>
+              </a:defRPr>
+            </a:lvl3pPr>
+            <a:lvl4pPr marL="1600200" indent="-228600">
+              <a:spcBef>
+                <a:spcPct val="30000"/>
+              </a:spcBef>
+              <a:defRPr sz="1200">
+                <a:solidFill>
+                  <a:schemeClr val="tx1"/>
+                </a:solidFill>
+                <a:latin typeface="Times New Roman" panose="02020603050405020304" pitchFamily="18" charset="0"/>
+              </a:defRPr>
+            </a:lvl4pPr>
+            <a:lvl5pPr marL="2057400" indent="-228600">
+              <a:spcBef>
+                <a:spcPct val="30000"/>
+              </a:spcBef>
+              <a:defRPr sz="1200">
+                <a:solidFill>
+                  <a:schemeClr val="tx1"/>
+                </a:solidFill>
+                <a:latin typeface="Times New Roman" panose="02020603050405020304" pitchFamily="18" charset="0"/>
+              </a:defRPr>
+            </a:lvl5pPr>
+            <a:lvl6pPr marL="2514600" indent="-228600" eaLnBrk="0" fontAlgn="base" hangingPunct="0">
+              <a:spcBef>
+                <a:spcPct val="30000"/>
+              </a:spcBef>
+              <a:spcAft>
+                <a:spcPct val="0"/>
+              </a:spcAft>
+              <a:defRPr sz="1200">
+                <a:solidFill>
+                  <a:schemeClr val="tx1"/>
+                </a:solidFill>
+                <a:latin typeface="Times New Roman" panose="02020603050405020304" pitchFamily="18" charset="0"/>
+              </a:defRPr>
+            </a:lvl6pPr>
+            <a:lvl7pPr marL="2971800" indent="-228600" eaLnBrk="0" fontAlgn="base" hangingPunct="0">
+              <a:spcBef>
+                <a:spcPct val="30000"/>
+              </a:spcBef>
+              <a:spcAft>
+                <a:spcPct val="0"/>
+              </a:spcAft>
+              <a:defRPr sz="1200">
+                <a:solidFill>
+                  <a:schemeClr val="tx1"/>
+                </a:solidFill>
+                <a:latin typeface="Times New Roman" panose="02020603050405020304" pitchFamily="18" charset="0"/>
+              </a:defRPr>
+            </a:lvl7pPr>
+            <a:lvl8pPr marL="3429000" indent="-228600" eaLnBrk="0" fontAlgn="base" hangingPunct="0">
+              <a:spcBef>
+                <a:spcPct val="30000"/>
+              </a:spcBef>
+              <a:spcAft>
+                <a:spcPct val="0"/>
+              </a:spcAft>
+              <a:defRPr sz="1200">
+                <a:solidFill>
+                  <a:schemeClr val="tx1"/>
+                </a:solidFill>
+                <a:latin typeface="Times New Roman" panose="02020603050405020304" pitchFamily="18" charset="0"/>
+              </a:defRPr>
+            </a:lvl8pPr>
+            <a:lvl9pPr marL="3886200" indent="-228600" eaLnBrk="0" fontAlgn="base" hangingPunct="0">
+              <a:spcBef>
+                <a:spcPct val="30000"/>
+              </a:spcBef>
+              <a:spcAft>
+                <a:spcPct val="0"/>
+              </a:spcAft>
+              <a:defRPr sz="1200">
+                <a:solidFill>
+                  <a:schemeClr val="tx1"/>
+                </a:solidFill>
+                <a:latin typeface="Times New Roman" panose="02020603050405020304" pitchFamily="18" charset="0"/>
+              </a:defRPr>
+            </a:lvl9pPr>
+          </a:lstStyle>
+          <a:p>
+            <a:pPr>
+              <a:spcBef>
+                <a:spcPct val="0"/>
+              </a:spcBef>
+            </a:pPr>
+            <a:fld id="{FFB6C719-CF5A-4DAD-94DD-BB01E92A4531}" type="slidenum">
+              <a:rPr lang="en-US" altLang="en-US" smtClean="0"/>
+              <a:pPr>
+                <a:spcBef>
+                  <a:spcPct val="0"/>
+                </a:spcBef>
+              </a:pPr>
+              <a:t>27</a:t>
+            </a:fld>
+            <a:endParaRPr lang="en-US" altLang="en-US"/>
+          </a:p>
+        </p:txBody>
+      </p:sp>
+      <p:sp>
+        <p:nvSpPr>
+          <p:cNvPr id="37891" name="Rectangle 2"/>
+          <p:cNvSpPr>
+            <a:spLocks noGrp="1" noRot="1" noChangeAspect="1" noChangeArrowheads="1" noTextEdit="1"/>
+          </p:cNvSpPr>
+          <p:nvPr>
+            <p:ph type="sldImg"/>
+          </p:nvPr>
+        </p:nvSpPr>
+        <p:spPr>
+          <a:ln/>
+        </p:spPr>
+      </p:sp>
+      <p:sp>
+        <p:nvSpPr>
+          <p:cNvPr id="37892" name="Rectangle 3"/>
+          <p:cNvSpPr>
+            <a:spLocks noGrp="1" noChangeArrowheads="1"/>
+          </p:cNvSpPr>
+          <p:nvPr>
+            <p:ph type="body" idx="1"/>
+          </p:nvPr>
+        </p:nvSpPr>
+        <p:spPr>
+          <a:noFill/>
+          <a:ln/>
+          <a:extLst>
+            <a:ext uri="{909E8E84-426E-40DD-AFC4-6F175D3DCCD1}">
+              <a14:hiddenFill xmlns:a14="http://schemas.microsoft.com/office/drawing/2010/main">
+                <a:solidFill>
+                  <a:srgbClr val="FFFFFF"/>
+                </a:solidFill>
+              </a14:hiddenFill>
+            </a:ext>
+            <a:ext uri="{91240B29-F687-4F45-9708-019B960494DF}">
+              <a14:hiddenLine xmlns:a14="http://schemas.microsoft.com/office/drawing/2010/main" w="9525">
+                <a:solidFill>
+                  <a:srgbClr val="000000"/>
+                </a:solidFill>
+                <a:miter lim="800000"/>
+                <a:headEnd/>
+                <a:tailEnd/>
+              </a14:hiddenLine>
+            </a:ext>
+          </a:extLst>
+        </p:spPr>
+        <p:txBody>
+          <a:bodyPr/>
+          <a:lstStyle/>
+          <a:p>
+            <a:pPr eaLnBrk="1" hangingPunct="1"/>
+            <a:endParaRPr lang="en-US" altLang="en-US"/>
+          </a:p>
+        </p:txBody>
+      </p:sp>
+    </p:spTree>
+    <p:extLst>
+      <p:ext uri="{BB962C8B-B14F-4D97-AF65-F5344CB8AC3E}">
+        <p14:creationId xmlns:p14="http://schemas.microsoft.com/office/powerpoint/2010/main" val="679793877"/>
+      </p:ext>
+    </p:extLst>
+  </p:cSld>
+  <p:clrMapOvr>
+    <a:masterClrMapping/>
+  </p:clrMapOvr>
+</p:notes>
+</file>
+
+<file path=ppt/notesSlides/notesSlide25.xml><?xml version="1.0" encoding="utf-8"?>
 <p:notes xmlns:a="http://schemas.openxmlformats.org/drawingml/2006/main" xmlns:r="http://schemas.openxmlformats.org/officeDocument/2006/relationships" xmlns:p="http://schemas.openxmlformats.org/presentationml/2006/main">
   <p:cSld>
     <p:spTree>
@@ -4948,7 +5202,7 @@
                   <a:spcPct val="0"/>
                 </a:spcBef>
               </a:pPr>
-              <a:t>27</a:t>
+              <a:t>28</a:t>
             </a:fld>
             <a:endParaRPr lang="en-US" altLang="en-US"/>
           </a:p>
@@ -5023,7 +5277,7 @@
 </p:notes>
 </file>
 
-<file path=ppt/notesSlides/notesSlide25.xml><?xml version="1.0" encoding="utf-8"?>
+<file path=ppt/notesSlides/notesSlide26.xml><?xml version="1.0" encoding="utf-8"?>
 <p:notes xmlns:a="http://schemas.openxmlformats.org/drawingml/2006/main" xmlns:r="http://schemas.openxmlformats.org/officeDocument/2006/relationships" xmlns:p="http://schemas.openxmlformats.org/presentationml/2006/main">
   <p:cSld>
     <p:spTree>
@@ -5201,7 +5455,7 @@
                   <a:spcPct val="0"/>
                 </a:spcBef>
               </a:pPr>
-              <a:t>28</a:t>
+              <a:t>29</a:t>
             </a:fld>
             <a:endParaRPr lang="en-US" altLang="en-US"/>
           </a:p>
@@ -5267,259 +5521,6 @@
     <p:extLst>
       <p:ext uri="{BB962C8B-B14F-4D97-AF65-F5344CB8AC3E}">
         <p14:creationId xmlns:p14="http://schemas.microsoft.com/office/powerpoint/2010/main" val="2312962462"/>
-      </p:ext>
-    </p:extLst>
-  </p:cSld>
-  <p:clrMapOvr>
-    <a:masterClrMapping/>
-  </p:clrMapOvr>
-</p:notes>
-</file>
-
-<file path=ppt/notesSlides/notesSlide26.xml><?xml version="1.0" encoding="utf-8"?>
-<p:notes xmlns:a="http://schemas.openxmlformats.org/drawingml/2006/main" xmlns:r="http://schemas.openxmlformats.org/officeDocument/2006/relationships" xmlns:p="http://schemas.openxmlformats.org/presentationml/2006/main">
-  <p:cSld>
-    <p:spTree>
-      <p:nvGrpSpPr>
-        <p:cNvPr id="1" name=""/>
-        <p:cNvGrpSpPr/>
-        <p:nvPr/>
-      </p:nvGrpSpPr>
-      <p:grpSpPr>
-        <a:xfrm>
-          <a:off x="0" y="0"/>
-          <a:ext cx="0" cy="0"/>
-          <a:chOff x="0" y="0"/>
-          <a:chExt cx="0" cy="0"/>
-        </a:xfrm>
-      </p:grpSpPr>
-      <p:sp>
-        <p:nvSpPr>
-          <p:cNvPr id="45058" name="Rectangle 7"/>
-          <p:cNvSpPr>
-            <a:spLocks noGrp="1" noChangeArrowheads="1"/>
-          </p:cNvSpPr>
-          <p:nvPr>
-            <p:ph type="sldNum" sz="quarter" idx="5"/>
-          </p:nvPr>
-        </p:nvSpPr>
-        <p:spPr>
-          <a:noFill/>
-          <a:ln/>
-          <a:extLst>
-            <a:ext uri="{909E8E84-426E-40DD-AFC4-6F175D3DCCD1}">
-              <a14:hiddenFill xmlns:a14="http://schemas.microsoft.com/office/drawing/2010/main">
-                <a:solidFill>
-                  <a:srgbClr val="FFFFFF"/>
-                </a:solidFill>
-              </a14:hiddenFill>
-            </a:ext>
-            <a:ext uri="{91240B29-F687-4F45-9708-019B960494DF}">
-              <a14:hiddenLine xmlns:a14="http://schemas.microsoft.com/office/drawing/2010/main" w="9525">
-                <a:solidFill>
-                  <a:srgbClr val="000000"/>
-                </a:solidFill>
-                <a:miter lim="800000"/>
-                <a:headEnd/>
-                <a:tailEnd/>
-              </a14:hiddenLine>
-            </a:ext>
-          </a:extLst>
-        </p:spPr>
-        <p:txBody>
-          <a:bodyPr/>
-          <a:lstStyle>
-            <a:lvl1pPr>
-              <a:spcBef>
-                <a:spcPct val="30000"/>
-              </a:spcBef>
-              <a:defRPr sz="1200">
-                <a:solidFill>
-                  <a:schemeClr val="tx1"/>
-                </a:solidFill>
-                <a:latin typeface="Times New Roman" panose="02020603050405020304" pitchFamily="18" charset="0"/>
-              </a:defRPr>
-            </a:lvl1pPr>
-            <a:lvl2pPr marL="742950" indent="-285750">
-              <a:spcBef>
-                <a:spcPct val="30000"/>
-              </a:spcBef>
-              <a:defRPr sz="1200">
-                <a:solidFill>
-                  <a:schemeClr val="tx1"/>
-                </a:solidFill>
-                <a:latin typeface="Times New Roman" panose="02020603050405020304" pitchFamily="18" charset="0"/>
-              </a:defRPr>
-            </a:lvl2pPr>
-            <a:lvl3pPr marL="1143000" indent="-228600">
-              <a:spcBef>
-                <a:spcPct val="30000"/>
-              </a:spcBef>
-              <a:defRPr sz="1200">
-                <a:solidFill>
-                  <a:schemeClr val="tx1"/>
-                </a:solidFill>
-                <a:latin typeface="Times New Roman" panose="02020603050405020304" pitchFamily="18" charset="0"/>
-              </a:defRPr>
-            </a:lvl3pPr>
-            <a:lvl4pPr marL="1600200" indent="-228600">
-              <a:spcBef>
-                <a:spcPct val="30000"/>
-              </a:spcBef>
-              <a:defRPr sz="1200">
-                <a:solidFill>
-                  <a:schemeClr val="tx1"/>
-                </a:solidFill>
-                <a:latin typeface="Times New Roman" panose="02020603050405020304" pitchFamily="18" charset="0"/>
-              </a:defRPr>
-            </a:lvl4pPr>
-            <a:lvl5pPr marL="2057400" indent="-228600">
-              <a:spcBef>
-                <a:spcPct val="30000"/>
-              </a:spcBef>
-              <a:defRPr sz="1200">
-                <a:solidFill>
-                  <a:schemeClr val="tx1"/>
-                </a:solidFill>
-                <a:latin typeface="Times New Roman" panose="02020603050405020304" pitchFamily="18" charset="0"/>
-              </a:defRPr>
-            </a:lvl5pPr>
-            <a:lvl6pPr marL="2514600" indent="-228600" eaLnBrk="0" fontAlgn="base" hangingPunct="0">
-              <a:spcBef>
-                <a:spcPct val="30000"/>
-              </a:spcBef>
-              <a:spcAft>
-                <a:spcPct val="0"/>
-              </a:spcAft>
-              <a:defRPr sz="1200">
-                <a:solidFill>
-                  <a:schemeClr val="tx1"/>
-                </a:solidFill>
-                <a:latin typeface="Times New Roman" panose="02020603050405020304" pitchFamily="18" charset="0"/>
-              </a:defRPr>
-            </a:lvl6pPr>
-            <a:lvl7pPr marL="2971800" indent="-228600" eaLnBrk="0" fontAlgn="base" hangingPunct="0">
-              <a:spcBef>
-                <a:spcPct val="30000"/>
-              </a:spcBef>
-              <a:spcAft>
-                <a:spcPct val="0"/>
-              </a:spcAft>
-              <a:defRPr sz="1200">
-                <a:solidFill>
-                  <a:schemeClr val="tx1"/>
-                </a:solidFill>
-                <a:latin typeface="Times New Roman" panose="02020603050405020304" pitchFamily="18" charset="0"/>
-              </a:defRPr>
-            </a:lvl7pPr>
-            <a:lvl8pPr marL="3429000" indent="-228600" eaLnBrk="0" fontAlgn="base" hangingPunct="0">
-              <a:spcBef>
-                <a:spcPct val="30000"/>
-              </a:spcBef>
-              <a:spcAft>
-                <a:spcPct val="0"/>
-              </a:spcAft>
-              <a:defRPr sz="1200">
-                <a:solidFill>
-                  <a:schemeClr val="tx1"/>
-                </a:solidFill>
-                <a:latin typeface="Times New Roman" panose="02020603050405020304" pitchFamily="18" charset="0"/>
-              </a:defRPr>
-            </a:lvl8pPr>
-            <a:lvl9pPr marL="3886200" indent="-228600" eaLnBrk="0" fontAlgn="base" hangingPunct="0">
-              <a:spcBef>
-                <a:spcPct val="30000"/>
-              </a:spcBef>
-              <a:spcAft>
-                <a:spcPct val="0"/>
-              </a:spcAft>
-              <a:defRPr sz="1200">
-                <a:solidFill>
-                  <a:schemeClr val="tx1"/>
-                </a:solidFill>
-                <a:latin typeface="Times New Roman" panose="02020603050405020304" pitchFamily="18" charset="0"/>
-              </a:defRPr>
-            </a:lvl9pPr>
-          </a:lstStyle>
-          <a:p>
-            <a:pPr>
-              <a:spcBef>
-                <a:spcPct val="0"/>
-              </a:spcBef>
-            </a:pPr>
-            <a:fld id="{800B9C3D-1B28-4936-84A1-F76FDA76EF83}" type="slidenum">
-              <a:rPr lang="en-US" altLang="en-US" smtClean="0"/>
-              <a:pPr>
-                <a:spcBef>
-                  <a:spcPct val="0"/>
-                </a:spcBef>
-              </a:pPr>
-              <a:t>29</a:t>
-            </a:fld>
-            <a:endParaRPr lang="en-US" altLang="en-US"/>
-          </a:p>
-        </p:txBody>
-      </p:sp>
-      <p:sp>
-        <p:nvSpPr>
-          <p:cNvPr id="45059" name="Rectangle 2"/>
-          <p:cNvSpPr>
-            <a:spLocks noGrp="1" noRot="1" noChangeAspect="1" noChangeArrowheads="1" noTextEdit="1"/>
-          </p:cNvSpPr>
-          <p:nvPr>
-            <p:ph type="sldImg"/>
-          </p:nvPr>
-        </p:nvSpPr>
-        <p:spPr>
-          <a:ln/>
-        </p:spPr>
-      </p:sp>
-      <p:sp>
-        <p:nvSpPr>
-          <p:cNvPr id="45060" name="Rectangle 3"/>
-          <p:cNvSpPr>
-            <a:spLocks noGrp="1" noChangeArrowheads="1"/>
-          </p:cNvSpPr>
-          <p:nvPr>
-            <p:ph type="body" idx="1"/>
-          </p:nvPr>
-        </p:nvSpPr>
-        <p:spPr>
-          <a:noFill/>
-          <a:ln/>
-          <a:extLst>
-            <a:ext uri="{909E8E84-426E-40DD-AFC4-6F175D3DCCD1}">
-              <a14:hiddenFill xmlns:a14="http://schemas.microsoft.com/office/drawing/2010/main">
-                <a:solidFill>
-                  <a:srgbClr val="FFFFFF"/>
-                </a:solidFill>
-              </a14:hiddenFill>
-            </a:ext>
-            <a:ext uri="{91240B29-F687-4F45-9708-019B960494DF}">
-              <a14:hiddenLine xmlns:a14="http://schemas.microsoft.com/office/drawing/2010/main" w="9525">
-                <a:solidFill>
-                  <a:srgbClr val="000000"/>
-                </a:solidFill>
-                <a:miter lim="800000"/>
-                <a:headEnd/>
-                <a:tailEnd/>
-              </a14:hiddenLine>
-            </a:ext>
-          </a:extLst>
-        </p:spPr>
-        <p:txBody>
-          <a:bodyPr/>
-          <a:lstStyle/>
-          <a:p>
-            <a:pPr eaLnBrk="1" hangingPunct="1"/>
-            <a:endParaRPr lang="en-US" altLang="en-US"/>
-          </a:p>
-        </p:txBody>
-      </p:sp>
-    </p:spTree>
-    <p:extLst>
-      <p:ext uri="{BB962C8B-B14F-4D97-AF65-F5344CB8AC3E}">
-        <p14:creationId xmlns:p14="http://schemas.microsoft.com/office/powerpoint/2010/main" val="2285740866"/>
       </p:ext>
     </p:extLst>
   </p:cSld>
@@ -5772,6 +5773,259 @@
     </p:spTree>
     <p:extLst>
       <p:ext uri="{BB962C8B-B14F-4D97-AF65-F5344CB8AC3E}">
+        <p14:creationId xmlns:p14="http://schemas.microsoft.com/office/powerpoint/2010/main" val="2285740866"/>
+      </p:ext>
+    </p:extLst>
+  </p:cSld>
+  <p:clrMapOvr>
+    <a:masterClrMapping/>
+  </p:clrMapOvr>
+</p:notes>
+</file>
+
+<file path=ppt/notesSlides/notesSlide28.xml><?xml version="1.0" encoding="utf-8"?>
+<p:notes xmlns:a="http://schemas.openxmlformats.org/drawingml/2006/main" xmlns:r="http://schemas.openxmlformats.org/officeDocument/2006/relationships" xmlns:p="http://schemas.openxmlformats.org/presentationml/2006/main">
+  <p:cSld>
+    <p:spTree>
+      <p:nvGrpSpPr>
+        <p:cNvPr id="1" name=""/>
+        <p:cNvGrpSpPr/>
+        <p:nvPr/>
+      </p:nvGrpSpPr>
+      <p:grpSpPr>
+        <a:xfrm>
+          <a:off x="0" y="0"/>
+          <a:ext cx="0" cy="0"/>
+          <a:chOff x="0" y="0"/>
+          <a:chExt cx="0" cy="0"/>
+        </a:xfrm>
+      </p:grpSpPr>
+      <p:sp>
+        <p:nvSpPr>
+          <p:cNvPr id="45058" name="Rectangle 7"/>
+          <p:cNvSpPr>
+            <a:spLocks noGrp="1" noChangeArrowheads="1"/>
+          </p:cNvSpPr>
+          <p:nvPr>
+            <p:ph type="sldNum" sz="quarter" idx="5"/>
+          </p:nvPr>
+        </p:nvSpPr>
+        <p:spPr>
+          <a:noFill/>
+          <a:ln/>
+          <a:extLst>
+            <a:ext uri="{909E8E84-426E-40DD-AFC4-6F175D3DCCD1}">
+              <a14:hiddenFill xmlns:a14="http://schemas.microsoft.com/office/drawing/2010/main">
+                <a:solidFill>
+                  <a:srgbClr val="FFFFFF"/>
+                </a:solidFill>
+              </a14:hiddenFill>
+            </a:ext>
+            <a:ext uri="{91240B29-F687-4F45-9708-019B960494DF}">
+              <a14:hiddenLine xmlns:a14="http://schemas.microsoft.com/office/drawing/2010/main" w="9525">
+                <a:solidFill>
+                  <a:srgbClr val="000000"/>
+                </a:solidFill>
+                <a:miter lim="800000"/>
+                <a:headEnd/>
+                <a:tailEnd/>
+              </a14:hiddenLine>
+            </a:ext>
+          </a:extLst>
+        </p:spPr>
+        <p:txBody>
+          <a:bodyPr/>
+          <a:lstStyle>
+            <a:lvl1pPr>
+              <a:spcBef>
+                <a:spcPct val="30000"/>
+              </a:spcBef>
+              <a:defRPr sz="1200">
+                <a:solidFill>
+                  <a:schemeClr val="tx1"/>
+                </a:solidFill>
+                <a:latin typeface="Times New Roman" panose="02020603050405020304" pitchFamily="18" charset="0"/>
+              </a:defRPr>
+            </a:lvl1pPr>
+            <a:lvl2pPr marL="742950" indent="-285750">
+              <a:spcBef>
+                <a:spcPct val="30000"/>
+              </a:spcBef>
+              <a:defRPr sz="1200">
+                <a:solidFill>
+                  <a:schemeClr val="tx1"/>
+                </a:solidFill>
+                <a:latin typeface="Times New Roman" panose="02020603050405020304" pitchFamily="18" charset="0"/>
+              </a:defRPr>
+            </a:lvl2pPr>
+            <a:lvl3pPr marL="1143000" indent="-228600">
+              <a:spcBef>
+                <a:spcPct val="30000"/>
+              </a:spcBef>
+              <a:defRPr sz="1200">
+                <a:solidFill>
+                  <a:schemeClr val="tx1"/>
+                </a:solidFill>
+                <a:latin typeface="Times New Roman" panose="02020603050405020304" pitchFamily="18" charset="0"/>
+              </a:defRPr>
+            </a:lvl3pPr>
+            <a:lvl4pPr marL="1600200" indent="-228600">
+              <a:spcBef>
+                <a:spcPct val="30000"/>
+              </a:spcBef>
+              <a:defRPr sz="1200">
+                <a:solidFill>
+                  <a:schemeClr val="tx1"/>
+                </a:solidFill>
+                <a:latin typeface="Times New Roman" panose="02020603050405020304" pitchFamily="18" charset="0"/>
+              </a:defRPr>
+            </a:lvl4pPr>
+            <a:lvl5pPr marL="2057400" indent="-228600">
+              <a:spcBef>
+                <a:spcPct val="30000"/>
+              </a:spcBef>
+              <a:defRPr sz="1200">
+                <a:solidFill>
+                  <a:schemeClr val="tx1"/>
+                </a:solidFill>
+                <a:latin typeface="Times New Roman" panose="02020603050405020304" pitchFamily="18" charset="0"/>
+              </a:defRPr>
+            </a:lvl5pPr>
+            <a:lvl6pPr marL="2514600" indent="-228600" eaLnBrk="0" fontAlgn="base" hangingPunct="0">
+              <a:spcBef>
+                <a:spcPct val="30000"/>
+              </a:spcBef>
+              <a:spcAft>
+                <a:spcPct val="0"/>
+              </a:spcAft>
+              <a:defRPr sz="1200">
+                <a:solidFill>
+                  <a:schemeClr val="tx1"/>
+                </a:solidFill>
+                <a:latin typeface="Times New Roman" panose="02020603050405020304" pitchFamily="18" charset="0"/>
+              </a:defRPr>
+            </a:lvl6pPr>
+            <a:lvl7pPr marL="2971800" indent="-228600" eaLnBrk="0" fontAlgn="base" hangingPunct="0">
+              <a:spcBef>
+                <a:spcPct val="30000"/>
+              </a:spcBef>
+              <a:spcAft>
+                <a:spcPct val="0"/>
+              </a:spcAft>
+              <a:defRPr sz="1200">
+                <a:solidFill>
+                  <a:schemeClr val="tx1"/>
+                </a:solidFill>
+                <a:latin typeface="Times New Roman" panose="02020603050405020304" pitchFamily="18" charset="0"/>
+              </a:defRPr>
+            </a:lvl7pPr>
+            <a:lvl8pPr marL="3429000" indent="-228600" eaLnBrk="0" fontAlgn="base" hangingPunct="0">
+              <a:spcBef>
+                <a:spcPct val="30000"/>
+              </a:spcBef>
+              <a:spcAft>
+                <a:spcPct val="0"/>
+              </a:spcAft>
+              <a:defRPr sz="1200">
+                <a:solidFill>
+                  <a:schemeClr val="tx1"/>
+                </a:solidFill>
+                <a:latin typeface="Times New Roman" panose="02020603050405020304" pitchFamily="18" charset="0"/>
+              </a:defRPr>
+            </a:lvl8pPr>
+            <a:lvl9pPr marL="3886200" indent="-228600" eaLnBrk="0" fontAlgn="base" hangingPunct="0">
+              <a:spcBef>
+                <a:spcPct val="30000"/>
+              </a:spcBef>
+              <a:spcAft>
+                <a:spcPct val="0"/>
+              </a:spcAft>
+              <a:defRPr sz="1200">
+                <a:solidFill>
+                  <a:schemeClr val="tx1"/>
+                </a:solidFill>
+                <a:latin typeface="Times New Roman" panose="02020603050405020304" pitchFamily="18" charset="0"/>
+              </a:defRPr>
+            </a:lvl9pPr>
+          </a:lstStyle>
+          <a:p>
+            <a:pPr>
+              <a:spcBef>
+                <a:spcPct val="0"/>
+              </a:spcBef>
+            </a:pPr>
+            <a:fld id="{800B9C3D-1B28-4936-84A1-F76FDA76EF83}" type="slidenum">
+              <a:rPr lang="en-US" altLang="en-US" smtClean="0"/>
+              <a:pPr>
+                <a:spcBef>
+                  <a:spcPct val="0"/>
+                </a:spcBef>
+              </a:pPr>
+              <a:t>31</a:t>
+            </a:fld>
+            <a:endParaRPr lang="en-US" altLang="en-US"/>
+          </a:p>
+        </p:txBody>
+      </p:sp>
+      <p:sp>
+        <p:nvSpPr>
+          <p:cNvPr id="45059" name="Rectangle 2"/>
+          <p:cNvSpPr>
+            <a:spLocks noGrp="1" noRot="1" noChangeAspect="1" noChangeArrowheads="1" noTextEdit="1"/>
+          </p:cNvSpPr>
+          <p:nvPr>
+            <p:ph type="sldImg"/>
+          </p:nvPr>
+        </p:nvSpPr>
+        <p:spPr>
+          <a:ln/>
+        </p:spPr>
+      </p:sp>
+      <p:sp>
+        <p:nvSpPr>
+          <p:cNvPr id="45060" name="Rectangle 3"/>
+          <p:cNvSpPr>
+            <a:spLocks noGrp="1" noChangeArrowheads="1"/>
+          </p:cNvSpPr>
+          <p:nvPr>
+            <p:ph type="body" idx="1"/>
+          </p:nvPr>
+        </p:nvSpPr>
+        <p:spPr>
+          <a:noFill/>
+          <a:ln/>
+          <a:extLst>
+            <a:ext uri="{909E8E84-426E-40DD-AFC4-6F175D3DCCD1}">
+              <a14:hiddenFill xmlns:a14="http://schemas.microsoft.com/office/drawing/2010/main">
+                <a:solidFill>
+                  <a:srgbClr val="FFFFFF"/>
+                </a:solidFill>
+              </a14:hiddenFill>
+            </a:ext>
+            <a:ext uri="{91240B29-F687-4F45-9708-019B960494DF}">
+              <a14:hiddenLine xmlns:a14="http://schemas.microsoft.com/office/drawing/2010/main" w="9525">
+                <a:solidFill>
+                  <a:srgbClr val="000000"/>
+                </a:solidFill>
+                <a:miter lim="800000"/>
+                <a:headEnd/>
+                <a:tailEnd/>
+              </a14:hiddenLine>
+            </a:ext>
+          </a:extLst>
+        </p:spPr>
+        <p:txBody>
+          <a:bodyPr/>
+          <a:lstStyle/>
+          <a:p>
+            <a:pPr eaLnBrk="1" hangingPunct="1"/>
+            <a:endParaRPr lang="en-US" altLang="en-US"/>
+          </a:p>
+        </p:txBody>
+      </p:sp>
+    </p:spTree>
+    <p:extLst>
+      <p:ext uri="{BB962C8B-B14F-4D97-AF65-F5344CB8AC3E}">
         <p14:creationId xmlns:p14="http://schemas.microsoft.com/office/powerpoint/2010/main" val="438789741"/>
       </p:ext>
     </p:extLst>
@@ -5782,7 +6036,7 @@
 </p:notes>
 </file>
 
-<file path=ppt/notesSlides/notesSlide28.xml><?xml version="1.0" encoding="utf-8"?>
+<file path=ppt/notesSlides/notesSlide29.xml><?xml version="1.0" encoding="utf-8"?>
 <p:notes xmlns:a="http://schemas.openxmlformats.org/drawingml/2006/main" xmlns:r="http://schemas.openxmlformats.org/officeDocument/2006/relationships" xmlns:p="http://schemas.openxmlformats.org/presentationml/2006/main">
   <p:cSld>
     <p:spTree>
@@ -5960,7 +6214,7 @@
                   <a:spcPct val="0"/>
                 </a:spcBef>
               </a:pPr>
-              <a:t>31</a:t>
+              <a:t>32</a:t>
             </a:fld>
             <a:endParaRPr lang="en-US" altLang="en-US"/>
           </a:p>
@@ -6026,259 +6280,6 @@
     <p:extLst>
       <p:ext uri="{BB962C8B-B14F-4D97-AF65-F5344CB8AC3E}">
         <p14:creationId xmlns:p14="http://schemas.microsoft.com/office/powerpoint/2010/main" val="177003858"/>
-      </p:ext>
-    </p:extLst>
-  </p:cSld>
-  <p:clrMapOvr>
-    <a:masterClrMapping/>
-  </p:clrMapOvr>
-</p:notes>
-</file>
-
-<file path=ppt/notesSlides/notesSlide29.xml><?xml version="1.0" encoding="utf-8"?>
-<p:notes xmlns:a="http://schemas.openxmlformats.org/drawingml/2006/main" xmlns:r="http://schemas.openxmlformats.org/officeDocument/2006/relationships" xmlns:p="http://schemas.openxmlformats.org/presentationml/2006/main">
-  <p:cSld>
-    <p:spTree>
-      <p:nvGrpSpPr>
-        <p:cNvPr id="1" name=""/>
-        <p:cNvGrpSpPr/>
-        <p:nvPr/>
-      </p:nvGrpSpPr>
-      <p:grpSpPr>
-        <a:xfrm>
-          <a:off x="0" y="0"/>
-          <a:ext cx="0" cy="0"/>
-          <a:chOff x="0" y="0"/>
-          <a:chExt cx="0" cy="0"/>
-        </a:xfrm>
-      </p:grpSpPr>
-      <p:sp>
-        <p:nvSpPr>
-          <p:cNvPr id="49154" name="Rectangle 7"/>
-          <p:cNvSpPr>
-            <a:spLocks noGrp="1" noChangeArrowheads="1"/>
-          </p:cNvSpPr>
-          <p:nvPr>
-            <p:ph type="sldNum" sz="quarter" idx="5"/>
-          </p:nvPr>
-        </p:nvSpPr>
-        <p:spPr>
-          <a:noFill/>
-          <a:ln/>
-          <a:extLst>
-            <a:ext uri="{909E8E84-426E-40DD-AFC4-6F175D3DCCD1}">
-              <a14:hiddenFill xmlns:a14="http://schemas.microsoft.com/office/drawing/2010/main">
-                <a:solidFill>
-                  <a:srgbClr val="FFFFFF"/>
-                </a:solidFill>
-              </a14:hiddenFill>
-            </a:ext>
-            <a:ext uri="{91240B29-F687-4F45-9708-019B960494DF}">
-              <a14:hiddenLine xmlns:a14="http://schemas.microsoft.com/office/drawing/2010/main" w="9525">
-                <a:solidFill>
-                  <a:srgbClr val="000000"/>
-                </a:solidFill>
-                <a:miter lim="800000"/>
-                <a:headEnd/>
-                <a:tailEnd/>
-              </a14:hiddenLine>
-            </a:ext>
-          </a:extLst>
-        </p:spPr>
-        <p:txBody>
-          <a:bodyPr/>
-          <a:lstStyle>
-            <a:lvl1pPr>
-              <a:spcBef>
-                <a:spcPct val="30000"/>
-              </a:spcBef>
-              <a:defRPr sz="1200">
-                <a:solidFill>
-                  <a:schemeClr val="tx1"/>
-                </a:solidFill>
-                <a:latin typeface="Times New Roman" panose="02020603050405020304" pitchFamily="18" charset="0"/>
-              </a:defRPr>
-            </a:lvl1pPr>
-            <a:lvl2pPr marL="742950" indent="-285750">
-              <a:spcBef>
-                <a:spcPct val="30000"/>
-              </a:spcBef>
-              <a:defRPr sz="1200">
-                <a:solidFill>
-                  <a:schemeClr val="tx1"/>
-                </a:solidFill>
-                <a:latin typeface="Times New Roman" panose="02020603050405020304" pitchFamily="18" charset="0"/>
-              </a:defRPr>
-            </a:lvl2pPr>
-            <a:lvl3pPr marL="1143000" indent="-228600">
-              <a:spcBef>
-                <a:spcPct val="30000"/>
-              </a:spcBef>
-              <a:defRPr sz="1200">
-                <a:solidFill>
-                  <a:schemeClr val="tx1"/>
-                </a:solidFill>
-                <a:latin typeface="Times New Roman" panose="02020603050405020304" pitchFamily="18" charset="0"/>
-              </a:defRPr>
-            </a:lvl3pPr>
-            <a:lvl4pPr marL="1600200" indent="-228600">
-              <a:spcBef>
-                <a:spcPct val="30000"/>
-              </a:spcBef>
-              <a:defRPr sz="1200">
-                <a:solidFill>
-                  <a:schemeClr val="tx1"/>
-                </a:solidFill>
-                <a:latin typeface="Times New Roman" panose="02020603050405020304" pitchFamily="18" charset="0"/>
-              </a:defRPr>
-            </a:lvl4pPr>
-            <a:lvl5pPr marL="2057400" indent="-228600">
-              <a:spcBef>
-                <a:spcPct val="30000"/>
-              </a:spcBef>
-              <a:defRPr sz="1200">
-                <a:solidFill>
-                  <a:schemeClr val="tx1"/>
-                </a:solidFill>
-                <a:latin typeface="Times New Roman" panose="02020603050405020304" pitchFamily="18" charset="0"/>
-              </a:defRPr>
-            </a:lvl5pPr>
-            <a:lvl6pPr marL="2514600" indent="-228600" eaLnBrk="0" fontAlgn="base" hangingPunct="0">
-              <a:spcBef>
-                <a:spcPct val="30000"/>
-              </a:spcBef>
-              <a:spcAft>
-                <a:spcPct val="0"/>
-              </a:spcAft>
-              <a:defRPr sz="1200">
-                <a:solidFill>
-                  <a:schemeClr val="tx1"/>
-                </a:solidFill>
-                <a:latin typeface="Times New Roman" panose="02020603050405020304" pitchFamily="18" charset="0"/>
-              </a:defRPr>
-            </a:lvl6pPr>
-            <a:lvl7pPr marL="2971800" indent="-228600" eaLnBrk="0" fontAlgn="base" hangingPunct="0">
-              <a:spcBef>
-                <a:spcPct val="30000"/>
-              </a:spcBef>
-              <a:spcAft>
-                <a:spcPct val="0"/>
-              </a:spcAft>
-              <a:defRPr sz="1200">
-                <a:solidFill>
-                  <a:schemeClr val="tx1"/>
-                </a:solidFill>
-                <a:latin typeface="Times New Roman" panose="02020603050405020304" pitchFamily="18" charset="0"/>
-              </a:defRPr>
-            </a:lvl7pPr>
-            <a:lvl8pPr marL="3429000" indent="-228600" eaLnBrk="0" fontAlgn="base" hangingPunct="0">
-              <a:spcBef>
-                <a:spcPct val="30000"/>
-              </a:spcBef>
-              <a:spcAft>
-                <a:spcPct val="0"/>
-              </a:spcAft>
-              <a:defRPr sz="1200">
-                <a:solidFill>
-                  <a:schemeClr val="tx1"/>
-                </a:solidFill>
-                <a:latin typeface="Times New Roman" panose="02020603050405020304" pitchFamily="18" charset="0"/>
-              </a:defRPr>
-            </a:lvl8pPr>
-            <a:lvl9pPr marL="3886200" indent="-228600" eaLnBrk="0" fontAlgn="base" hangingPunct="0">
-              <a:spcBef>
-                <a:spcPct val="30000"/>
-              </a:spcBef>
-              <a:spcAft>
-                <a:spcPct val="0"/>
-              </a:spcAft>
-              <a:defRPr sz="1200">
-                <a:solidFill>
-                  <a:schemeClr val="tx1"/>
-                </a:solidFill>
-                <a:latin typeface="Times New Roman" panose="02020603050405020304" pitchFamily="18" charset="0"/>
-              </a:defRPr>
-            </a:lvl9pPr>
-          </a:lstStyle>
-          <a:p>
-            <a:pPr>
-              <a:spcBef>
-                <a:spcPct val="0"/>
-              </a:spcBef>
-            </a:pPr>
-            <a:fld id="{1F9ED453-04B0-4D67-8A42-8915622EE132}" type="slidenum">
-              <a:rPr lang="en-US" altLang="en-US" smtClean="0"/>
-              <a:pPr>
-                <a:spcBef>
-                  <a:spcPct val="0"/>
-                </a:spcBef>
-              </a:pPr>
-              <a:t>32</a:t>
-            </a:fld>
-            <a:endParaRPr lang="en-US" altLang="en-US"/>
-          </a:p>
-        </p:txBody>
-      </p:sp>
-      <p:sp>
-        <p:nvSpPr>
-          <p:cNvPr id="49155" name="Rectangle 2"/>
-          <p:cNvSpPr>
-            <a:spLocks noGrp="1" noRot="1" noChangeAspect="1" noChangeArrowheads="1" noTextEdit="1"/>
-          </p:cNvSpPr>
-          <p:nvPr>
-            <p:ph type="sldImg"/>
-          </p:nvPr>
-        </p:nvSpPr>
-        <p:spPr>
-          <a:ln/>
-        </p:spPr>
-      </p:sp>
-      <p:sp>
-        <p:nvSpPr>
-          <p:cNvPr id="49156" name="Rectangle 3"/>
-          <p:cNvSpPr>
-            <a:spLocks noGrp="1" noChangeArrowheads="1"/>
-          </p:cNvSpPr>
-          <p:nvPr>
-            <p:ph type="body" idx="1"/>
-          </p:nvPr>
-        </p:nvSpPr>
-        <p:spPr>
-          <a:noFill/>
-          <a:ln/>
-          <a:extLst>
-            <a:ext uri="{909E8E84-426E-40DD-AFC4-6F175D3DCCD1}">
-              <a14:hiddenFill xmlns:a14="http://schemas.microsoft.com/office/drawing/2010/main">
-                <a:solidFill>
-                  <a:srgbClr val="FFFFFF"/>
-                </a:solidFill>
-              </a14:hiddenFill>
-            </a:ext>
-            <a:ext uri="{91240B29-F687-4F45-9708-019B960494DF}">
-              <a14:hiddenLine xmlns:a14="http://schemas.microsoft.com/office/drawing/2010/main" w="9525">
-                <a:solidFill>
-                  <a:srgbClr val="000000"/>
-                </a:solidFill>
-                <a:miter lim="800000"/>
-                <a:headEnd/>
-                <a:tailEnd/>
-              </a14:hiddenLine>
-            </a:ext>
-          </a:extLst>
-        </p:spPr>
-        <p:txBody>
-          <a:bodyPr/>
-          <a:lstStyle/>
-          <a:p>
-            <a:pPr eaLnBrk="1" hangingPunct="1"/>
-            <a:endParaRPr lang="en-US" altLang="en-US"/>
-          </a:p>
-        </p:txBody>
-      </p:sp>
-    </p:spTree>
-    <p:extLst>
-      <p:ext uri="{BB962C8B-B14F-4D97-AF65-F5344CB8AC3E}">
-        <p14:creationId xmlns:p14="http://schemas.microsoft.com/office/powerpoint/2010/main" val="1942475000"/>
       </p:ext>
     </p:extLst>
   </p:cSld>
@@ -6560,7 +6561,7 @@
       </p:grpSpPr>
       <p:sp>
         <p:nvSpPr>
-          <p:cNvPr id="51202" name="Rectangle 7"/>
+          <p:cNvPr id="49154" name="Rectangle 7"/>
           <p:cNvSpPr>
             <a:spLocks noGrp="1" noChangeArrowheads="1"/>
           </p:cNvSpPr>
@@ -6712,6 +6713,259 @@
                 <a:spcPct val="0"/>
               </a:spcBef>
             </a:pPr>
+            <a:fld id="{1F9ED453-04B0-4D67-8A42-8915622EE132}" type="slidenum">
+              <a:rPr lang="en-US" altLang="en-US" smtClean="0"/>
+              <a:pPr>
+                <a:spcBef>
+                  <a:spcPct val="0"/>
+                </a:spcBef>
+              </a:pPr>
+              <a:t>33</a:t>
+            </a:fld>
+            <a:endParaRPr lang="en-US" altLang="en-US"/>
+          </a:p>
+        </p:txBody>
+      </p:sp>
+      <p:sp>
+        <p:nvSpPr>
+          <p:cNvPr id="49155" name="Rectangle 2"/>
+          <p:cNvSpPr>
+            <a:spLocks noGrp="1" noRot="1" noChangeAspect="1" noChangeArrowheads="1" noTextEdit="1"/>
+          </p:cNvSpPr>
+          <p:nvPr>
+            <p:ph type="sldImg"/>
+          </p:nvPr>
+        </p:nvSpPr>
+        <p:spPr>
+          <a:ln/>
+        </p:spPr>
+      </p:sp>
+      <p:sp>
+        <p:nvSpPr>
+          <p:cNvPr id="49156" name="Rectangle 3"/>
+          <p:cNvSpPr>
+            <a:spLocks noGrp="1" noChangeArrowheads="1"/>
+          </p:cNvSpPr>
+          <p:nvPr>
+            <p:ph type="body" idx="1"/>
+          </p:nvPr>
+        </p:nvSpPr>
+        <p:spPr>
+          <a:noFill/>
+          <a:ln/>
+          <a:extLst>
+            <a:ext uri="{909E8E84-426E-40DD-AFC4-6F175D3DCCD1}">
+              <a14:hiddenFill xmlns:a14="http://schemas.microsoft.com/office/drawing/2010/main">
+                <a:solidFill>
+                  <a:srgbClr val="FFFFFF"/>
+                </a:solidFill>
+              </a14:hiddenFill>
+            </a:ext>
+            <a:ext uri="{91240B29-F687-4F45-9708-019B960494DF}">
+              <a14:hiddenLine xmlns:a14="http://schemas.microsoft.com/office/drawing/2010/main" w="9525">
+                <a:solidFill>
+                  <a:srgbClr val="000000"/>
+                </a:solidFill>
+                <a:miter lim="800000"/>
+                <a:headEnd/>
+                <a:tailEnd/>
+              </a14:hiddenLine>
+            </a:ext>
+          </a:extLst>
+        </p:spPr>
+        <p:txBody>
+          <a:bodyPr/>
+          <a:lstStyle/>
+          <a:p>
+            <a:pPr eaLnBrk="1" hangingPunct="1"/>
+            <a:endParaRPr lang="en-US" altLang="en-US"/>
+          </a:p>
+        </p:txBody>
+      </p:sp>
+    </p:spTree>
+    <p:extLst>
+      <p:ext uri="{BB962C8B-B14F-4D97-AF65-F5344CB8AC3E}">
+        <p14:creationId xmlns:p14="http://schemas.microsoft.com/office/powerpoint/2010/main" val="1942475000"/>
+      </p:ext>
+    </p:extLst>
+  </p:cSld>
+  <p:clrMapOvr>
+    <a:masterClrMapping/>
+  </p:clrMapOvr>
+</p:notes>
+</file>
+
+<file path=ppt/notesSlides/notesSlide31.xml><?xml version="1.0" encoding="utf-8"?>
+<p:notes xmlns:a="http://schemas.openxmlformats.org/drawingml/2006/main" xmlns:r="http://schemas.openxmlformats.org/officeDocument/2006/relationships" xmlns:p="http://schemas.openxmlformats.org/presentationml/2006/main">
+  <p:cSld>
+    <p:spTree>
+      <p:nvGrpSpPr>
+        <p:cNvPr id="1" name=""/>
+        <p:cNvGrpSpPr/>
+        <p:nvPr/>
+      </p:nvGrpSpPr>
+      <p:grpSpPr>
+        <a:xfrm>
+          <a:off x="0" y="0"/>
+          <a:ext cx="0" cy="0"/>
+          <a:chOff x="0" y="0"/>
+          <a:chExt cx="0" cy="0"/>
+        </a:xfrm>
+      </p:grpSpPr>
+      <p:sp>
+        <p:nvSpPr>
+          <p:cNvPr id="51202" name="Rectangle 7"/>
+          <p:cNvSpPr>
+            <a:spLocks noGrp="1" noChangeArrowheads="1"/>
+          </p:cNvSpPr>
+          <p:nvPr>
+            <p:ph type="sldNum" sz="quarter" idx="5"/>
+          </p:nvPr>
+        </p:nvSpPr>
+        <p:spPr>
+          <a:noFill/>
+          <a:ln/>
+          <a:extLst>
+            <a:ext uri="{909E8E84-426E-40DD-AFC4-6F175D3DCCD1}">
+              <a14:hiddenFill xmlns:a14="http://schemas.microsoft.com/office/drawing/2010/main">
+                <a:solidFill>
+                  <a:srgbClr val="FFFFFF"/>
+                </a:solidFill>
+              </a14:hiddenFill>
+            </a:ext>
+            <a:ext uri="{91240B29-F687-4F45-9708-019B960494DF}">
+              <a14:hiddenLine xmlns:a14="http://schemas.microsoft.com/office/drawing/2010/main" w="9525">
+                <a:solidFill>
+                  <a:srgbClr val="000000"/>
+                </a:solidFill>
+                <a:miter lim="800000"/>
+                <a:headEnd/>
+                <a:tailEnd/>
+              </a14:hiddenLine>
+            </a:ext>
+          </a:extLst>
+        </p:spPr>
+        <p:txBody>
+          <a:bodyPr/>
+          <a:lstStyle>
+            <a:lvl1pPr>
+              <a:spcBef>
+                <a:spcPct val="30000"/>
+              </a:spcBef>
+              <a:defRPr sz="1200">
+                <a:solidFill>
+                  <a:schemeClr val="tx1"/>
+                </a:solidFill>
+                <a:latin typeface="Times New Roman" panose="02020603050405020304" pitchFamily="18" charset="0"/>
+              </a:defRPr>
+            </a:lvl1pPr>
+            <a:lvl2pPr marL="742950" indent="-285750">
+              <a:spcBef>
+                <a:spcPct val="30000"/>
+              </a:spcBef>
+              <a:defRPr sz="1200">
+                <a:solidFill>
+                  <a:schemeClr val="tx1"/>
+                </a:solidFill>
+                <a:latin typeface="Times New Roman" panose="02020603050405020304" pitchFamily="18" charset="0"/>
+              </a:defRPr>
+            </a:lvl2pPr>
+            <a:lvl3pPr marL="1143000" indent="-228600">
+              <a:spcBef>
+                <a:spcPct val="30000"/>
+              </a:spcBef>
+              <a:defRPr sz="1200">
+                <a:solidFill>
+                  <a:schemeClr val="tx1"/>
+                </a:solidFill>
+                <a:latin typeface="Times New Roman" panose="02020603050405020304" pitchFamily="18" charset="0"/>
+              </a:defRPr>
+            </a:lvl3pPr>
+            <a:lvl4pPr marL="1600200" indent="-228600">
+              <a:spcBef>
+                <a:spcPct val="30000"/>
+              </a:spcBef>
+              <a:defRPr sz="1200">
+                <a:solidFill>
+                  <a:schemeClr val="tx1"/>
+                </a:solidFill>
+                <a:latin typeface="Times New Roman" panose="02020603050405020304" pitchFamily="18" charset="0"/>
+              </a:defRPr>
+            </a:lvl4pPr>
+            <a:lvl5pPr marL="2057400" indent="-228600">
+              <a:spcBef>
+                <a:spcPct val="30000"/>
+              </a:spcBef>
+              <a:defRPr sz="1200">
+                <a:solidFill>
+                  <a:schemeClr val="tx1"/>
+                </a:solidFill>
+                <a:latin typeface="Times New Roman" panose="02020603050405020304" pitchFamily="18" charset="0"/>
+              </a:defRPr>
+            </a:lvl5pPr>
+            <a:lvl6pPr marL="2514600" indent="-228600" eaLnBrk="0" fontAlgn="base" hangingPunct="0">
+              <a:spcBef>
+                <a:spcPct val="30000"/>
+              </a:spcBef>
+              <a:spcAft>
+                <a:spcPct val="0"/>
+              </a:spcAft>
+              <a:defRPr sz="1200">
+                <a:solidFill>
+                  <a:schemeClr val="tx1"/>
+                </a:solidFill>
+                <a:latin typeface="Times New Roman" panose="02020603050405020304" pitchFamily="18" charset="0"/>
+              </a:defRPr>
+            </a:lvl6pPr>
+            <a:lvl7pPr marL="2971800" indent="-228600" eaLnBrk="0" fontAlgn="base" hangingPunct="0">
+              <a:spcBef>
+                <a:spcPct val="30000"/>
+              </a:spcBef>
+              <a:spcAft>
+                <a:spcPct val="0"/>
+              </a:spcAft>
+              <a:defRPr sz="1200">
+                <a:solidFill>
+                  <a:schemeClr val="tx1"/>
+                </a:solidFill>
+                <a:latin typeface="Times New Roman" panose="02020603050405020304" pitchFamily="18" charset="0"/>
+              </a:defRPr>
+            </a:lvl7pPr>
+            <a:lvl8pPr marL="3429000" indent="-228600" eaLnBrk="0" fontAlgn="base" hangingPunct="0">
+              <a:spcBef>
+                <a:spcPct val="30000"/>
+              </a:spcBef>
+              <a:spcAft>
+                <a:spcPct val="0"/>
+              </a:spcAft>
+              <a:defRPr sz="1200">
+                <a:solidFill>
+                  <a:schemeClr val="tx1"/>
+                </a:solidFill>
+                <a:latin typeface="Times New Roman" panose="02020603050405020304" pitchFamily="18" charset="0"/>
+              </a:defRPr>
+            </a:lvl8pPr>
+            <a:lvl9pPr marL="3886200" indent="-228600" eaLnBrk="0" fontAlgn="base" hangingPunct="0">
+              <a:spcBef>
+                <a:spcPct val="30000"/>
+              </a:spcBef>
+              <a:spcAft>
+                <a:spcPct val="0"/>
+              </a:spcAft>
+              <a:defRPr sz="1200">
+                <a:solidFill>
+                  <a:schemeClr val="tx1"/>
+                </a:solidFill>
+                <a:latin typeface="Times New Roman" panose="02020603050405020304" pitchFamily="18" charset="0"/>
+              </a:defRPr>
+            </a:lvl9pPr>
+          </a:lstStyle>
+          <a:p>
+            <a:pPr>
+              <a:spcBef>
+                <a:spcPct val="0"/>
+              </a:spcBef>
+            </a:pPr>
             <a:fld id="{847CC031-8299-4480-9BAD-895F803F6FC3}" type="slidenum">
               <a:rPr lang="en-US" altLang="en-US" smtClean="0"/>
               <a:pPr>
@@ -6719,7 +6973,7 @@
                   <a:spcPct val="0"/>
                 </a:spcBef>
               </a:pPr>
-              <a:t>33</a:t>
+              <a:t>34</a:t>
             </a:fld>
             <a:endParaRPr lang="en-US" altLang="en-US"/>
           </a:p>
@@ -6794,7 +7048,7 @@
 </p:notes>
 </file>
 
-<file path=ppt/notesSlides/notesSlide31.xml><?xml version="1.0" encoding="utf-8"?>
+<file path=ppt/notesSlides/notesSlide32.xml><?xml version="1.0" encoding="utf-8"?>
 <p:notes xmlns:a="http://schemas.openxmlformats.org/drawingml/2006/main" xmlns:r="http://schemas.openxmlformats.org/officeDocument/2006/relationships" xmlns:p="http://schemas.openxmlformats.org/presentationml/2006/main">
   <p:cSld>
     <p:spTree>
@@ -6972,7 +7226,7 @@
                   <a:spcPct val="0"/>
                 </a:spcBef>
               </a:pPr>
-              <a:t>34</a:t>
+              <a:t>35</a:t>
             </a:fld>
             <a:endParaRPr lang="en-US" altLang="en-US"/>
           </a:p>
@@ -7047,7 +7301,7 @@
 </p:notes>
 </file>
 
-<file path=ppt/notesSlides/notesSlide32.xml><?xml version="1.0" encoding="utf-8"?>
+<file path=ppt/notesSlides/notesSlide33.xml><?xml version="1.0" encoding="utf-8"?>
 <p:notes xmlns:a="http://schemas.openxmlformats.org/drawingml/2006/main" xmlns:r="http://schemas.openxmlformats.org/officeDocument/2006/relationships" xmlns:p="http://schemas.openxmlformats.org/presentationml/2006/main">
   <p:cSld>
     <p:spTree>
@@ -7225,7 +7479,7 @@
                   <a:spcPct val="0"/>
                 </a:spcBef>
               </a:pPr>
-              <a:t>35</a:t>
+              <a:t>36</a:t>
             </a:fld>
             <a:endParaRPr lang="en-US" altLang="en-US"/>
           </a:p>
@@ -7291,99 +7545,6 @@
     <p:extLst>
       <p:ext uri="{BB962C8B-B14F-4D97-AF65-F5344CB8AC3E}">
         <p14:creationId xmlns:p14="http://schemas.microsoft.com/office/powerpoint/2010/main" val="3803725664"/>
-      </p:ext>
-    </p:extLst>
-  </p:cSld>
-  <p:clrMapOvr>
-    <a:masterClrMapping/>
-  </p:clrMapOvr>
-</p:notes>
-</file>
-
-<file path=ppt/notesSlides/notesSlide33.xml><?xml version="1.0" encoding="utf-8"?>
-<p:notes xmlns:a="http://schemas.openxmlformats.org/drawingml/2006/main" xmlns:r="http://schemas.openxmlformats.org/officeDocument/2006/relationships" xmlns:p="http://schemas.openxmlformats.org/presentationml/2006/main">
-  <p:cSld>
-    <p:spTree>
-      <p:nvGrpSpPr>
-        <p:cNvPr id="1" name=""/>
-        <p:cNvGrpSpPr/>
-        <p:nvPr/>
-      </p:nvGrpSpPr>
-      <p:grpSpPr>
-        <a:xfrm>
-          <a:off x="0" y="0"/>
-          <a:ext cx="0" cy="0"/>
-          <a:chOff x="0" y="0"/>
-          <a:chExt cx="0" cy="0"/>
-        </a:xfrm>
-      </p:grpSpPr>
-      <p:sp>
-        <p:nvSpPr>
-          <p:cNvPr id="7" name="Rectangle 7"/>
-          <p:cNvSpPr>
-            <a:spLocks noGrp="1" noChangeArrowheads="1"/>
-          </p:cNvSpPr>
-          <p:nvPr>
-            <p:ph type="sldNum" sz="quarter" idx="5"/>
-          </p:nvPr>
-        </p:nvSpPr>
-        <p:spPr>
-          <a:ln/>
-        </p:spPr>
-        <p:txBody>
-          <a:bodyPr/>
-          <a:lstStyle/>
-          <a:p>
-            <a:fld id="{3A1B6AF7-0A4B-4B5B-B782-5FA346F33AD4}" type="slidenum">
-              <a:rPr lang="en-GB"/>
-              <a:pPr/>
-              <a:t>36</a:t>
-            </a:fld>
-            <a:endParaRPr lang="en-GB"/>
-          </a:p>
-        </p:txBody>
-      </p:sp>
-      <p:sp>
-        <p:nvSpPr>
-          <p:cNvPr id="1017858" name="Rectangle 2"/>
-          <p:cNvSpPr>
-            <a:spLocks noGrp="1" noRot="1" noChangeAspect="1" noChangeArrowheads="1" noTextEdit="1"/>
-          </p:cNvSpPr>
-          <p:nvPr>
-            <p:ph type="sldImg"/>
-          </p:nvPr>
-        </p:nvSpPr>
-        <p:spPr>
-          <a:xfrm>
-            <a:off x="1371600" y="1143000"/>
-            <a:ext cx="4114800" cy="3086100"/>
-          </a:xfrm>
-          <a:ln/>
-        </p:spPr>
-      </p:sp>
-      <p:sp>
-        <p:nvSpPr>
-          <p:cNvPr id="1017859" name="Rectangle 3"/>
-          <p:cNvSpPr>
-            <a:spLocks noGrp="1" noChangeArrowheads="1"/>
-          </p:cNvSpPr>
-          <p:nvPr>
-            <p:ph type="body" idx="1"/>
-          </p:nvPr>
-        </p:nvSpPr>
-        <p:spPr/>
-        <p:txBody>
-          <a:bodyPr/>
-          <a:lstStyle/>
-          <a:p>
-            <a:endParaRPr lang="en-GB"/>
-          </a:p>
-        </p:txBody>
-      </p:sp>
-    </p:spTree>
-    <p:extLst>
-      <p:ext uri="{BB962C8B-B14F-4D97-AF65-F5344CB8AC3E}">
-        <p14:creationId xmlns:p14="http://schemas.microsoft.com/office/powerpoint/2010/main" val="2291313635"/>
       </p:ext>
     </p:extLst>
   </p:cSld>
@@ -7476,7 +7637,7 @@
     </p:spTree>
     <p:extLst>
       <p:ext uri="{BB962C8B-B14F-4D97-AF65-F5344CB8AC3E}">
-        <p14:creationId xmlns:p14="http://schemas.microsoft.com/office/powerpoint/2010/main" val="946550096"/>
+        <p14:creationId xmlns:p14="http://schemas.microsoft.com/office/powerpoint/2010/main" val="2291313635"/>
       </p:ext>
     </p:extLst>
   </p:cSld>
@@ -7569,6 +7730,99 @@
     </p:spTree>
     <p:extLst>
       <p:ext uri="{BB962C8B-B14F-4D97-AF65-F5344CB8AC3E}">
+        <p14:creationId xmlns:p14="http://schemas.microsoft.com/office/powerpoint/2010/main" val="946550096"/>
+      </p:ext>
+    </p:extLst>
+  </p:cSld>
+  <p:clrMapOvr>
+    <a:masterClrMapping/>
+  </p:clrMapOvr>
+</p:notes>
+</file>
+
+<file path=ppt/notesSlides/notesSlide36.xml><?xml version="1.0" encoding="utf-8"?>
+<p:notes xmlns:a="http://schemas.openxmlformats.org/drawingml/2006/main" xmlns:r="http://schemas.openxmlformats.org/officeDocument/2006/relationships" xmlns:p="http://schemas.openxmlformats.org/presentationml/2006/main">
+  <p:cSld>
+    <p:spTree>
+      <p:nvGrpSpPr>
+        <p:cNvPr id="1" name=""/>
+        <p:cNvGrpSpPr/>
+        <p:nvPr/>
+      </p:nvGrpSpPr>
+      <p:grpSpPr>
+        <a:xfrm>
+          <a:off x="0" y="0"/>
+          <a:ext cx="0" cy="0"/>
+          <a:chOff x="0" y="0"/>
+          <a:chExt cx="0" cy="0"/>
+        </a:xfrm>
+      </p:grpSpPr>
+      <p:sp>
+        <p:nvSpPr>
+          <p:cNvPr id="7" name="Rectangle 7"/>
+          <p:cNvSpPr>
+            <a:spLocks noGrp="1" noChangeArrowheads="1"/>
+          </p:cNvSpPr>
+          <p:nvPr>
+            <p:ph type="sldNum" sz="quarter" idx="5"/>
+          </p:nvPr>
+        </p:nvSpPr>
+        <p:spPr>
+          <a:ln/>
+        </p:spPr>
+        <p:txBody>
+          <a:bodyPr/>
+          <a:lstStyle/>
+          <a:p>
+            <a:fld id="{3A1B6AF7-0A4B-4B5B-B782-5FA346F33AD4}" type="slidenum">
+              <a:rPr lang="en-GB"/>
+              <a:pPr/>
+              <a:t>39</a:t>
+            </a:fld>
+            <a:endParaRPr lang="en-GB"/>
+          </a:p>
+        </p:txBody>
+      </p:sp>
+      <p:sp>
+        <p:nvSpPr>
+          <p:cNvPr id="1017858" name="Rectangle 2"/>
+          <p:cNvSpPr>
+            <a:spLocks noGrp="1" noRot="1" noChangeAspect="1" noChangeArrowheads="1" noTextEdit="1"/>
+          </p:cNvSpPr>
+          <p:nvPr>
+            <p:ph type="sldImg"/>
+          </p:nvPr>
+        </p:nvSpPr>
+        <p:spPr>
+          <a:xfrm>
+            <a:off x="1371600" y="1143000"/>
+            <a:ext cx="4114800" cy="3086100"/>
+          </a:xfrm>
+          <a:ln/>
+        </p:spPr>
+      </p:sp>
+      <p:sp>
+        <p:nvSpPr>
+          <p:cNvPr id="1017859" name="Rectangle 3"/>
+          <p:cNvSpPr>
+            <a:spLocks noGrp="1" noChangeArrowheads="1"/>
+          </p:cNvSpPr>
+          <p:nvPr>
+            <p:ph type="body" idx="1"/>
+          </p:nvPr>
+        </p:nvSpPr>
+        <p:spPr/>
+        <p:txBody>
+          <a:bodyPr/>
+          <a:lstStyle/>
+          <a:p>
+            <a:endParaRPr lang="en-GB"/>
+          </a:p>
+        </p:txBody>
+      </p:sp>
+    </p:spTree>
+    <p:extLst>
+      <p:ext uri="{BB962C8B-B14F-4D97-AF65-F5344CB8AC3E}">
         <p14:creationId xmlns:p14="http://schemas.microsoft.com/office/powerpoint/2010/main" val="1860902297"/>
       </p:ext>
     </p:extLst>
@@ -7579,7 +7833,7 @@
 </p:notes>
 </file>
 
-<file path=ppt/notesSlides/notesSlide36.xml><?xml version="1.0" encoding="utf-8"?>
+<file path=ppt/notesSlides/notesSlide37.xml><?xml version="1.0" encoding="utf-8"?>
 <p:notes xmlns:a="http://schemas.openxmlformats.org/drawingml/2006/main" xmlns:r="http://schemas.openxmlformats.org/officeDocument/2006/relationships" xmlns:p="http://schemas.openxmlformats.org/presentationml/2006/main">
   <p:cSld>
     <p:spTree>
@@ -7733,7 +7987,7 @@
             <a:fld id="{3D21030E-7C18-47A1-B0C3-651E82E717F3}" type="slidenum">
               <a:rPr lang="en-US" altLang="en-US" sz="1200" smtClean="0"/>
               <a:pPr/>
-              <a:t>39</a:t>
+              <a:t>40</a:t>
             </a:fld>
             <a:endParaRPr lang="en-US" altLang="en-US" sz="1200"/>
           </a:p>
@@ -7808,7 +8062,7 @@
 </p:notes>
 </file>
 
-<file path=ppt/notesSlides/notesSlide37.xml><?xml version="1.0" encoding="utf-8"?>
+<file path=ppt/notesSlides/notesSlide38.xml><?xml version="1.0" encoding="utf-8"?>
 <p:notes xmlns:a="http://schemas.openxmlformats.org/drawingml/2006/main" xmlns:r="http://schemas.openxmlformats.org/officeDocument/2006/relationships" xmlns:p="http://schemas.openxmlformats.org/presentationml/2006/main">
   <p:cSld>
     <p:spTree>
@@ -7986,7 +8240,7 @@
                   <a:spcPct val="0"/>
                 </a:spcBef>
               </a:pPr>
-              <a:t>40</a:t>
+              <a:t>41</a:t>
             </a:fld>
             <a:endParaRPr lang="en-US" altLang="en-US"/>
           </a:p>
@@ -8061,7 +8315,7 @@
 </p:notes>
 </file>
 
-<file path=ppt/notesSlides/notesSlide38.xml><?xml version="1.0" encoding="utf-8"?>
+<file path=ppt/notesSlides/notesSlide39.xml><?xml version="1.0" encoding="utf-8"?>
 <p:notes xmlns:a="http://schemas.openxmlformats.org/drawingml/2006/main" xmlns:r="http://schemas.openxmlformats.org/officeDocument/2006/relationships" xmlns:p="http://schemas.openxmlformats.org/presentationml/2006/main">
   <p:cSld>
     <p:spTree>
@@ -8215,7 +8469,7 @@
             <a:fld id="{9E419716-4B3B-4F16-B8D7-8FC0DB015211}" type="slidenum">
               <a:rPr lang="en-US" altLang="en-US" sz="1200" smtClean="0"/>
               <a:pPr/>
-              <a:t>41</a:t>
+              <a:t>42</a:t>
             </a:fld>
             <a:endParaRPr lang="en-US" altLang="en-US" sz="1200"/>
           </a:p>
@@ -8280,234 +8534,6 @@
     <p:extLst>
       <p:ext uri="{BB962C8B-B14F-4D97-AF65-F5344CB8AC3E}">
         <p14:creationId xmlns:p14="http://schemas.microsoft.com/office/powerpoint/2010/main" val="3791093321"/>
-      </p:ext>
-    </p:extLst>
-  </p:cSld>
-  <p:clrMapOvr>
-    <a:masterClrMapping/>
-  </p:clrMapOvr>
-</p:notes>
-</file>
-
-<file path=ppt/notesSlides/notesSlide39.xml><?xml version="1.0" encoding="utf-8"?>
-<p:notes xmlns:a="http://schemas.openxmlformats.org/drawingml/2006/main" xmlns:r="http://schemas.openxmlformats.org/officeDocument/2006/relationships" xmlns:p="http://schemas.openxmlformats.org/presentationml/2006/main">
-  <p:cSld>
-    <p:spTree>
-      <p:nvGrpSpPr>
-        <p:cNvPr id="1" name=""/>
-        <p:cNvGrpSpPr/>
-        <p:nvPr/>
-      </p:nvGrpSpPr>
-      <p:grpSpPr>
-        <a:xfrm>
-          <a:off x="0" y="0"/>
-          <a:ext cx="0" cy="0"/>
-          <a:chOff x="0" y="0"/>
-          <a:chExt cx="0" cy="0"/>
-        </a:xfrm>
-      </p:grpSpPr>
-      <p:sp>
-        <p:nvSpPr>
-          <p:cNvPr id="61442" name="Rectangle 7"/>
-          <p:cNvSpPr>
-            <a:spLocks noGrp="1" noChangeArrowheads="1"/>
-          </p:cNvSpPr>
-          <p:nvPr>
-            <p:ph type="sldNum" sz="quarter" idx="5"/>
-          </p:nvPr>
-        </p:nvSpPr>
-        <p:spPr>
-          <a:noFill/>
-          <a:ln/>
-          <a:extLst>
-            <a:ext uri="{909E8E84-426E-40DD-AFC4-6F175D3DCCD1}">
-              <a14:hiddenFill xmlns:a14="http://schemas.microsoft.com/office/drawing/2010/main">
-                <a:solidFill>
-                  <a:srgbClr val="FFFFFF"/>
-                </a:solidFill>
-              </a14:hiddenFill>
-            </a:ext>
-            <a:ext uri="{91240B29-F687-4F45-9708-019B960494DF}">
-              <a14:hiddenLine xmlns:a14="http://schemas.microsoft.com/office/drawing/2010/main" w="9525">
-                <a:solidFill>
-                  <a:srgbClr val="000000"/>
-                </a:solidFill>
-                <a:miter lim="800000"/>
-                <a:headEnd/>
-                <a:tailEnd/>
-              </a14:hiddenLine>
-            </a:ext>
-          </a:extLst>
-        </p:spPr>
-        <p:txBody>
-          <a:bodyPr/>
-          <a:lstStyle>
-            <a:lvl1pPr>
-              <a:defRPr sz="2400">
-                <a:solidFill>
-                  <a:schemeClr val="tx1"/>
-                </a:solidFill>
-                <a:latin typeface="Times New Roman" panose="02020603050405020304" pitchFamily="18" charset="0"/>
-              </a:defRPr>
-            </a:lvl1pPr>
-            <a:lvl2pPr marL="742950" indent="-285750">
-              <a:defRPr sz="2400">
-                <a:solidFill>
-                  <a:schemeClr val="tx1"/>
-                </a:solidFill>
-                <a:latin typeface="Times New Roman" panose="02020603050405020304" pitchFamily="18" charset="0"/>
-              </a:defRPr>
-            </a:lvl2pPr>
-            <a:lvl3pPr marL="1143000" indent="-228600">
-              <a:defRPr sz="2400">
-                <a:solidFill>
-                  <a:schemeClr val="tx1"/>
-                </a:solidFill>
-                <a:latin typeface="Times New Roman" panose="02020603050405020304" pitchFamily="18" charset="0"/>
-              </a:defRPr>
-            </a:lvl3pPr>
-            <a:lvl4pPr marL="1600200" indent="-228600">
-              <a:defRPr sz="2400">
-                <a:solidFill>
-                  <a:schemeClr val="tx1"/>
-                </a:solidFill>
-                <a:latin typeface="Times New Roman" panose="02020603050405020304" pitchFamily="18" charset="0"/>
-              </a:defRPr>
-            </a:lvl4pPr>
-            <a:lvl5pPr marL="2057400" indent="-228600">
-              <a:defRPr sz="2400">
-                <a:solidFill>
-                  <a:schemeClr val="tx1"/>
-                </a:solidFill>
-                <a:latin typeface="Times New Roman" panose="02020603050405020304" pitchFamily="18" charset="0"/>
-              </a:defRPr>
-            </a:lvl5pPr>
-            <a:lvl6pPr marL="2514600" indent="-228600" eaLnBrk="0" fontAlgn="base" hangingPunct="0">
-              <a:spcBef>
-                <a:spcPct val="0"/>
-              </a:spcBef>
-              <a:spcAft>
-                <a:spcPct val="0"/>
-              </a:spcAft>
-              <a:defRPr sz="2400">
-                <a:solidFill>
-                  <a:schemeClr val="tx1"/>
-                </a:solidFill>
-                <a:latin typeface="Times New Roman" panose="02020603050405020304" pitchFamily="18" charset="0"/>
-              </a:defRPr>
-            </a:lvl6pPr>
-            <a:lvl7pPr marL="2971800" indent="-228600" eaLnBrk="0" fontAlgn="base" hangingPunct="0">
-              <a:spcBef>
-                <a:spcPct val="0"/>
-              </a:spcBef>
-              <a:spcAft>
-                <a:spcPct val="0"/>
-              </a:spcAft>
-              <a:defRPr sz="2400">
-                <a:solidFill>
-                  <a:schemeClr val="tx1"/>
-                </a:solidFill>
-                <a:latin typeface="Times New Roman" panose="02020603050405020304" pitchFamily="18" charset="0"/>
-              </a:defRPr>
-            </a:lvl7pPr>
-            <a:lvl8pPr marL="3429000" indent="-228600" eaLnBrk="0" fontAlgn="base" hangingPunct="0">
-              <a:spcBef>
-                <a:spcPct val="0"/>
-              </a:spcBef>
-              <a:spcAft>
-                <a:spcPct val="0"/>
-              </a:spcAft>
-              <a:defRPr sz="2400">
-                <a:solidFill>
-                  <a:schemeClr val="tx1"/>
-                </a:solidFill>
-                <a:latin typeface="Times New Roman" panose="02020603050405020304" pitchFamily="18" charset="0"/>
-              </a:defRPr>
-            </a:lvl8pPr>
-            <a:lvl9pPr marL="3886200" indent="-228600" eaLnBrk="0" fontAlgn="base" hangingPunct="0">
-              <a:spcBef>
-                <a:spcPct val="0"/>
-              </a:spcBef>
-              <a:spcAft>
-                <a:spcPct val="0"/>
-              </a:spcAft>
-              <a:defRPr sz="2400">
-                <a:solidFill>
-                  <a:schemeClr val="tx1"/>
-                </a:solidFill>
-                <a:latin typeface="Times New Roman" panose="02020603050405020304" pitchFamily="18" charset="0"/>
-              </a:defRPr>
-            </a:lvl9pPr>
-          </a:lstStyle>
-          <a:p>
-            <a:fld id="{2AE00B48-355A-4734-A545-578702B16C0C}" type="slidenum">
-              <a:rPr lang="en-US" altLang="en-US" sz="1200" smtClean="0"/>
-              <a:pPr/>
-              <a:t>42</a:t>
-            </a:fld>
-            <a:endParaRPr lang="en-US" altLang="en-US" sz="1200"/>
-          </a:p>
-        </p:txBody>
-      </p:sp>
-      <p:sp>
-        <p:nvSpPr>
-          <p:cNvPr id="61443" name="Rectangle 2"/>
-          <p:cNvSpPr>
-            <a:spLocks noGrp="1" noRot="1" noChangeAspect="1" noChangeArrowheads="1" noTextEdit="1"/>
-          </p:cNvSpPr>
-          <p:nvPr>
-            <p:ph type="sldImg"/>
-          </p:nvPr>
-        </p:nvSpPr>
-        <p:spPr>
-          <a:ln/>
-        </p:spPr>
-      </p:sp>
-      <p:sp>
-        <p:nvSpPr>
-          <p:cNvPr id="61444" name="Rectangle 3"/>
-          <p:cNvSpPr>
-            <a:spLocks noGrp="1" noChangeArrowheads="1"/>
-          </p:cNvSpPr>
-          <p:nvPr>
-            <p:ph type="body" idx="1"/>
-          </p:nvPr>
-        </p:nvSpPr>
-        <p:spPr>
-          <a:noFill/>
-          <a:ln/>
-          <a:extLst>
-            <a:ext uri="{909E8E84-426E-40DD-AFC4-6F175D3DCCD1}">
-              <a14:hiddenFill xmlns:a14="http://schemas.microsoft.com/office/drawing/2010/main">
-                <a:solidFill>
-                  <a:srgbClr val="FFFFFF"/>
-                </a:solidFill>
-              </a14:hiddenFill>
-            </a:ext>
-            <a:ext uri="{91240B29-F687-4F45-9708-019B960494DF}">
-              <a14:hiddenLine xmlns:a14="http://schemas.microsoft.com/office/drawing/2010/main" w="9525">
-                <a:solidFill>
-                  <a:srgbClr val="000000"/>
-                </a:solidFill>
-                <a:miter lim="800000"/>
-                <a:headEnd/>
-                <a:tailEnd/>
-              </a14:hiddenLine>
-            </a:ext>
-          </a:extLst>
-        </p:spPr>
-        <p:txBody>
-          <a:bodyPr/>
-          <a:lstStyle/>
-          <a:p>
-            <a:endParaRPr lang="en-US" altLang="en-US"/>
-          </a:p>
-        </p:txBody>
-      </p:sp>
-    </p:spTree>
-    <p:extLst>
-      <p:ext uri="{BB962C8B-B14F-4D97-AF65-F5344CB8AC3E}">
-        <p14:creationId xmlns:p14="http://schemas.microsoft.com/office/powerpoint/2010/main" val="3816306362"/>
       </p:ext>
     </p:extLst>
   </p:cSld>
@@ -8988,6 +9014,234 @@
     </p:spTree>
     <p:extLst>
       <p:ext uri="{BB962C8B-B14F-4D97-AF65-F5344CB8AC3E}">
+        <p14:creationId xmlns:p14="http://schemas.microsoft.com/office/powerpoint/2010/main" val="3816306362"/>
+      </p:ext>
+    </p:extLst>
+  </p:cSld>
+  <p:clrMapOvr>
+    <a:masterClrMapping/>
+  </p:clrMapOvr>
+</p:notes>
+</file>
+
+<file path=ppt/notesSlides/notesSlide41.xml><?xml version="1.0" encoding="utf-8"?>
+<p:notes xmlns:a="http://schemas.openxmlformats.org/drawingml/2006/main" xmlns:r="http://schemas.openxmlformats.org/officeDocument/2006/relationships" xmlns:p="http://schemas.openxmlformats.org/presentationml/2006/main">
+  <p:cSld>
+    <p:spTree>
+      <p:nvGrpSpPr>
+        <p:cNvPr id="1" name=""/>
+        <p:cNvGrpSpPr/>
+        <p:nvPr/>
+      </p:nvGrpSpPr>
+      <p:grpSpPr>
+        <a:xfrm>
+          <a:off x="0" y="0"/>
+          <a:ext cx="0" cy="0"/>
+          <a:chOff x="0" y="0"/>
+          <a:chExt cx="0" cy="0"/>
+        </a:xfrm>
+      </p:grpSpPr>
+      <p:sp>
+        <p:nvSpPr>
+          <p:cNvPr id="61442" name="Rectangle 7"/>
+          <p:cNvSpPr>
+            <a:spLocks noGrp="1" noChangeArrowheads="1"/>
+          </p:cNvSpPr>
+          <p:nvPr>
+            <p:ph type="sldNum" sz="quarter" idx="5"/>
+          </p:nvPr>
+        </p:nvSpPr>
+        <p:spPr>
+          <a:noFill/>
+          <a:ln/>
+          <a:extLst>
+            <a:ext uri="{909E8E84-426E-40DD-AFC4-6F175D3DCCD1}">
+              <a14:hiddenFill xmlns:a14="http://schemas.microsoft.com/office/drawing/2010/main">
+                <a:solidFill>
+                  <a:srgbClr val="FFFFFF"/>
+                </a:solidFill>
+              </a14:hiddenFill>
+            </a:ext>
+            <a:ext uri="{91240B29-F687-4F45-9708-019B960494DF}">
+              <a14:hiddenLine xmlns:a14="http://schemas.microsoft.com/office/drawing/2010/main" w="9525">
+                <a:solidFill>
+                  <a:srgbClr val="000000"/>
+                </a:solidFill>
+                <a:miter lim="800000"/>
+                <a:headEnd/>
+                <a:tailEnd/>
+              </a14:hiddenLine>
+            </a:ext>
+          </a:extLst>
+        </p:spPr>
+        <p:txBody>
+          <a:bodyPr/>
+          <a:lstStyle>
+            <a:lvl1pPr>
+              <a:defRPr sz="2400">
+                <a:solidFill>
+                  <a:schemeClr val="tx1"/>
+                </a:solidFill>
+                <a:latin typeface="Times New Roman" panose="02020603050405020304" pitchFamily="18" charset="0"/>
+              </a:defRPr>
+            </a:lvl1pPr>
+            <a:lvl2pPr marL="742950" indent="-285750">
+              <a:defRPr sz="2400">
+                <a:solidFill>
+                  <a:schemeClr val="tx1"/>
+                </a:solidFill>
+                <a:latin typeface="Times New Roman" panose="02020603050405020304" pitchFamily="18" charset="0"/>
+              </a:defRPr>
+            </a:lvl2pPr>
+            <a:lvl3pPr marL="1143000" indent="-228600">
+              <a:defRPr sz="2400">
+                <a:solidFill>
+                  <a:schemeClr val="tx1"/>
+                </a:solidFill>
+                <a:latin typeface="Times New Roman" panose="02020603050405020304" pitchFamily="18" charset="0"/>
+              </a:defRPr>
+            </a:lvl3pPr>
+            <a:lvl4pPr marL="1600200" indent="-228600">
+              <a:defRPr sz="2400">
+                <a:solidFill>
+                  <a:schemeClr val="tx1"/>
+                </a:solidFill>
+                <a:latin typeface="Times New Roman" panose="02020603050405020304" pitchFamily="18" charset="0"/>
+              </a:defRPr>
+            </a:lvl4pPr>
+            <a:lvl5pPr marL="2057400" indent="-228600">
+              <a:defRPr sz="2400">
+                <a:solidFill>
+                  <a:schemeClr val="tx1"/>
+                </a:solidFill>
+                <a:latin typeface="Times New Roman" panose="02020603050405020304" pitchFamily="18" charset="0"/>
+              </a:defRPr>
+            </a:lvl5pPr>
+            <a:lvl6pPr marL="2514600" indent="-228600" eaLnBrk="0" fontAlgn="base" hangingPunct="0">
+              <a:spcBef>
+                <a:spcPct val="0"/>
+              </a:spcBef>
+              <a:spcAft>
+                <a:spcPct val="0"/>
+              </a:spcAft>
+              <a:defRPr sz="2400">
+                <a:solidFill>
+                  <a:schemeClr val="tx1"/>
+                </a:solidFill>
+                <a:latin typeface="Times New Roman" panose="02020603050405020304" pitchFamily="18" charset="0"/>
+              </a:defRPr>
+            </a:lvl6pPr>
+            <a:lvl7pPr marL="2971800" indent="-228600" eaLnBrk="0" fontAlgn="base" hangingPunct="0">
+              <a:spcBef>
+                <a:spcPct val="0"/>
+              </a:spcBef>
+              <a:spcAft>
+                <a:spcPct val="0"/>
+              </a:spcAft>
+              <a:defRPr sz="2400">
+                <a:solidFill>
+                  <a:schemeClr val="tx1"/>
+                </a:solidFill>
+                <a:latin typeface="Times New Roman" panose="02020603050405020304" pitchFamily="18" charset="0"/>
+              </a:defRPr>
+            </a:lvl7pPr>
+            <a:lvl8pPr marL="3429000" indent="-228600" eaLnBrk="0" fontAlgn="base" hangingPunct="0">
+              <a:spcBef>
+                <a:spcPct val="0"/>
+              </a:spcBef>
+              <a:spcAft>
+                <a:spcPct val="0"/>
+              </a:spcAft>
+              <a:defRPr sz="2400">
+                <a:solidFill>
+                  <a:schemeClr val="tx1"/>
+                </a:solidFill>
+                <a:latin typeface="Times New Roman" panose="02020603050405020304" pitchFamily="18" charset="0"/>
+              </a:defRPr>
+            </a:lvl8pPr>
+            <a:lvl9pPr marL="3886200" indent="-228600" eaLnBrk="0" fontAlgn="base" hangingPunct="0">
+              <a:spcBef>
+                <a:spcPct val="0"/>
+              </a:spcBef>
+              <a:spcAft>
+                <a:spcPct val="0"/>
+              </a:spcAft>
+              <a:defRPr sz="2400">
+                <a:solidFill>
+                  <a:schemeClr val="tx1"/>
+                </a:solidFill>
+                <a:latin typeface="Times New Roman" panose="02020603050405020304" pitchFamily="18" charset="0"/>
+              </a:defRPr>
+            </a:lvl9pPr>
+          </a:lstStyle>
+          <a:p>
+            <a:fld id="{2AE00B48-355A-4734-A545-578702B16C0C}" type="slidenum">
+              <a:rPr lang="en-US" altLang="en-US" sz="1200" smtClean="0"/>
+              <a:pPr/>
+              <a:t>44</a:t>
+            </a:fld>
+            <a:endParaRPr lang="en-US" altLang="en-US" sz="1200"/>
+          </a:p>
+        </p:txBody>
+      </p:sp>
+      <p:sp>
+        <p:nvSpPr>
+          <p:cNvPr id="61443" name="Rectangle 2"/>
+          <p:cNvSpPr>
+            <a:spLocks noGrp="1" noRot="1" noChangeAspect="1" noChangeArrowheads="1" noTextEdit="1"/>
+          </p:cNvSpPr>
+          <p:nvPr>
+            <p:ph type="sldImg"/>
+          </p:nvPr>
+        </p:nvSpPr>
+        <p:spPr>
+          <a:ln/>
+        </p:spPr>
+      </p:sp>
+      <p:sp>
+        <p:nvSpPr>
+          <p:cNvPr id="61444" name="Rectangle 3"/>
+          <p:cNvSpPr>
+            <a:spLocks noGrp="1" noChangeArrowheads="1"/>
+          </p:cNvSpPr>
+          <p:nvPr>
+            <p:ph type="body" idx="1"/>
+          </p:nvPr>
+        </p:nvSpPr>
+        <p:spPr>
+          <a:noFill/>
+          <a:ln/>
+          <a:extLst>
+            <a:ext uri="{909E8E84-426E-40DD-AFC4-6F175D3DCCD1}">
+              <a14:hiddenFill xmlns:a14="http://schemas.microsoft.com/office/drawing/2010/main">
+                <a:solidFill>
+                  <a:srgbClr val="FFFFFF"/>
+                </a:solidFill>
+              </a14:hiddenFill>
+            </a:ext>
+            <a:ext uri="{91240B29-F687-4F45-9708-019B960494DF}">
+              <a14:hiddenLine xmlns:a14="http://schemas.microsoft.com/office/drawing/2010/main" w="9525">
+                <a:solidFill>
+                  <a:srgbClr val="000000"/>
+                </a:solidFill>
+                <a:miter lim="800000"/>
+                <a:headEnd/>
+                <a:tailEnd/>
+              </a14:hiddenLine>
+            </a:ext>
+          </a:extLst>
+        </p:spPr>
+        <p:txBody>
+          <a:bodyPr/>
+          <a:lstStyle/>
+          <a:p>
+            <a:endParaRPr lang="en-US" altLang="en-US"/>
+          </a:p>
+        </p:txBody>
+      </p:sp>
+    </p:spTree>
+    <p:extLst>
+      <p:ext uri="{BB962C8B-B14F-4D97-AF65-F5344CB8AC3E}">
         <p14:creationId xmlns:p14="http://schemas.microsoft.com/office/powerpoint/2010/main" val="1973655530"/>
       </p:ext>
     </p:extLst>
@@ -8998,7 +9252,7 @@
 </p:notes>
 </file>
 
-<file path=ppt/notesSlides/notesSlide41.xml><?xml version="1.0" encoding="utf-8"?>
+<file path=ppt/notesSlides/notesSlide42.xml><?xml version="1.0" encoding="utf-8"?>
 <p:notes xmlns:a="http://schemas.openxmlformats.org/drawingml/2006/main" xmlns:r="http://schemas.openxmlformats.org/officeDocument/2006/relationships" xmlns:p="http://schemas.openxmlformats.org/presentationml/2006/main">
   <p:cSld>
     <p:spTree>
@@ -9152,7 +9406,7 @@
             <a:fld id="{5D59D949-983B-4C89-AE38-6F52092776E1}" type="slidenum">
               <a:rPr lang="en-US" altLang="en-US" sz="1200" smtClean="0"/>
               <a:pPr/>
-              <a:t>44</a:t>
+              <a:t>45</a:t>
             </a:fld>
             <a:endParaRPr lang="en-US" altLang="en-US" sz="1200"/>
           </a:p>
@@ -9226,7 +9480,7 @@
 </p:notes>
 </file>
 
-<file path=ppt/notesSlides/notesSlide42.xml><?xml version="1.0" encoding="utf-8"?>
+<file path=ppt/notesSlides/notesSlide43.xml><?xml version="1.0" encoding="utf-8"?>
 <p:notes xmlns:a="http://schemas.openxmlformats.org/drawingml/2006/main" xmlns:r="http://schemas.openxmlformats.org/officeDocument/2006/relationships" xmlns:p="http://schemas.openxmlformats.org/presentationml/2006/main">
   <p:cSld>
     <p:spTree>
@@ -9380,7 +9634,7 @@
             <a:fld id="{C6EE99A0-BC6B-4EF0-A5DA-16AE03B427B0}" type="slidenum">
               <a:rPr lang="en-US" altLang="en-US" sz="1200" smtClean="0"/>
               <a:pPr/>
-              <a:t>47</a:t>
+              <a:t>48</a:t>
             </a:fld>
             <a:endParaRPr lang="en-US" altLang="en-US" sz="1200"/>
           </a:p>
@@ -9454,7 +9708,7 @@
 </p:notes>
 </file>
 
-<file path=ppt/notesSlides/notesSlide43.xml><?xml version="1.0" encoding="utf-8"?>
+<file path=ppt/notesSlides/notesSlide44.xml><?xml version="1.0" encoding="utf-8"?>
 <p:notes xmlns:a="http://schemas.openxmlformats.org/drawingml/2006/main" xmlns:r="http://schemas.openxmlformats.org/officeDocument/2006/relationships" xmlns:p="http://schemas.openxmlformats.org/presentationml/2006/main">
   <p:cSld>
     <p:spTree>
@@ -9608,7 +9862,7 @@
             <a:fld id="{979E38C5-4561-4DF3-882A-9901CB338C2D}" type="slidenum">
               <a:rPr lang="en-US" altLang="en-US" sz="1200" smtClean="0"/>
               <a:pPr/>
-              <a:t>48</a:t>
+              <a:t>49</a:t>
             </a:fld>
             <a:endParaRPr lang="en-US" altLang="en-US" sz="1200"/>
           </a:p>
@@ -9673,234 +9927,6 @@
     <p:extLst>
       <p:ext uri="{BB962C8B-B14F-4D97-AF65-F5344CB8AC3E}">
         <p14:creationId xmlns:p14="http://schemas.microsoft.com/office/powerpoint/2010/main" val="4044058222"/>
-      </p:ext>
-    </p:extLst>
-  </p:cSld>
-  <p:clrMapOvr>
-    <a:masterClrMapping/>
-  </p:clrMapOvr>
-</p:notes>
-</file>
-
-<file path=ppt/notesSlides/notesSlide44.xml><?xml version="1.0" encoding="utf-8"?>
-<p:notes xmlns:a="http://schemas.openxmlformats.org/drawingml/2006/main" xmlns:r="http://schemas.openxmlformats.org/officeDocument/2006/relationships" xmlns:p="http://schemas.openxmlformats.org/presentationml/2006/main">
-  <p:cSld>
-    <p:spTree>
-      <p:nvGrpSpPr>
-        <p:cNvPr id="1" name=""/>
-        <p:cNvGrpSpPr/>
-        <p:nvPr/>
-      </p:nvGrpSpPr>
-      <p:grpSpPr>
-        <a:xfrm>
-          <a:off x="0" y="0"/>
-          <a:ext cx="0" cy="0"/>
-          <a:chOff x="0" y="0"/>
-          <a:chExt cx="0" cy="0"/>
-        </a:xfrm>
-      </p:grpSpPr>
-      <p:sp>
-        <p:nvSpPr>
-          <p:cNvPr id="79874" name="Rectangle 7"/>
-          <p:cNvSpPr>
-            <a:spLocks noGrp="1" noChangeArrowheads="1"/>
-          </p:cNvSpPr>
-          <p:nvPr>
-            <p:ph type="sldNum" sz="quarter" idx="5"/>
-          </p:nvPr>
-        </p:nvSpPr>
-        <p:spPr>
-          <a:noFill/>
-          <a:ln/>
-          <a:extLst>
-            <a:ext uri="{909E8E84-426E-40DD-AFC4-6F175D3DCCD1}">
-              <a14:hiddenFill xmlns:a14="http://schemas.microsoft.com/office/drawing/2010/main">
-                <a:solidFill>
-                  <a:srgbClr val="FFFFFF"/>
-                </a:solidFill>
-              </a14:hiddenFill>
-            </a:ext>
-            <a:ext uri="{91240B29-F687-4F45-9708-019B960494DF}">
-              <a14:hiddenLine xmlns:a14="http://schemas.microsoft.com/office/drawing/2010/main" w="9525">
-                <a:solidFill>
-                  <a:srgbClr val="000000"/>
-                </a:solidFill>
-                <a:miter lim="800000"/>
-                <a:headEnd/>
-                <a:tailEnd/>
-              </a14:hiddenLine>
-            </a:ext>
-          </a:extLst>
-        </p:spPr>
-        <p:txBody>
-          <a:bodyPr/>
-          <a:lstStyle>
-            <a:lvl1pPr>
-              <a:defRPr sz="2400">
-                <a:solidFill>
-                  <a:schemeClr val="tx1"/>
-                </a:solidFill>
-                <a:latin typeface="Times New Roman" panose="02020603050405020304" pitchFamily="18" charset="0"/>
-              </a:defRPr>
-            </a:lvl1pPr>
-            <a:lvl2pPr marL="742950" indent="-285750">
-              <a:defRPr sz="2400">
-                <a:solidFill>
-                  <a:schemeClr val="tx1"/>
-                </a:solidFill>
-                <a:latin typeface="Times New Roman" panose="02020603050405020304" pitchFamily="18" charset="0"/>
-              </a:defRPr>
-            </a:lvl2pPr>
-            <a:lvl3pPr marL="1143000" indent="-228600">
-              <a:defRPr sz="2400">
-                <a:solidFill>
-                  <a:schemeClr val="tx1"/>
-                </a:solidFill>
-                <a:latin typeface="Times New Roman" panose="02020603050405020304" pitchFamily="18" charset="0"/>
-              </a:defRPr>
-            </a:lvl3pPr>
-            <a:lvl4pPr marL="1600200" indent="-228600">
-              <a:defRPr sz="2400">
-                <a:solidFill>
-                  <a:schemeClr val="tx1"/>
-                </a:solidFill>
-                <a:latin typeface="Times New Roman" panose="02020603050405020304" pitchFamily="18" charset="0"/>
-              </a:defRPr>
-            </a:lvl4pPr>
-            <a:lvl5pPr marL="2057400" indent="-228600">
-              <a:defRPr sz="2400">
-                <a:solidFill>
-                  <a:schemeClr val="tx1"/>
-                </a:solidFill>
-                <a:latin typeface="Times New Roman" panose="02020603050405020304" pitchFamily="18" charset="0"/>
-              </a:defRPr>
-            </a:lvl5pPr>
-            <a:lvl6pPr marL="2514600" indent="-228600" eaLnBrk="0" fontAlgn="base" hangingPunct="0">
-              <a:spcBef>
-                <a:spcPct val="0"/>
-              </a:spcBef>
-              <a:spcAft>
-                <a:spcPct val="0"/>
-              </a:spcAft>
-              <a:defRPr sz="2400">
-                <a:solidFill>
-                  <a:schemeClr val="tx1"/>
-                </a:solidFill>
-                <a:latin typeface="Times New Roman" panose="02020603050405020304" pitchFamily="18" charset="0"/>
-              </a:defRPr>
-            </a:lvl6pPr>
-            <a:lvl7pPr marL="2971800" indent="-228600" eaLnBrk="0" fontAlgn="base" hangingPunct="0">
-              <a:spcBef>
-                <a:spcPct val="0"/>
-              </a:spcBef>
-              <a:spcAft>
-                <a:spcPct val="0"/>
-              </a:spcAft>
-              <a:defRPr sz="2400">
-                <a:solidFill>
-                  <a:schemeClr val="tx1"/>
-                </a:solidFill>
-                <a:latin typeface="Times New Roman" panose="02020603050405020304" pitchFamily="18" charset="0"/>
-              </a:defRPr>
-            </a:lvl7pPr>
-            <a:lvl8pPr marL="3429000" indent="-228600" eaLnBrk="0" fontAlgn="base" hangingPunct="0">
-              <a:spcBef>
-                <a:spcPct val="0"/>
-              </a:spcBef>
-              <a:spcAft>
-                <a:spcPct val="0"/>
-              </a:spcAft>
-              <a:defRPr sz="2400">
-                <a:solidFill>
-                  <a:schemeClr val="tx1"/>
-                </a:solidFill>
-                <a:latin typeface="Times New Roman" panose="02020603050405020304" pitchFamily="18" charset="0"/>
-              </a:defRPr>
-            </a:lvl8pPr>
-            <a:lvl9pPr marL="3886200" indent="-228600" eaLnBrk="0" fontAlgn="base" hangingPunct="0">
-              <a:spcBef>
-                <a:spcPct val="0"/>
-              </a:spcBef>
-              <a:spcAft>
-                <a:spcPct val="0"/>
-              </a:spcAft>
-              <a:defRPr sz="2400">
-                <a:solidFill>
-                  <a:schemeClr val="tx1"/>
-                </a:solidFill>
-                <a:latin typeface="Times New Roman" panose="02020603050405020304" pitchFamily="18" charset="0"/>
-              </a:defRPr>
-            </a:lvl9pPr>
-          </a:lstStyle>
-          <a:p>
-            <a:fld id="{6FFC4D51-29CE-4EC3-ADF6-474E7CCA76AC}" type="slidenum">
-              <a:rPr lang="en-US" altLang="en-US" sz="1200" smtClean="0"/>
-              <a:pPr/>
-              <a:t>49</a:t>
-            </a:fld>
-            <a:endParaRPr lang="en-US" altLang="en-US" sz="1200"/>
-          </a:p>
-        </p:txBody>
-      </p:sp>
-      <p:sp>
-        <p:nvSpPr>
-          <p:cNvPr id="79875" name="Rectangle 2"/>
-          <p:cNvSpPr>
-            <a:spLocks noGrp="1" noRot="1" noChangeAspect="1" noChangeArrowheads="1" noTextEdit="1"/>
-          </p:cNvSpPr>
-          <p:nvPr>
-            <p:ph type="sldImg"/>
-          </p:nvPr>
-        </p:nvSpPr>
-        <p:spPr>
-          <a:ln/>
-        </p:spPr>
-      </p:sp>
-      <p:sp>
-        <p:nvSpPr>
-          <p:cNvPr id="79876" name="Rectangle 3"/>
-          <p:cNvSpPr>
-            <a:spLocks noGrp="1" noChangeArrowheads="1"/>
-          </p:cNvSpPr>
-          <p:nvPr>
-            <p:ph type="body" idx="1"/>
-          </p:nvPr>
-        </p:nvSpPr>
-        <p:spPr>
-          <a:noFill/>
-          <a:ln/>
-          <a:extLst>
-            <a:ext uri="{909E8E84-426E-40DD-AFC4-6F175D3DCCD1}">
-              <a14:hiddenFill xmlns:a14="http://schemas.microsoft.com/office/drawing/2010/main">
-                <a:solidFill>
-                  <a:srgbClr val="FFFFFF"/>
-                </a:solidFill>
-              </a14:hiddenFill>
-            </a:ext>
-            <a:ext uri="{91240B29-F687-4F45-9708-019B960494DF}">
-              <a14:hiddenLine xmlns:a14="http://schemas.microsoft.com/office/drawing/2010/main" w="9525">
-                <a:solidFill>
-                  <a:srgbClr val="000000"/>
-                </a:solidFill>
-                <a:miter lim="800000"/>
-                <a:headEnd/>
-                <a:tailEnd/>
-              </a14:hiddenLine>
-            </a:ext>
-          </a:extLst>
-        </p:spPr>
-        <p:txBody>
-          <a:bodyPr/>
-          <a:lstStyle/>
-          <a:p>
-            <a:endParaRPr lang="en-US" altLang="en-US"/>
-          </a:p>
-        </p:txBody>
-      </p:sp>
-    </p:spTree>
-    <p:extLst>
-      <p:ext uri="{BB962C8B-B14F-4D97-AF65-F5344CB8AC3E}">
-        <p14:creationId xmlns:p14="http://schemas.microsoft.com/office/powerpoint/2010/main" val="2878072578"/>
       </p:ext>
     </p:extLst>
   </p:cSld>
@@ -10128,7 +10154,7 @@
     </p:spTree>
     <p:extLst>
       <p:ext uri="{BB962C8B-B14F-4D97-AF65-F5344CB8AC3E}">
-        <p14:creationId xmlns:p14="http://schemas.microsoft.com/office/powerpoint/2010/main" val="3667693593"/>
+        <p14:creationId xmlns:p14="http://schemas.microsoft.com/office/powerpoint/2010/main" val="2878072578"/>
       </p:ext>
     </p:extLst>
   </p:cSld>
@@ -10293,6 +10319,234 @@
               <a:rPr lang="en-US" altLang="en-US" sz="1200" smtClean="0"/>
               <a:pPr/>
               <a:t>51</a:t>
+            </a:fld>
+            <a:endParaRPr lang="en-US" altLang="en-US" sz="1200"/>
+          </a:p>
+        </p:txBody>
+      </p:sp>
+      <p:sp>
+        <p:nvSpPr>
+          <p:cNvPr id="79875" name="Rectangle 2"/>
+          <p:cNvSpPr>
+            <a:spLocks noGrp="1" noRot="1" noChangeAspect="1" noChangeArrowheads="1" noTextEdit="1"/>
+          </p:cNvSpPr>
+          <p:nvPr>
+            <p:ph type="sldImg"/>
+          </p:nvPr>
+        </p:nvSpPr>
+        <p:spPr>
+          <a:ln/>
+        </p:spPr>
+      </p:sp>
+      <p:sp>
+        <p:nvSpPr>
+          <p:cNvPr id="79876" name="Rectangle 3"/>
+          <p:cNvSpPr>
+            <a:spLocks noGrp="1" noChangeArrowheads="1"/>
+          </p:cNvSpPr>
+          <p:nvPr>
+            <p:ph type="body" idx="1"/>
+          </p:nvPr>
+        </p:nvSpPr>
+        <p:spPr>
+          <a:noFill/>
+          <a:ln/>
+          <a:extLst>
+            <a:ext uri="{909E8E84-426E-40DD-AFC4-6F175D3DCCD1}">
+              <a14:hiddenFill xmlns:a14="http://schemas.microsoft.com/office/drawing/2010/main">
+                <a:solidFill>
+                  <a:srgbClr val="FFFFFF"/>
+                </a:solidFill>
+              </a14:hiddenFill>
+            </a:ext>
+            <a:ext uri="{91240B29-F687-4F45-9708-019B960494DF}">
+              <a14:hiddenLine xmlns:a14="http://schemas.microsoft.com/office/drawing/2010/main" w="9525">
+                <a:solidFill>
+                  <a:srgbClr val="000000"/>
+                </a:solidFill>
+                <a:miter lim="800000"/>
+                <a:headEnd/>
+                <a:tailEnd/>
+              </a14:hiddenLine>
+            </a:ext>
+          </a:extLst>
+        </p:spPr>
+        <p:txBody>
+          <a:bodyPr/>
+          <a:lstStyle/>
+          <a:p>
+            <a:endParaRPr lang="en-US" altLang="en-US"/>
+          </a:p>
+        </p:txBody>
+      </p:sp>
+    </p:spTree>
+    <p:extLst>
+      <p:ext uri="{BB962C8B-B14F-4D97-AF65-F5344CB8AC3E}">
+        <p14:creationId xmlns:p14="http://schemas.microsoft.com/office/powerpoint/2010/main" val="3667693593"/>
+      </p:ext>
+    </p:extLst>
+  </p:cSld>
+  <p:clrMapOvr>
+    <a:masterClrMapping/>
+  </p:clrMapOvr>
+</p:notes>
+</file>
+
+<file path=ppt/notesSlides/notesSlide47.xml><?xml version="1.0" encoding="utf-8"?>
+<p:notes xmlns:a="http://schemas.openxmlformats.org/drawingml/2006/main" xmlns:r="http://schemas.openxmlformats.org/officeDocument/2006/relationships" xmlns:p="http://schemas.openxmlformats.org/presentationml/2006/main">
+  <p:cSld>
+    <p:spTree>
+      <p:nvGrpSpPr>
+        <p:cNvPr id="1" name=""/>
+        <p:cNvGrpSpPr/>
+        <p:nvPr/>
+      </p:nvGrpSpPr>
+      <p:grpSpPr>
+        <a:xfrm>
+          <a:off x="0" y="0"/>
+          <a:ext cx="0" cy="0"/>
+          <a:chOff x="0" y="0"/>
+          <a:chExt cx="0" cy="0"/>
+        </a:xfrm>
+      </p:grpSpPr>
+      <p:sp>
+        <p:nvSpPr>
+          <p:cNvPr id="79874" name="Rectangle 7"/>
+          <p:cNvSpPr>
+            <a:spLocks noGrp="1" noChangeArrowheads="1"/>
+          </p:cNvSpPr>
+          <p:nvPr>
+            <p:ph type="sldNum" sz="quarter" idx="5"/>
+          </p:nvPr>
+        </p:nvSpPr>
+        <p:spPr>
+          <a:noFill/>
+          <a:ln/>
+          <a:extLst>
+            <a:ext uri="{909E8E84-426E-40DD-AFC4-6F175D3DCCD1}">
+              <a14:hiddenFill xmlns:a14="http://schemas.microsoft.com/office/drawing/2010/main">
+                <a:solidFill>
+                  <a:srgbClr val="FFFFFF"/>
+                </a:solidFill>
+              </a14:hiddenFill>
+            </a:ext>
+            <a:ext uri="{91240B29-F687-4F45-9708-019B960494DF}">
+              <a14:hiddenLine xmlns:a14="http://schemas.microsoft.com/office/drawing/2010/main" w="9525">
+                <a:solidFill>
+                  <a:srgbClr val="000000"/>
+                </a:solidFill>
+                <a:miter lim="800000"/>
+                <a:headEnd/>
+                <a:tailEnd/>
+              </a14:hiddenLine>
+            </a:ext>
+          </a:extLst>
+        </p:spPr>
+        <p:txBody>
+          <a:bodyPr/>
+          <a:lstStyle>
+            <a:lvl1pPr>
+              <a:defRPr sz="2400">
+                <a:solidFill>
+                  <a:schemeClr val="tx1"/>
+                </a:solidFill>
+                <a:latin typeface="Times New Roman" panose="02020603050405020304" pitchFamily="18" charset="0"/>
+              </a:defRPr>
+            </a:lvl1pPr>
+            <a:lvl2pPr marL="742950" indent="-285750">
+              <a:defRPr sz="2400">
+                <a:solidFill>
+                  <a:schemeClr val="tx1"/>
+                </a:solidFill>
+                <a:latin typeface="Times New Roman" panose="02020603050405020304" pitchFamily="18" charset="0"/>
+              </a:defRPr>
+            </a:lvl2pPr>
+            <a:lvl3pPr marL="1143000" indent="-228600">
+              <a:defRPr sz="2400">
+                <a:solidFill>
+                  <a:schemeClr val="tx1"/>
+                </a:solidFill>
+                <a:latin typeface="Times New Roman" panose="02020603050405020304" pitchFamily="18" charset="0"/>
+              </a:defRPr>
+            </a:lvl3pPr>
+            <a:lvl4pPr marL="1600200" indent="-228600">
+              <a:defRPr sz="2400">
+                <a:solidFill>
+                  <a:schemeClr val="tx1"/>
+                </a:solidFill>
+                <a:latin typeface="Times New Roman" panose="02020603050405020304" pitchFamily="18" charset="0"/>
+              </a:defRPr>
+            </a:lvl4pPr>
+            <a:lvl5pPr marL="2057400" indent="-228600">
+              <a:defRPr sz="2400">
+                <a:solidFill>
+                  <a:schemeClr val="tx1"/>
+                </a:solidFill>
+                <a:latin typeface="Times New Roman" panose="02020603050405020304" pitchFamily="18" charset="0"/>
+              </a:defRPr>
+            </a:lvl5pPr>
+            <a:lvl6pPr marL="2514600" indent="-228600" eaLnBrk="0" fontAlgn="base" hangingPunct="0">
+              <a:spcBef>
+                <a:spcPct val="0"/>
+              </a:spcBef>
+              <a:spcAft>
+                <a:spcPct val="0"/>
+              </a:spcAft>
+              <a:defRPr sz="2400">
+                <a:solidFill>
+                  <a:schemeClr val="tx1"/>
+                </a:solidFill>
+                <a:latin typeface="Times New Roman" panose="02020603050405020304" pitchFamily="18" charset="0"/>
+              </a:defRPr>
+            </a:lvl6pPr>
+            <a:lvl7pPr marL="2971800" indent="-228600" eaLnBrk="0" fontAlgn="base" hangingPunct="0">
+              <a:spcBef>
+                <a:spcPct val="0"/>
+              </a:spcBef>
+              <a:spcAft>
+                <a:spcPct val="0"/>
+              </a:spcAft>
+              <a:defRPr sz="2400">
+                <a:solidFill>
+                  <a:schemeClr val="tx1"/>
+                </a:solidFill>
+                <a:latin typeface="Times New Roman" panose="02020603050405020304" pitchFamily="18" charset="0"/>
+              </a:defRPr>
+            </a:lvl7pPr>
+            <a:lvl8pPr marL="3429000" indent="-228600" eaLnBrk="0" fontAlgn="base" hangingPunct="0">
+              <a:spcBef>
+                <a:spcPct val="0"/>
+              </a:spcBef>
+              <a:spcAft>
+                <a:spcPct val="0"/>
+              </a:spcAft>
+              <a:defRPr sz="2400">
+                <a:solidFill>
+                  <a:schemeClr val="tx1"/>
+                </a:solidFill>
+                <a:latin typeface="Times New Roman" panose="02020603050405020304" pitchFamily="18" charset="0"/>
+              </a:defRPr>
+            </a:lvl8pPr>
+            <a:lvl9pPr marL="3886200" indent="-228600" eaLnBrk="0" fontAlgn="base" hangingPunct="0">
+              <a:spcBef>
+                <a:spcPct val="0"/>
+              </a:spcBef>
+              <a:spcAft>
+                <a:spcPct val="0"/>
+              </a:spcAft>
+              <a:defRPr sz="2400">
+                <a:solidFill>
+                  <a:schemeClr val="tx1"/>
+                </a:solidFill>
+                <a:latin typeface="Times New Roman" panose="02020603050405020304" pitchFamily="18" charset="0"/>
+              </a:defRPr>
+            </a:lvl9pPr>
+          </a:lstStyle>
+          <a:p>
+            <a:fld id="{6FFC4D51-29CE-4EC3-ADF6-474E7CCA76AC}" type="slidenum">
+              <a:rPr lang="en-US" altLang="en-US" sz="1200" smtClean="0"/>
+              <a:pPr/>
+              <a:t>52</a:t>
             </a:fld>
             <a:endParaRPr lang="en-US" altLang="en-US" sz="1200"/>
           </a:p>
@@ -22398,7 +22652,7 @@
         </p:blipFill>
         <p:spPr bwMode="auto">
           <a:xfrm>
-            <a:off x="7810500" y="0"/>
+            <a:off x="7867650" y="-76200"/>
             <a:ext cx="1333500" cy="1714500"/>
           </a:xfrm>
           <a:prstGeom prst="rect">
@@ -22438,6 +22692,327 @@
 </file>
 
 <file path=ppt/slides/slide19.xml><?xml version="1.0" encoding="utf-8"?>
+<p:sld xmlns:a="http://schemas.openxmlformats.org/drawingml/2006/main" xmlns:r="http://schemas.openxmlformats.org/officeDocument/2006/relationships" xmlns:p="http://schemas.openxmlformats.org/presentationml/2006/main">
+  <p:cSld>
+    <p:spTree>
+      <p:nvGrpSpPr>
+        <p:cNvPr id="1" name=""/>
+        <p:cNvGrpSpPr/>
+        <p:nvPr/>
+      </p:nvGrpSpPr>
+      <p:grpSpPr>
+        <a:xfrm>
+          <a:off x="0" y="0"/>
+          <a:ext cx="0" cy="0"/>
+          <a:chOff x="0" y="0"/>
+          <a:chExt cx="0" cy="0"/>
+        </a:xfrm>
+      </p:grpSpPr>
+      <p:sp>
+        <p:nvSpPr>
+          <p:cNvPr id="34818" name="Rectangle 2"/>
+          <p:cNvSpPr>
+            <a:spLocks noGrp="1" noChangeArrowheads="1"/>
+          </p:cNvSpPr>
+          <p:nvPr>
+            <p:ph type="title"/>
+          </p:nvPr>
+        </p:nvSpPr>
+        <p:spPr>
+          <a:xfrm>
+            <a:off x="685800" y="0"/>
+            <a:ext cx="7772400" cy="1143000"/>
+          </a:xfrm>
+        </p:spPr>
+        <p:txBody>
+          <a:bodyPr/>
+          <a:lstStyle/>
+          <a:p>
+            <a:pPr eaLnBrk="1" hangingPunct="1"/>
+            <a:r>
+              <a:rPr lang="de-DE" altLang="en-US" sz="3600" dirty="0">
+                <a:latin typeface="Candara" panose="020E0502030303020204" pitchFamily="34" charset="0"/>
+              </a:rPr>
+              <a:t>Cartel Theory -2</a:t>
+            </a:r>
+            <a:endParaRPr lang="en-GB" altLang="en-US" sz="3600" dirty="0">
+              <a:latin typeface="Candara" panose="020E0502030303020204" pitchFamily="34" charset="0"/>
+            </a:endParaRPr>
+          </a:p>
+        </p:txBody>
+      </p:sp>
+      <p:sp>
+        <p:nvSpPr>
+          <p:cNvPr id="34819" name="Rectangle 3"/>
+          <p:cNvSpPr>
+            <a:spLocks noGrp="1" noChangeArrowheads="1"/>
+          </p:cNvSpPr>
+          <p:nvPr>
+            <p:ph type="body" idx="1"/>
+          </p:nvPr>
+        </p:nvSpPr>
+        <p:spPr>
+          <a:xfrm>
+            <a:off x="685800" y="1219200"/>
+            <a:ext cx="7772400" cy="5410200"/>
+          </a:xfrm>
+        </p:spPr>
+        <p:txBody>
+          <a:bodyPr/>
+          <a:lstStyle/>
+          <a:p>
+            <a:pPr eaLnBrk="1" hangingPunct="1">
+              <a:lnSpc>
+                <a:spcPct val="90000"/>
+              </a:lnSpc>
+            </a:pPr>
+            <a:r>
+              <a:rPr lang="en-GB" altLang="en-US" sz="2800" dirty="0">
+                <a:latin typeface="Candara" panose="020E0502030303020204" pitchFamily="34" charset="0"/>
+              </a:rPr>
+              <a:t>Essentially, if a player joins a coalition, then she should decrease her emissions further, because she now also has to take into account the impact of her emissions on other players</a:t>
+            </a:r>
+          </a:p>
+          <a:p>
+            <a:pPr eaLnBrk="1" hangingPunct="1">
+              <a:lnSpc>
+                <a:spcPct val="90000"/>
+              </a:lnSpc>
+            </a:pPr>
+            <a:r>
+              <a:rPr lang="en-GB" altLang="en-US" sz="2800" dirty="0">
+                <a:latin typeface="Candara" panose="020E0502030303020204" pitchFamily="34" charset="0"/>
+              </a:rPr>
+              <a:t>In return, the other coalition members further reduce their emissions – is this welfare improving or not? And does it reduce emissions?</a:t>
+            </a:r>
+          </a:p>
+        </p:txBody>
+      </p:sp>
+    </p:spTree>
+  </p:cSld>
+  <p:clrMapOvr>
+    <a:masterClrMapping/>
+  </p:clrMapOvr>
+</p:sld>
+</file>
+
+<file path=ppt/slides/slide2.xml><?xml version="1.0" encoding="utf-8"?>
+<p:sld xmlns:a="http://schemas.openxmlformats.org/drawingml/2006/main" xmlns:r="http://schemas.openxmlformats.org/officeDocument/2006/relationships" xmlns:p="http://schemas.openxmlformats.org/presentationml/2006/main">
+  <p:cSld>
+    <p:spTree>
+      <p:nvGrpSpPr>
+        <p:cNvPr id="1" name=""/>
+        <p:cNvGrpSpPr/>
+        <p:nvPr/>
+      </p:nvGrpSpPr>
+      <p:grpSpPr>
+        <a:xfrm>
+          <a:off x="0" y="0"/>
+          <a:ext cx="0" cy="0"/>
+          <a:chOff x="0" y="0"/>
+          <a:chExt cx="0" cy="0"/>
+        </a:xfrm>
+      </p:grpSpPr>
+      <p:sp>
+        <p:nvSpPr>
+          <p:cNvPr id="190466" name="Rectangle 2"/>
+          <p:cNvSpPr>
+            <a:spLocks noGrp="1" noChangeArrowheads="1"/>
+          </p:cNvSpPr>
+          <p:nvPr>
+            <p:ph type="title"/>
+          </p:nvPr>
+        </p:nvSpPr>
+        <p:spPr>
+          <a:xfrm>
+            <a:off x="762000" y="-76200"/>
+            <a:ext cx="7772400" cy="1143000"/>
+          </a:xfrm>
+        </p:spPr>
+        <p:txBody>
+          <a:bodyPr/>
+          <a:lstStyle/>
+          <a:p>
+            <a:r>
+              <a:rPr lang="de-DE" sz="3200" dirty="0">
+                <a:latin typeface="Candara" panose="020E0502030303020204" pitchFamily="34" charset="0"/>
+              </a:rPr>
+              <a:t>Lectures</a:t>
+            </a:r>
+            <a:endParaRPr lang="en-GB" sz="3200" dirty="0">
+              <a:latin typeface="Candara" panose="020E0502030303020204" pitchFamily="34" charset="0"/>
+            </a:endParaRPr>
+          </a:p>
+        </p:txBody>
+      </p:sp>
+      <p:sp>
+        <p:nvSpPr>
+          <p:cNvPr id="190467" name="Rectangle 3"/>
+          <p:cNvSpPr>
+            <a:spLocks noGrp="1" noChangeArrowheads="1"/>
+          </p:cNvSpPr>
+          <p:nvPr>
+            <p:ph type="body" idx="1"/>
+          </p:nvPr>
+        </p:nvSpPr>
+        <p:spPr>
+          <a:xfrm>
+            <a:off x="685800" y="838200"/>
+            <a:ext cx="7772400" cy="5486400"/>
+          </a:xfrm>
+        </p:spPr>
+        <p:txBody>
+          <a:bodyPr/>
+          <a:lstStyle/>
+          <a:p>
+            <a:pPr>
+              <a:lnSpc>
+                <a:spcPct val="90000"/>
+              </a:lnSpc>
+            </a:pPr>
+            <a:r>
+              <a:rPr lang="en-US" sz="2800" dirty="0">
+                <a:latin typeface="Candara" panose="020E0502030303020204" pitchFamily="34" charset="0"/>
+              </a:rPr>
+              <a:t>Science</a:t>
+            </a:r>
+          </a:p>
+          <a:p>
+            <a:pPr>
+              <a:lnSpc>
+                <a:spcPct val="90000"/>
+              </a:lnSpc>
+            </a:pPr>
+            <a:r>
+              <a:rPr lang="en-US" sz="2800" dirty="0">
+                <a:latin typeface="Candara" panose="020E0502030303020204" pitchFamily="34" charset="0"/>
+              </a:rPr>
+              <a:t>Scenarios &amp; emission reduction options</a:t>
+            </a:r>
+          </a:p>
+          <a:p>
+            <a:pPr>
+              <a:lnSpc>
+                <a:spcPct val="90000"/>
+              </a:lnSpc>
+            </a:pPr>
+            <a:r>
+              <a:rPr lang="en-US" sz="2800" dirty="0">
+                <a:latin typeface="Candara" panose="020E0502030303020204" pitchFamily="34" charset="0"/>
+              </a:rPr>
+              <a:t>Costs of emission reduction</a:t>
+            </a:r>
+          </a:p>
+          <a:p>
+            <a:pPr>
+              <a:lnSpc>
+                <a:spcPct val="90000"/>
+              </a:lnSpc>
+            </a:pPr>
+            <a:r>
+              <a:rPr lang="en-US" sz="2800" dirty="0">
+                <a:latin typeface="Candara" panose="020E0502030303020204" pitchFamily="34" charset="0"/>
+              </a:rPr>
+              <a:t>Instruments for emission reduction</a:t>
+            </a:r>
+          </a:p>
+          <a:p>
+            <a:pPr>
+              <a:lnSpc>
+                <a:spcPct val="90000"/>
+              </a:lnSpc>
+            </a:pPr>
+            <a:r>
+              <a:rPr lang="en-US" sz="2800" dirty="0">
+                <a:latin typeface="Candara" panose="020E0502030303020204" pitchFamily="34" charset="0"/>
+              </a:rPr>
+              <a:t>Impacts of climate change &amp; adaptation</a:t>
+            </a:r>
+          </a:p>
+          <a:p>
+            <a:pPr>
+              <a:lnSpc>
+                <a:spcPct val="90000"/>
+              </a:lnSpc>
+            </a:pPr>
+            <a:r>
+              <a:rPr lang="en-US" sz="2800" dirty="0">
+                <a:latin typeface="Candara" panose="020E0502030303020204" pitchFamily="34" charset="0"/>
+              </a:rPr>
+              <a:t>Economic impacts of climate change</a:t>
+            </a:r>
+          </a:p>
+          <a:p>
+            <a:pPr>
+              <a:lnSpc>
+                <a:spcPct val="90000"/>
+              </a:lnSpc>
+            </a:pPr>
+            <a:r>
+              <a:rPr lang="en-US" sz="2800" dirty="0">
+                <a:latin typeface="Candara" panose="020E0502030303020204" pitchFamily="34" charset="0"/>
+              </a:rPr>
+              <a:t>Climate and development</a:t>
+            </a:r>
+          </a:p>
+          <a:p>
+            <a:pPr>
+              <a:lnSpc>
+                <a:spcPct val="90000"/>
+              </a:lnSpc>
+            </a:pPr>
+            <a:r>
+              <a:rPr lang="en-US" sz="2800" dirty="0">
+                <a:latin typeface="Candara" panose="020E0502030303020204" pitchFamily="34" charset="0"/>
+              </a:rPr>
+              <a:t>Optimal emission reduction</a:t>
+            </a:r>
+          </a:p>
+          <a:p>
+            <a:pPr>
+              <a:lnSpc>
+                <a:spcPct val="90000"/>
+              </a:lnSpc>
+            </a:pPr>
+            <a:r>
+              <a:rPr lang="en-US" sz="2800" dirty="0">
+                <a:latin typeface="Candara" panose="020E0502030303020204" pitchFamily="34" charset="0"/>
+              </a:rPr>
+              <a:t>Discounting, uncertainty, equity</a:t>
+            </a:r>
+          </a:p>
+          <a:p>
+            <a:pPr>
+              <a:lnSpc>
+                <a:spcPct val="90000"/>
+              </a:lnSpc>
+            </a:pPr>
+            <a:r>
+              <a:rPr lang="en-US" b="1" dirty="0">
+                <a:latin typeface="Candara" panose="020E0502030303020204" pitchFamily="34" charset="0"/>
+              </a:rPr>
+              <a:t>International environmental agreements</a:t>
+            </a:r>
+          </a:p>
+        </p:txBody>
+      </p:sp>
+    </p:spTree>
+  </p:cSld>
+  <p:clrMapOvr>
+    <a:masterClrMapping/>
+  </p:clrMapOvr>
+  <mc:AlternateContent xmlns:mc="http://schemas.openxmlformats.org/markup-compatibility/2006" xmlns:p14="http://schemas.microsoft.com/office/powerpoint/2010/main">
+    <mc:Choice Requires="p14">
+      <p:transition spd="slow" p14:dur="2000" advTm="6530"/>
+    </mc:Choice>
+    <mc:Fallback xmlns="">
+      <p:transition spd="slow" advTm="6530"/>
+    </mc:Fallback>
+  </mc:AlternateContent>
+</p:sld>
+</file>
+
+<file path=ppt/slides/slide20.xml><?xml version="1.0" encoding="utf-8"?>
 <p:sld xmlns:a="http://schemas.openxmlformats.org/drawingml/2006/main" xmlns:r="http://schemas.openxmlformats.org/officeDocument/2006/relationships" xmlns:p="http://schemas.openxmlformats.org/presentationml/2006/main">
   <p:cSld>
     <p:spTree>
@@ -24318,223 +24893,7 @@
 </p:sld>
 </file>
 
-<file path=ppt/slides/slide2.xml><?xml version="1.0" encoding="utf-8"?>
-<p:sld xmlns:a="http://schemas.openxmlformats.org/drawingml/2006/main" xmlns:r="http://schemas.openxmlformats.org/officeDocument/2006/relationships" xmlns:p="http://schemas.openxmlformats.org/presentationml/2006/main">
-  <p:cSld>
-    <p:spTree>
-      <p:nvGrpSpPr>
-        <p:cNvPr id="1" name=""/>
-        <p:cNvGrpSpPr/>
-        <p:nvPr/>
-      </p:nvGrpSpPr>
-      <p:grpSpPr>
-        <a:xfrm>
-          <a:off x="0" y="0"/>
-          <a:ext cx="0" cy="0"/>
-          <a:chOff x="0" y="0"/>
-          <a:chExt cx="0" cy="0"/>
-        </a:xfrm>
-      </p:grpSpPr>
-      <p:sp>
-        <p:nvSpPr>
-          <p:cNvPr id="190466" name="Rectangle 2"/>
-          <p:cNvSpPr>
-            <a:spLocks noGrp="1" noChangeArrowheads="1"/>
-          </p:cNvSpPr>
-          <p:nvPr>
-            <p:ph type="title"/>
-          </p:nvPr>
-        </p:nvSpPr>
-        <p:spPr>
-          <a:xfrm>
-            <a:off x="762000" y="-76200"/>
-            <a:ext cx="7772400" cy="1143000"/>
-          </a:xfrm>
-        </p:spPr>
-        <p:txBody>
-          <a:bodyPr/>
-          <a:lstStyle/>
-          <a:p>
-            <a:r>
-              <a:rPr lang="de-DE" sz="3200" dirty="0">
-                <a:latin typeface="Candara" panose="020E0502030303020204" pitchFamily="34" charset="0"/>
-              </a:rPr>
-              <a:t>Lectures</a:t>
-            </a:r>
-            <a:endParaRPr lang="en-GB" sz="3200" dirty="0">
-              <a:latin typeface="Candara" panose="020E0502030303020204" pitchFamily="34" charset="0"/>
-            </a:endParaRPr>
-          </a:p>
-        </p:txBody>
-      </p:sp>
-      <p:sp>
-        <p:nvSpPr>
-          <p:cNvPr id="190467" name="Rectangle 3"/>
-          <p:cNvSpPr>
-            <a:spLocks noGrp="1" noChangeArrowheads="1"/>
-          </p:cNvSpPr>
-          <p:nvPr>
-            <p:ph type="body" idx="1"/>
-          </p:nvPr>
-        </p:nvSpPr>
-        <p:spPr>
-          <a:xfrm>
-            <a:off x="685800" y="838200"/>
-            <a:ext cx="7772400" cy="5486400"/>
-          </a:xfrm>
-        </p:spPr>
-        <p:txBody>
-          <a:bodyPr/>
-          <a:lstStyle/>
-          <a:p>
-            <a:pPr>
-              <a:lnSpc>
-                <a:spcPct val="90000"/>
-              </a:lnSpc>
-            </a:pPr>
-            <a:r>
-              <a:rPr lang="en-US" sz="2800" dirty="0">
-                <a:latin typeface="Candara" panose="020E0502030303020204" pitchFamily="34" charset="0"/>
-              </a:rPr>
-              <a:t>Science</a:t>
-            </a:r>
-          </a:p>
-          <a:p>
-            <a:pPr>
-              <a:lnSpc>
-                <a:spcPct val="90000"/>
-              </a:lnSpc>
-            </a:pPr>
-            <a:r>
-              <a:rPr lang="en-US" sz="2800" dirty="0">
-                <a:latin typeface="Candara" panose="020E0502030303020204" pitchFamily="34" charset="0"/>
-              </a:rPr>
-              <a:t>Scenarios &amp; emission reduction options</a:t>
-            </a:r>
-          </a:p>
-          <a:p>
-            <a:pPr>
-              <a:lnSpc>
-                <a:spcPct val="90000"/>
-              </a:lnSpc>
-            </a:pPr>
-            <a:r>
-              <a:rPr lang="en-US" sz="2800" dirty="0">
-                <a:latin typeface="Candara" panose="020E0502030303020204" pitchFamily="34" charset="0"/>
-              </a:rPr>
-              <a:t>Costs of emission reduction</a:t>
-            </a:r>
-          </a:p>
-          <a:p>
-            <a:pPr>
-              <a:lnSpc>
-                <a:spcPct val="90000"/>
-              </a:lnSpc>
-            </a:pPr>
-            <a:r>
-              <a:rPr lang="en-US" sz="2800" dirty="0">
-                <a:latin typeface="Candara" panose="020E0502030303020204" pitchFamily="34" charset="0"/>
-              </a:rPr>
-              <a:t>Instruments for emission reduction</a:t>
-            </a:r>
-          </a:p>
-          <a:p>
-            <a:pPr>
-              <a:lnSpc>
-                <a:spcPct val="90000"/>
-              </a:lnSpc>
-            </a:pPr>
-            <a:r>
-              <a:rPr lang="en-US" sz="2800" dirty="0">
-                <a:latin typeface="Candara" panose="020E0502030303020204" pitchFamily="34" charset="0"/>
-              </a:rPr>
-              <a:t>Impacts of climate change &amp; adaptation</a:t>
-            </a:r>
-          </a:p>
-          <a:p>
-            <a:pPr>
-              <a:lnSpc>
-                <a:spcPct val="90000"/>
-              </a:lnSpc>
-            </a:pPr>
-            <a:r>
-              <a:rPr lang="en-US" sz="2800" dirty="0">
-                <a:latin typeface="Candara" panose="020E0502030303020204" pitchFamily="34" charset="0"/>
-              </a:rPr>
-              <a:t>Economic impacts of climate change</a:t>
-            </a:r>
-          </a:p>
-          <a:p>
-            <a:pPr>
-              <a:lnSpc>
-                <a:spcPct val="90000"/>
-              </a:lnSpc>
-            </a:pPr>
-            <a:r>
-              <a:rPr lang="en-US" sz="2800" dirty="0">
-                <a:latin typeface="Candara" panose="020E0502030303020204" pitchFamily="34" charset="0"/>
-              </a:rPr>
-              <a:t>Climate and development</a:t>
-            </a:r>
-          </a:p>
-          <a:p>
-            <a:pPr>
-              <a:lnSpc>
-                <a:spcPct val="90000"/>
-              </a:lnSpc>
-            </a:pPr>
-            <a:r>
-              <a:rPr lang="en-US" sz="2800" dirty="0">
-                <a:latin typeface="Candara" panose="020E0502030303020204" pitchFamily="34" charset="0"/>
-              </a:rPr>
-              <a:t>Optimal emission reduction</a:t>
-            </a:r>
-          </a:p>
-          <a:p>
-            <a:pPr>
-              <a:lnSpc>
-                <a:spcPct val="90000"/>
-              </a:lnSpc>
-            </a:pPr>
-            <a:r>
-              <a:rPr lang="en-US" sz="2800" dirty="0">
-                <a:latin typeface="Candara" panose="020E0502030303020204" pitchFamily="34" charset="0"/>
-              </a:rPr>
-              <a:t>Discounting, uncertainty, equity</a:t>
-            </a:r>
-          </a:p>
-          <a:p>
-            <a:pPr>
-              <a:lnSpc>
-                <a:spcPct val="90000"/>
-              </a:lnSpc>
-            </a:pPr>
-            <a:r>
-              <a:rPr lang="en-US" b="1" dirty="0">
-                <a:latin typeface="Candara" panose="020E0502030303020204" pitchFamily="34" charset="0"/>
-              </a:rPr>
-              <a:t>International environmental agreements</a:t>
-            </a:r>
-          </a:p>
-        </p:txBody>
-      </p:sp>
-    </p:spTree>
-  </p:cSld>
-  <p:clrMapOvr>
-    <a:masterClrMapping/>
-  </p:clrMapOvr>
-  <mc:AlternateContent xmlns:mc="http://schemas.openxmlformats.org/markup-compatibility/2006" xmlns:p14="http://schemas.microsoft.com/office/powerpoint/2010/main">
-    <mc:Choice Requires="p14">
-      <p:transition spd="slow" p14:dur="2000" advTm="6530"/>
-    </mc:Choice>
-    <mc:Fallback xmlns="">
-      <p:transition spd="slow" advTm="6530"/>
-    </mc:Fallback>
-  </mc:AlternateContent>
-</p:sld>
-</file>
-
-<file path=ppt/slides/slide20.xml><?xml version="1.0" encoding="utf-8"?>
+<file path=ppt/slides/slide21.xml><?xml version="1.0" encoding="utf-8"?>
 <p:sld xmlns:a="http://schemas.openxmlformats.org/drawingml/2006/main" xmlns:r="http://schemas.openxmlformats.org/officeDocument/2006/relationships" xmlns:p="http://schemas.openxmlformats.org/presentationml/2006/main">
   <p:cSld>
     <p:spTree>
@@ -26249,7 +26608,7 @@
 </p:sld>
 </file>
 
-<file path=ppt/slides/slide21.xml><?xml version="1.0" encoding="utf-8"?>
+<file path=ppt/slides/slide22.xml><?xml version="1.0" encoding="utf-8"?>
 <p:sld xmlns:a="http://schemas.openxmlformats.org/drawingml/2006/main" xmlns:r="http://schemas.openxmlformats.org/officeDocument/2006/relationships" xmlns:p="http://schemas.openxmlformats.org/presentationml/2006/main">
   <p:cSld>
     <p:spTree>
@@ -28634,7 +28993,7 @@
 </p:sld>
 </file>
 
-<file path=ppt/slides/slide22.xml><?xml version="1.0" encoding="utf-8"?>
+<file path=ppt/slides/slide23.xml><?xml version="1.0" encoding="utf-8"?>
 <p:sld xmlns:a="http://schemas.openxmlformats.org/drawingml/2006/main" xmlns:r="http://schemas.openxmlformats.org/officeDocument/2006/relationships" xmlns:p="http://schemas.openxmlformats.org/presentationml/2006/main">
   <p:cSld>
     <p:spTree>
@@ -28718,7 +29077,7 @@
               <a:rPr lang="en-GB" altLang="en-US" sz="2800" dirty="0">
                 <a:latin typeface="Candara" panose="020E0502030303020204" pitchFamily="34" charset="0"/>
               </a:rPr>
-              <a:t>That is, you want to promise a small reduction of your emissions, and get a big reduction of the other’s emissions in return</a:t>
+              <a:t>That is, you want to promise a small extra reduction of your emissions, and get a big reduction of the other’s emissions in return</a:t>
             </a:r>
           </a:p>
           <a:p>
@@ -28762,8 +29121,8 @@
           </a:p>
         </p:txBody>
       </p:sp>
-      <mc:AlternateContent xmlns:mc="http://schemas.openxmlformats.org/markup-compatibility/2006">
-        <mc:Choice xmlns:a14="http://schemas.microsoft.com/office/drawing/2010/main" Requires="a14">
+      <mc:AlternateContent xmlns:mc="http://schemas.openxmlformats.org/markup-compatibility/2006" xmlns:a14="http://schemas.microsoft.com/office/drawing/2010/main">
+        <mc:Choice Requires="a14">
           <p:sp>
             <p:nvSpPr>
               <p:cNvPr id="32772" name="Object 4"/>
@@ -29015,7 +29374,7 @@
             </p:txBody>
           </p:sp>
         </mc:Choice>
-        <mc:Fallback>
+        <mc:Fallback xmlns="">
           <p:sp>
             <p:nvSpPr>
               <p:cNvPr id="32772" name="Object 4"/>
@@ -29173,111 +29532,6 @@
 </p:sld>
 </file>
 
-<file path=ppt/slides/slide23.xml><?xml version="1.0" encoding="utf-8"?>
-<p:sld xmlns:a="http://schemas.openxmlformats.org/drawingml/2006/main" xmlns:r="http://schemas.openxmlformats.org/officeDocument/2006/relationships" xmlns:p="http://schemas.openxmlformats.org/presentationml/2006/main">
-  <p:cSld>
-    <p:spTree>
-      <p:nvGrpSpPr>
-        <p:cNvPr id="1" name=""/>
-        <p:cNvGrpSpPr/>
-        <p:nvPr/>
-      </p:nvGrpSpPr>
-      <p:grpSpPr>
-        <a:xfrm>
-          <a:off x="0" y="0"/>
-          <a:ext cx="0" cy="0"/>
-          <a:chOff x="0" y="0"/>
-          <a:chExt cx="0" cy="0"/>
-        </a:xfrm>
-      </p:grpSpPr>
-      <p:sp>
-        <p:nvSpPr>
-          <p:cNvPr id="34818" name="Rectangle 2"/>
-          <p:cNvSpPr>
-            <a:spLocks noGrp="1" noChangeArrowheads="1"/>
-          </p:cNvSpPr>
-          <p:nvPr>
-            <p:ph type="title"/>
-          </p:nvPr>
-        </p:nvSpPr>
-        <p:spPr>
-          <a:xfrm>
-            <a:off x="685800" y="0"/>
-            <a:ext cx="7772400" cy="1143000"/>
-          </a:xfrm>
-        </p:spPr>
-        <p:txBody>
-          <a:bodyPr/>
-          <a:lstStyle/>
-          <a:p>
-            <a:pPr eaLnBrk="1" hangingPunct="1"/>
-            <a:r>
-              <a:rPr lang="de-DE" altLang="en-US" sz="3600" dirty="0">
-                <a:latin typeface="Candara" panose="020E0502030303020204" pitchFamily="34" charset="0"/>
-              </a:rPr>
-              <a:t>Cartel Theory -2</a:t>
-            </a:r>
-            <a:endParaRPr lang="en-GB" altLang="en-US" sz="3600" dirty="0">
-              <a:latin typeface="Candara" panose="020E0502030303020204" pitchFamily="34" charset="0"/>
-            </a:endParaRPr>
-          </a:p>
-        </p:txBody>
-      </p:sp>
-      <p:sp>
-        <p:nvSpPr>
-          <p:cNvPr id="34819" name="Rectangle 3"/>
-          <p:cNvSpPr>
-            <a:spLocks noGrp="1" noChangeArrowheads="1"/>
-          </p:cNvSpPr>
-          <p:nvPr>
-            <p:ph type="body" idx="1"/>
-          </p:nvPr>
-        </p:nvSpPr>
-        <p:spPr>
-          <a:xfrm>
-            <a:off x="685800" y="1219200"/>
-            <a:ext cx="7772400" cy="5410200"/>
-          </a:xfrm>
-        </p:spPr>
-        <p:txBody>
-          <a:bodyPr/>
-          <a:lstStyle/>
-          <a:p>
-            <a:pPr eaLnBrk="1" hangingPunct="1">
-              <a:lnSpc>
-                <a:spcPct val="90000"/>
-              </a:lnSpc>
-            </a:pPr>
-            <a:r>
-              <a:rPr lang="de-DE" altLang="en-US" sz="2800" dirty="0">
-                <a:latin typeface="Candara" panose="020E0502030303020204" pitchFamily="34" charset="0"/>
-              </a:rPr>
-              <a:t>Essentially, if a player joins a coalition, then she should decrease her emissions, because she now also has to take into account the impact of her emissions on other players</a:t>
-            </a:r>
-          </a:p>
-          <a:p>
-            <a:pPr eaLnBrk="1" hangingPunct="1">
-              <a:lnSpc>
-                <a:spcPct val="90000"/>
-              </a:lnSpc>
-            </a:pPr>
-            <a:r>
-              <a:rPr lang="de-DE" altLang="en-US" sz="2800" dirty="0">
-                <a:latin typeface="Candara" panose="020E0502030303020204" pitchFamily="34" charset="0"/>
-              </a:rPr>
-              <a:t>In return, the other coalition members further reduce their emissions – is this welfare improving or not? And does it reduce emissions?</a:t>
-            </a:r>
-          </a:p>
-        </p:txBody>
-      </p:sp>
-    </p:spTree>
-  </p:cSld>
-  <p:clrMapOvr>
-    <a:masterClrMapping/>
-  </p:clrMapOvr>
-</p:sld>
-</file>
-
 <file path=ppt/slides/slide24.xml><?xml version="1.0" encoding="utf-8"?>
 <p:sld xmlns:a="http://schemas.openxmlformats.org/drawingml/2006/main" xmlns:r="http://schemas.openxmlformats.org/officeDocument/2006/relationships" xmlns:p="http://schemas.openxmlformats.org/presentationml/2006/main">
   <p:cSld>
@@ -29417,6 +29671,126 @@
 </file>
 
 <file path=ppt/slides/slide25.xml><?xml version="1.0" encoding="utf-8"?>
+<p:sld xmlns:a="http://schemas.openxmlformats.org/drawingml/2006/main" xmlns:r="http://schemas.openxmlformats.org/officeDocument/2006/relationships" xmlns:p="http://schemas.openxmlformats.org/presentationml/2006/main">
+  <p:cSld>
+    <p:spTree>
+      <p:nvGrpSpPr>
+        <p:cNvPr id="1" name=""/>
+        <p:cNvGrpSpPr/>
+        <p:nvPr/>
+      </p:nvGrpSpPr>
+      <p:grpSpPr>
+        <a:xfrm>
+          <a:off x="0" y="0"/>
+          <a:ext cx="0" cy="0"/>
+          <a:chOff x="0" y="0"/>
+          <a:chExt cx="0" cy="0"/>
+        </a:xfrm>
+      </p:grpSpPr>
+      <p:sp>
+        <p:nvSpPr>
+          <p:cNvPr id="36866" name="Rectangle 2"/>
+          <p:cNvSpPr>
+            <a:spLocks noGrp="1" noChangeArrowheads="1"/>
+          </p:cNvSpPr>
+          <p:nvPr>
+            <p:ph type="title"/>
+          </p:nvPr>
+        </p:nvSpPr>
+        <p:spPr>
+          <a:xfrm>
+            <a:off x="158885" y="254439"/>
+            <a:ext cx="5753100" cy="1143000"/>
+          </a:xfrm>
+        </p:spPr>
+        <p:txBody>
+          <a:bodyPr/>
+          <a:lstStyle/>
+          <a:p>
+            <a:pPr eaLnBrk="1" hangingPunct="1"/>
+            <a:r>
+              <a:rPr lang="de-DE" altLang="en-US" sz="3600" dirty="0">
+                <a:latin typeface="Candara" panose="020E0502030303020204" pitchFamily="34" charset="0"/>
+                <a:ea typeface="Cambria" panose="02040503050406030204" pitchFamily="18" charset="0"/>
+              </a:rPr>
+              <a:t>International Climate Policy</a:t>
+            </a:r>
+            <a:endParaRPr lang="en-GB" altLang="en-US" sz="3600" dirty="0">
+              <a:latin typeface="Candara" panose="020E0502030303020204" pitchFamily="34" charset="0"/>
+              <a:ea typeface="Cambria" panose="02040503050406030204" pitchFamily="18" charset="0"/>
+            </a:endParaRPr>
+          </a:p>
+        </p:txBody>
+      </p:sp>
+      <p:sp>
+        <p:nvSpPr>
+          <p:cNvPr id="36867" name="Rectangle 3"/>
+          <p:cNvSpPr>
+            <a:spLocks noGrp="1" noChangeArrowheads="1"/>
+          </p:cNvSpPr>
+          <p:nvPr>
+            <p:ph type="body" idx="1"/>
+          </p:nvPr>
+        </p:nvSpPr>
+        <p:spPr>
+          <a:xfrm>
+            <a:off x="152400" y="1661606"/>
+            <a:ext cx="7772400" cy="4114800"/>
+          </a:xfrm>
+        </p:spPr>
+        <p:txBody>
+          <a:bodyPr/>
+          <a:lstStyle/>
+          <a:p>
+            <a:pPr eaLnBrk="1" hangingPunct="1">
+              <a:lnSpc>
+                <a:spcPct val="90000"/>
+              </a:lnSpc>
+            </a:pPr>
+            <a:r>
+              <a:rPr lang="de-DE" altLang="en-US" sz="2800" dirty="0">
+                <a:latin typeface="Candara" panose="020E0502030303020204" pitchFamily="34" charset="0"/>
+              </a:rPr>
+              <a:t>International climate policy has a long history of </a:t>
+            </a:r>
+            <a:r>
+              <a:rPr lang="de-DE" altLang="en-US" sz="2800" dirty="0" err="1">
+                <a:latin typeface="Candara" panose="020E0502030303020204" pitchFamily="34" charset="0"/>
+              </a:rPr>
+              <a:t>good</a:t>
+            </a:r>
+            <a:r>
+              <a:rPr lang="de-DE" altLang="en-US" sz="2800" dirty="0">
+                <a:latin typeface="Candara" panose="020E0502030303020204" pitchFamily="34" charset="0"/>
+              </a:rPr>
+              <a:t> </a:t>
+            </a:r>
+            <a:r>
+              <a:rPr lang="de-DE" altLang="en-US" sz="2800" dirty="0" err="1">
+                <a:latin typeface="Candara" panose="020E0502030303020204" pitchFamily="34" charset="0"/>
+              </a:rPr>
+              <a:t>intentions</a:t>
+            </a:r>
+            <a:endParaRPr lang="de-DE" altLang="en-US" sz="2800" dirty="0">
+              <a:latin typeface="Candara" panose="020E0502030303020204" pitchFamily="34" charset="0"/>
+            </a:endParaRPr>
+          </a:p>
+        </p:txBody>
+      </p:sp>
+    </p:spTree>
+    <p:extLst>
+      <p:ext uri="{BB962C8B-B14F-4D97-AF65-F5344CB8AC3E}">
+        <p14:creationId xmlns:p14="http://schemas.microsoft.com/office/powerpoint/2010/main" val="3271217506"/>
+      </p:ext>
+    </p:extLst>
+  </p:cSld>
+  <p:clrMapOvr>
+    <a:masterClrMapping/>
+  </p:clrMapOvr>
+</p:sld>
+</file>
+
+<file path=ppt/slides/slide26.xml><?xml version="1.0" encoding="utf-8"?>
 <p:sld xmlns:a="http://schemas.openxmlformats.org/drawingml/2006/main" xmlns:r="http://schemas.openxmlformats.org/officeDocument/2006/relationships" xmlns:p="http://schemas.openxmlformats.org/presentationml/2006/main">
   <p:cSld>
     <p:spTree>
@@ -29477,7 +29851,7 @@
 </p:sld>
 </file>
 
-<file path=ppt/slides/slide26.xml><?xml version="1.0" encoding="utf-8"?>
+<file path=ppt/slides/slide27.xml><?xml version="1.0" encoding="utf-8"?>
 <p:sld xmlns:a="http://schemas.openxmlformats.org/drawingml/2006/main" xmlns:r="http://schemas.openxmlformats.org/officeDocument/2006/relationships" xmlns:p="http://schemas.openxmlformats.org/presentationml/2006/main">
   <p:cSld>
     <p:spTree>
@@ -29671,7 +30045,7 @@
     </p:spTree>
     <p:extLst>
       <p:ext uri="{BB962C8B-B14F-4D97-AF65-F5344CB8AC3E}">
-        <p14:creationId xmlns:p14="http://schemas.microsoft.com/office/powerpoint/2010/main" val="3271217506"/>
+        <p14:creationId xmlns:p14="http://schemas.microsoft.com/office/powerpoint/2010/main" val="1669485107"/>
       </p:ext>
     </p:extLst>
   </p:cSld>
@@ -29681,7 +30055,7 @@
 </p:sld>
 </file>
 
-<file path=ppt/slides/slide27.xml><?xml version="1.0" encoding="utf-8"?>
+<file path=ppt/slides/slide28.xml><?xml version="1.0" encoding="utf-8"?>
 <p:sld xmlns:a="http://schemas.openxmlformats.org/drawingml/2006/main" xmlns:r="http://schemas.openxmlformats.org/officeDocument/2006/relationships" xmlns:p="http://schemas.openxmlformats.org/presentationml/2006/main">
   <p:cSld>
     <p:spTree>
@@ -29837,7 +30211,7 @@
 </p:sld>
 </file>
 
-<file path=ppt/slides/slide28.xml><?xml version="1.0" encoding="utf-8"?>
+<file path=ppt/slides/slide29.xml><?xml version="1.0" encoding="utf-8"?>
 <p:sld xmlns:a="http://schemas.openxmlformats.org/drawingml/2006/main" xmlns:r="http://schemas.openxmlformats.org/officeDocument/2006/relationships" xmlns:p="http://schemas.openxmlformats.org/presentationml/2006/main">
   <p:cSld>
     <p:spTree>
@@ -29939,100 +30313,6 @@
         </p:txBody>
       </p:sp>
     </p:spTree>
-  </p:cSld>
-  <p:clrMapOvr>
-    <a:masterClrMapping/>
-  </p:clrMapOvr>
-</p:sld>
-</file>
-
-<file path=ppt/slides/slide29.xml><?xml version="1.0" encoding="utf-8"?>
-<p:sld xmlns:a="http://schemas.openxmlformats.org/drawingml/2006/main" xmlns:r="http://schemas.openxmlformats.org/officeDocument/2006/relationships" xmlns:p="http://schemas.openxmlformats.org/presentationml/2006/main">
-  <p:cSld>
-    <p:spTree>
-      <p:nvGrpSpPr>
-        <p:cNvPr id="1" name=""/>
-        <p:cNvGrpSpPr/>
-        <p:nvPr/>
-      </p:nvGrpSpPr>
-      <p:grpSpPr>
-        <a:xfrm>
-          <a:off x="0" y="0"/>
-          <a:ext cx="0" cy="0"/>
-          <a:chOff x="0" y="0"/>
-          <a:chExt cx="0" cy="0"/>
-        </a:xfrm>
-      </p:grpSpPr>
-      <p:sp>
-        <p:nvSpPr>
-          <p:cNvPr id="44034" name="Rectangle 1026"/>
-          <p:cNvSpPr>
-            <a:spLocks noGrp="1" noChangeArrowheads="1"/>
-          </p:cNvSpPr>
-          <p:nvPr>
-            <p:ph type="title"/>
-          </p:nvPr>
-        </p:nvSpPr>
-        <p:spPr>
-          <a:xfrm>
-            <a:off x="685800" y="4458"/>
-            <a:ext cx="7772400" cy="1143000"/>
-          </a:xfrm>
-        </p:spPr>
-        <p:txBody>
-          <a:bodyPr/>
-          <a:lstStyle/>
-          <a:p>
-            <a:pPr eaLnBrk="1" hangingPunct="1">
-              <a:lnSpc>
-                <a:spcPct val="90000"/>
-              </a:lnSpc>
-            </a:pPr>
-            <a:r>
-              <a:rPr lang="de-DE" altLang="en-US" sz="3200" dirty="0">
-                <a:latin typeface="Candara" panose="020E0502030303020204" pitchFamily="34" charset="0"/>
-              </a:rPr>
-              <a:t>UNFCCC started a series of negotiations</a:t>
-            </a:r>
-          </a:p>
-        </p:txBody>
-      </p:sp>
-      <p:pic>
-        <p:nvPicPr>
-          <p:cNvPr id="3" name="Picture 2">
-            <a:extLst>
-              <a:ext uri="{FF2B5EF4-FFF2-40B4-BE49-F238E27FC236}">
-                <a16:creationId xmlns:a16="http://schemas.microsoft.com/office/drawing/2014/main" id="{F40EB36E-E67B-4CFB-815A-0CF8CB9ABCB2}"/>
-              </a:ext>
-            </a:extLst>
-          </p:cNvPr>
-          <p:cNvPicPr>
-            <a:picLocks noChangeAspect="1"/>
-          </p:cNvPicPr>
-          <p:nvPr/>
-        </p:nvPicPr>
-        <p:blipFill>
-          <a:blip r:embed="rId3"/>
-          <a:stretch>
-            <a:fillRect/>
-          </a:stretch>
-        </p:blipFill>
-        <p:spPr>
-          <a:xfrm>
-            <a:off x="0" y="843091"/>
-            <a:ext cx="9144000" cy="5973580"/>
-          </a:xfrm>
-          <a:prstGeom prst="rect">
-            <a:avLst/>
-          </a:prstGeom>
-        </p:spPr>
-      </p:pic>
-    </p:spTree>
-    <p:extLst>
-      <p:ext uri="{BB962C8B-B14F-4D97-AF65-F5344CB8AC3E}">
-        <p14:creationId xmlns:p14="http://schemas.microsoft.com/office/powerpoint/2010/main" val="3610960551"/>
-      </p:ext>
-    </p:extLst>
   </p:cSld>
   <p:clrMapOvr>
     <a:masterClrMapping/>
@@ -30179,6 +30459,117 @@
 </file>
 
 <file path=ppt/slides/slide30.xml><?xml version="1.0" encoding="utf-8"?>
+<p:sld xmlns:a="http://schemas.openxmlformats.org/drawingml/2006/main" xmlns:r="http://schemas.openxmlformats.org/officeDocument/2006/relationships" xmlns:p="http://schemas.openxmlformats.org/presentationml/2006/main">
+  <p:cSld>
+    <p:spTree>
+      <p:nvGrpSpPr>
+        <p:cNvPr id="1" name=""/>
+        <p:cNvGrpSpPr/>
+        <p:nvPr/>
+      </p:nvGrpSpPr>
+      <p:grpSpPr>
+        <a:xfrm>
+          <a:off x="0" y="0"/>
+          <a:ext cx="0" cy="0"/>
+          <a:chOff x="0" y="0"/>
+          <a:chExt cx="0" cy="0"/>
+        </a:xfrm>
+      </p:grpSpPr>
+      <p:pic>
+        <p:nvPicPr>
+          <p:cNvPr id="1026" name="Picture 2" descr="Image">
+            <a:extLst>
+              <a:ext uri="{FF2B5EF4-FFF2-40B4-BE49-F238E27FC236}">
+                <a16:creationId xmlns:a16="http://schemas.microsoft.com/office/drawing/2014/main" id="{D3A38674-A347-4EE9-9F42-55B77BB451BC}"/>
+              </a:ext>
+            </a:extLst>
+          </p:cNvPr>
+          <p:cNvPicPr>
+            <a:picLocks noChangeAspect="1" noChangeArrowheads="1"/>
+          </p:cNvPicPr>
+          <p:nvPr/>
+        </p:nvPicPr>
+        <p:blipFill>
+          <a:blip r:embed="rId3">
+            <a:extLst>
+              <a:ext uri="{28A0092B-C50C-407E-A947-70E740481C1C}">
+                <a14:useLocalDpi xmlns:a14="http://schemas.microsoft.com/office/drawing/2010/main" val="0"/>
+              </a:ext>
+            </a:extLst>
+          </a:blip>
+          <a:srcRect/>
+          <a:stretch>
+            <a:fillRect/>
+          </a:stretch>
+        </p:blipFill>
+        <p:spPr bwMode="auto">
+          <a:xfrm>
+            <a:off x="0" y="739775"/>
+            <a:ext cx="9144000" cy="5965825"/>
+          </a:xfrm>
+          <a:prstGeom prst="rect">
+            <a:avLst/>
+          </a:prstGeom>
+          <a:noFill/>
+          <a:extLst>
+            <a:ext uri="{909E8E84-426E-40DD-AFC4-6F175D3DCCD1}">
+              <a14:hiddenFill xmlns:a14="http://schemas.microsoft.com/office/drawing/2010/main">
+                <a:solidFill>
+                  <a:srgbClr val="FFFFFF"/>
+                </a:solidFill>
+              </a14:hiddenFill>
+            </a:ext>
+          </a:extLst>
+        </p:spPr>
+      </p:pic>
+      <p:sp>
+        <p:nvSpPr>
+          <p:cNvPr id="44034" name="Rectangle 1026"/>
+          <p:cNvSpPr>
+            <a:spLocks noGrp="1" noChangeArrowheads="1"/>
+          </p:cNvSpPr>
+          <p:nvPr>
+            <p:ph type="title"/>
+          </p:nvPr>
+        </p:nvSpPr>
+        <p:spPr>
+          <a:xfrm>
+            <a:off x="685800" y="4458"/>
+            <a:ext cx="7772400" cy="1143000"/>
+          </a:xfrm>
+        </p:spPr>
+        <p:txBody>
+          <a:bodyPr/>
+          <a:lstStyle/>
+          <a:p>
+            <a:pPr eaLnBrk="1" hangingPunct="1">
+              <a:lnSpc>
+                <a:spcPct val="90000"/>
+              </a:lnSpc>
+            </a:pPr>
+            <a:r>
+              <a:rPr lang="de-DE" altLang="en-US" sz="3200" dirty="0">
+                <a:latin typeface="Candara" panose="020E0502030303020204" pitchFamily="34" charset="0"/>
+              </a:rPr>
+              <a:t>UNFCCC started a series of negotiations</a:t>
+            </a:r>
+          </a:p>
+        </p:txBody>
+      </p:sp>
+    </p:spTree>
+    <p:extLst>
+      <p:ext uri="{BB962C8B-B14F-4D97-AF65-F5344CB8AC3E}">
+        <p14:creationId xmlns:p14="http://schemas.microsoft.com/office/powerpoint/2010/main" val="3610960551"/>
+      </p:ext>
+    </p:extLst>
+  </p:cSld>
+  <p:clrMapOvr>
+    <a:masterClrMapping/>
+  </p:clrMapOvr>
+</p:sld>
+</file>
+
+<file path=ppt/slides/slide31.xml><?xml version="1.0" encoding="utf-8"?>
 <p:sld xmlns:a="http://schemas.openxmlformats.org/drawingml/2006/main" xmlns:r="http://schemas.openxmlformats.org/officeDocument/2006/relationships" xmlns:p="http://schemas.openxmlformats.org/presentationml/2006/main">
   <p:cSld>
     <p:spTree>
@@ -30447,7 +30838,7 @@
 </p:sld>
 </file>
 
-<file path=ppt/slides/slide31.xml><?xml version="1.0" encoding="utf-8"?>
+<file path=ppt/slides/slide32.xml><?xml version="1.0" encoding="utf-8"?>
 <p:sld xmlns:a="http://schemas.openxmlformats.org/drawingml/2006/main" xmlns:r="http://schemas.openxmlformats.org/officeDocument/2006/relationships" xmlns:p="http://schemas.openxmlformats.org/presentationml/2006/main">
   <p:cSld>
     <p:spTree>
@@ -30798,7 +31189,7 @@
 </p:sld>
 </file>
 
-<file path=ppt/slides/slide32.xml><?xml version="1.0" encoding="utf-8"?>
+<file path=ppt/slides/slide33.xml><?xml version="1.0" encoding="utf-8"?>
 <p:sld xmlns:a="http://schemas.openxmlformats.org/drawingml/2006/main" xmlns:r="http://schemas.openxmlformats.org/officeDocument/2006/relationships" xmlns:p="http://schemas.openxmlformats.org/presentationml/2006/main">
   <p:cSld>
     <p:spTree>
@@ -30895,7 +31286,7 @@
 </p:sld>
 </file>
 
-<file path=ppt/slides/slide33.xml><?xml version="1.0" encoding="utf-8"?>
+<file path=ppt/slides/slide34.xml><?xml version="1.0" encoding="utf-8"?>
 <p:sld xmlns:a="http://schemas.openxmlformats.org/drawingml/2006/main" xmlns:r="http://schemas.openxmlformats.org/officeDocument/2006/relationships" xmlns:p="http://schemas.openxmlformats.org/presentationml/2006/main">
   <p:cSld>
     <p:spTree>
@@ -31214,7 +31605,7 @@
 </p:sld>
 </file>
 
-<file path=ppt/slides/slide34.xml><?xml version="1.0" encoding="utf-8"?>
+<file path=ppt/slides/slide35.xml><?xml version="1.0" encoding="utf-8"?>
 <p:sld xmlns:a="http://schemas.openxmlformats.org/drawingml/2006/main" xmlns:r="http://schemas.openxmlformats.org/officeDocument/2006/relationships" xmlns:p="http://schemas.openxmlformats.org/presentationml/2006/main">
   <p:cSld>
     <p:spTree>
@@ -31374,7 +31765,7 @@
 </p:sld>
 </file>
 
-<file path=ppt/slides/slide35.xml><?xml version="1.0" encoding="utf-8"?>
+<file path=ppt/slides/slide36.xml><?xml version="1.0" encoding="utf-8"?>
 <p:sld xmlns:a="http://schemas.openxmlformats.org/drawingml/2006/main" xmlns:r="http://schemas.openxmlformats.org/officeDocument/2006/relationships" xmlns:p="http://schemas.openxmlformats.org/presentationml/2006/main">
   <p:cSld>
     <p:spTree>
@@ -31457,7 +31848,7 @@
           <a:p>
             <a:pPr eaLnBrk="1" hangingPunct="1"/>
             <a:r>
-              <a:rPr lang="de-DE" altLang="en-US" sz="2800" dirty="0">
+              <a:rPr lang="en-GB" altLang="en-US" sz="2800" dirty="0">
                 <a:latin typeface="Candara" panose="020E0502030303020204" pitchFamily="34" charset="0"/>
               </a:rPr>
               <a:t>Paris 2015 set tough targets</a:t>
@@ -31466,7 +31857,7 @@
           <a:p>
             <a:pPr lvl="1" eaLnBrk="1" hangingPunct="1"/>
             <a:r>
-              <a:rPr lang="de-DE" altLang="en-US" sz="2400" dirty="0">
+              <a:rPr lang="en-GB" altLang="en-US" sz="2400" dirty="0">
                 <a:latin typeface="Candara" panose="020E0502030303020204" pitchFamily="34" charset="0"/>
               </a:rPr>
               <a:t>2.0K or perhaps 1.5K</a:t>
@@ -31475,21 +31866,51 @@
           <a:p>
             <a:pPr eaLnBrk="1" hangingPunct="1"/>
             <a:r>
-              <a:rPr lang="de-DE" altLang="en-US" sz="2800" dirty="0">
+              <a:rPr lang="en-GB" altLang="en-US" sz="2800" dirty="0">
                 <a:latin typeface="Candara" panose="020E0502030303020204" pitchFamily="34" charset="0"/>
               </a:rPr>
-              <a:t>At the same time, there are no national targets: Countries are obliged to do whatever they want, although climate policy is supposed to intensify</a:t>
+              <a:t>At the same time, there are no </a:t>
+            </a:r>
+            <a:r>
+              <a:rPr lang="en-GB" altLang="en-US" sz="2800" b="1" dirty="0">
+                <a:latin typeface="Candara" panose="020E0502030303020204" pitchFamily="34" charset="0"/>
+              </a:rPr>
+              <a:t>national</a:t>
+            </a:r>
+            <a:r>
+              <a:rPr lang="en-GB" altLang="en-US" sz="2800" dirty="0">
+                <a:latin typeface="Candara" panose="020E0502030303020204" pitchFamily="34" charset="0"/>
+              </a:rPr>
+              <a:t> targets: Countries are obliged to do whatever they want, although climate policy is supposed to intensify</a:t>
             </a:r>
           </a:p>
           <a:p>
             <a:pPr eaLnBrk="1" hangingPunct="1"/>
             <a:r>
-              <a:rPr lang="de-DE" altLang="en-US" sz="2800" dirty="0">
+              <a:rPr lang="en-GB" altLang="en-US" sz="2800" dirty="0">
                 <a:latin typeface="Candara" panose="020E0502030303020204" pitchFamily="34" charset="0"/>
               </a:rPr>
               <a:t>Developing countries thus lost their leverage, and Paris 2015 is the first COP at which no additional funding was pledged</a:t>
             </a:r>
-            <a:endParaRPr lang="de-DE" altLang="en-US" sz="2400" dirty="0">
+          </a:p>
+          <a:p>
+            <a:pPr eaLnBrk="1" hangingPunct="1"/>
+            <a:r>
+              <a:rPr lang="en-GB" altLang="en-US" sz="2800" dirty="0">
+                <a:latin typeface="Candara" panose="020E0502030303020204" pitchFamily="34" charset="0"/>
+              </a:rPr>
+              <a:t>A loss &amp; damage mechanism was agreed at Sharm el-Sheikh 2022, but without liability and without funds</a:t>
+            </a:r>
+          </a:p>
+          <a:p>
+            <a:pPr eaLnBrk="1" hangingPunct="1"/>
+            <a:r>
+              <a:rPr lang="en-GB" altLang="en-US" sz="2800" dirty="0">
+                <a:latin typeface="Candara" panose="020E0502030303020204" pitchFamily="34" charset="0"/>
+              </a:rPr>
+              <a:t>Glasgow 2021 saw shift towards emissions targets</a:t>
+            </a:r>
+            <a:endParaRPr lang="en-GB" altLang="en-US" sz="2400" dirty="0">
               <a:latin typeface="Candara" panose="020E0502030303020204" pitchFamily="34" charset="0"/>
             </a:endParaRPr>
           </a:p>
@@ -31544,7 +31965,7 @@
 </p:sld>
 </file>
 
-<file path=ppt/slides/slide36.xml><?xml version="1.0" encoding="utf-8"?>
+<file path=ppt/slides/slide37.xml><?xml version="1.0" encoding="utf-8"?>
 <p:sld xmlns:a="http://schemas.openxmlformats.org/drawingml/2006/main" xmlns:r="http://schemas.openxmlformats.org/officeDocument/2006/relationships" xmlns:p="http://schemas.openxmlformats.org/presentationml/2006/main" showMasterPhAnim="0">
   <p:cSld>
     <p:spTree>
@@ -31712,7 +32133,7 @@
 </p:sld>
 </file>
 
-<file path=ppt/slides/slide37.xml><?xml version="1.0" encoding="utf-8"?>
+<file path=ppt/slides/slide38.xml><?xml version="1.0" encoding="utf-8"?>
 <p:sld xmlns:a="http://schemas.openxmlformats.org/drawingml/2006/main" xmlns:r="http://schemas.openxmlformats.org/officeDocument/2006/relationships" xmlns:p="http://schemas.openxmlformats.org/presentationml/2006/main" showMasterPhAnim="0">
   <p:cSld>
     <p:spTree>
@@ -31880,7 +32301,7 @@
 </p:sld>
 </file>
 
-<file path=ppt/slides/slide38.xml><?xml version="1.0" encoding="utf-8"?>
+<file path=ppt/slides/slide39.xml><?xml version="1.0" encoding="utf-8"?>
 <p:sld xmlns:a="http://schemas.openxmlformats.org/drawingml/2006/main" xmlns:r="http://schemas.openxmlformats.org/officeDocument/2006/relationships" xmlns:p="http://schemas.openxmlformats.org/presentationml/2006/main" showMasterPhAnim="0">
   <p:cSld>
     <p:spTree>
@@ -32107,118 +32528,6 @@
 </p:sld>
 </file>
 
-<file path=ppt/slides/slide39.xml><?xml version="1.0" encoding="utf-8"?>
-<p:sld xmlns:a="http://schemas.openxmlformats.org/drawingml/2006/main" xmlns:r="http://schemas.openxmlformats.org/officeDocument/2006/relationships" xmlns:p="http://schemas.openxmlformats.org/presentationml/2006/main">
-  <p:cSld>
-    <p:spTree>
-      <p:nvGrpSpPr>
-        <p:cNvPr id="1" name=""/>
-        <p:cNvGrpSpPr/>
-        <p:nvPr/>
-      </p:nvGrpSpPr>
-      <p:grpSpPr>
-        <a:xfrm>
-          <a:off x="0" y="0"/>
-          <a:ext cx="0" cy="0"/>
-          <a:chOff x="0" y="0"/>
-          <a:chExt cx="0" cy="0"/>
-        </a:xfrm>
-      </p:grpSpPr>
-      <p:sp>
-        <p:nvSpPr>
-          <p:cNvPr id="56322" name="Rectangle 2"/>
-          <p:cNvSpPr>
-            <a:spLocks noGrp="1" noChangeArrowheads="1"/>
-          </p:cNvSpPr>
-          <p:nvPr>
-            <p:ph type="title"/>
-          </p:nvPr>
-        </p:nvSpPr>
-        <p:spPr>
-          <a:xfrm>
-            <a:off x="685800" y="0"/>
-            <a:ext cx="7772400" cy="1143000"/>
-          </a:xfrm>
-        </p:spPr>
-        <p:txBody>
-          <a:bodyPr/>
-          <a:lstStyle/>
-          <a:p>
-            <a:pPr eaLnBrk="1" hangingPunct="1"/>
-            <a:r>
-              <a:rPr lang="de-DE" altLang="en-US" sz="3600" dirty="0">
-                <a:latin typeface="Candara" panose="020E0502030303020204" pitchFamily="34" charset="0"/>
-              </a:rPr>
-              <a:t>Theory and practice</a:t>
-            </a:r>
-            <a:endParaRPr lang="en-GB" altLang="en-US" sz="3600" dirty="0">
-              <a:latin typeface="Candara" panose="020E0502030303020204" pitchFamily="34" charset="0"/>
-            </a:endParaRPr>
-          </a:p>
-        </p:txBody>
-      </p:sp>
-      <p:sp>
-        <p:nvSpPr>
-          <p:cNvPr id="56323" name="Rectangle 3"/>
-          <p:cNvSpPr>
-            <a:spLocks noGrp="1" noChangeArrowheads="1"/>
-          </p:cNvSpPr>
-          <p:nvPr>
-            <p:ph type="body" idx="1"/>
-          </p:nvPr>
-        </p:nvSpPr>
-        <p:spPr>
-          <a:xfrm>
-            <a:off x="685800" y="990600"/>
-            <a:ext cx="7772400" cy="5562600"/>
-          </a:xfrm>
-        </p:spPr>
-        <p:txBody>
-          <a:bodyPr/>
-          <a:lstStyle/>
-          <a:p>
-            <a:pPr eaLnBrk="1" hangingPunct="1"/>
-            <a:r>
-              <a:rPr lang="de-DE" altLang="en-US" sz="2800" dirty="0">
-                <a:latin typeface="Candara" panose="020E0502030303020204" pitchFamily="34" charset="0"/>
-              </a:rPr>
-              <a:t>Game theory predicts that it will be hard to negotiate an international treaty on greenhouse gas emission reduction because it is a global public good</a:t>
-            </a:r>
-          </a:p>
-          <a:p>
-            <a:pPr eaLnBrk="1" hangingPunct="1"/>
-            <a:r>
-              <a:rPr lang="de-DE" altLang="en-US" sz="2800" dirty="0">
-                <a:latin typeface="Candara" panose="020E0502030303020204" pitchFamily="34" charset="0"/>
-              </a:rPr>
-              <a:t>Over 30 years of international negotiations have lead to nothing much</a:t>
-            </a:r>
-          </a:p>
-          <a:p>
-            <a:pPr eaLnBrk="1" hangingPunct="1"/>
-            <a:endParaRPr lang="de-DE" altLang="en-US" sz="2800" dirty="0">
-              <a:latin typeface="Candara" panose="020E0502030303020204" pitchFamily="34" charset="0"/>
-            </a:endParaRPr>
-          </a:p>
-          <a:p>
-            <a:pPr eaLnBrk="1" hangingPunct="1"/>
-            <a:r>
-              <a:rPr lang="de-DE" altLang="en-US" sz="2800" dirty="0">
-                <a:latin typeface="Candara" panose="020E0502030303020204" pitchFamily="34" charset="0"/>
-              </a:rPr>
-              <a:t>But what about acid rain and the ozone layer? Do we not have successful international environmental treaties?</a:t>
-            </a:r>
-          </a:p>
-        </p:txBody>
-      </p:sp>
-    </p:spTree>
-  </p:cSld>
-  <p:clrMapOvr>
-    <a:masterClrMapping/>
-  </p:clrMapOvr>
-</p:sld>
-</file>
-
 <file path=ppt/slides/slide4.xml><?xml version="1.0" encoding="utf-8"?>
 <p:sld xmlns:a="http://schemas.openxmlformats.org/drawingml/2006/main" xmlns:r="http://schemas.openxmlformats.org/officeDocument/2006/relationships" xmlns:p="http://schemas.openxmlformats.org/presentationml/2006/main">
   <p:cSld>
@@ -32343,6 +32652,118 @@
       </p:grpSpPr>
       <p:sp>
         <p:nvSpPr>
+          <p:cNvPr id="56322" name="Rectangle 2"/>
+          <p:cNvSpPr>
+            <a:spLocks noGrp="1" noChangeArrowheads="1"/>
+          </p:cNvSpPr>
+          <p:nvPr>
+            <p:ph type="title"/>
+          </p:nvPr>
+        </p:nvSpPr>
+        <p:spPr>
+          <a:xfrm>
+            <a:off x="685800" y="0"/>
+            <a:ext cx="7772400" cy="1143000"/>
+          </a:xfrm>
+        </p:spPr>
+        <p:txBody>
+          <a:bodyPr/>
+          <a:lstStyle/>
+          <a:p>
+            <a:pPr eaLnBrk="1" hangingPunct="1"/>
+            <a:r>
+              <a:rPr lang="de-DE" altLang="en-US" sz="3600" dirty="0">
+                <a:latin typeface="Candara" panose="020E0502030303020204" pitchFamily="34" charset="0"/>
+              </a:rPr>
+              <a:t>Theory and practice</a:t>
+            </a:r>
+            <a:endParaRPr lang="en-GB" altLang="en-US" sz="3600" dirty="0">
+              <a:latin typeface="Candara" panose="020E0502030303020204" pitchFamily="34" charset="0"/>
+            </a:endParaRPr>
+          </a:p>
+        </p:txBody>
+      </p:sp>
+      <p:sp>
+        <p:nvSpPr>
+          <p:cNvPr id="56323" name="Rectangle 3"/>
+          <p:cNvSpPr>
+            <a:spLocks noGrp="1" noChangeArrowheads="1"/>
+          </p:cNvSpPr>
+          <p:nvPr>
+            <p:ph type="body" idx="1"/>
+          </p:nvPr>
+        </p:nvSpPr>
+        <p:spPr>
+          <a:xfrm>
+            <a:off x="685800" y="990600"/>
+            <a:ext cx="7772400" cy="5562600"/>
+          </a:xfrm>
+        </p:spPr>
+        <p:txBody>
+          <a:bodyPr/>
+          <a:lstStyle/>
+          <a:p>
+            <a:pPr eaLnBrk="1" hangingPunct="1"/>
+            <a:r>
+              <a:rPr lang="de-DE" altLang="en-US" sz="2800" dirty="0">
+                <a:latin typeface="Candara" panose="020E0502030303020204" pitchFamily="34" charset="0"/>
+              </a:rPr>
+              <a:t>Game theory predicts that it will be hard to negotiate an international treaty on greenhouse gas emission reduction because it is a global public good</a:t>
+            </a:r>
+          </a:p>
+          <a:p>
+            <a:pPr eaLnBrk="1" hangingPunct="1"/>
+            <a:r>
+              <a:rPr lang="de-DE" altLang="en-US" sz="2800" dirty="0">
+                <a:latin typeface="Candara" panose="020E0502030303020204" pitchFamily="34" charset="0"/>
+              </a:rPr>
+              <a:t>Over 30 years of international negotiations have lead to nothing much</a:t>
+            </a:r>
+          </a:p>
+          <a:p>
+            <a:pPr eaLnBrk="1" hangingPunct="1"/>
+            <a:endParaRPr lang="de-DE" altLang="en-US" sz="2800" dirty="0">
+              <a:latin typeface="Candara" panose="020E0502030303020204" pitchFamily="34" charset="0"/>
+            </a:endParaRPr>
+          </a:p>
+          <a:p>
+            <a:pPr eaLnBrk="1" hangingPunct="1"/>
+            <a:r>
+              <a:rPr lang="de-DE" altLang="en-US" sz="2800" dirty="0">
+                <a:latin typeface="Candara" panose="020E0502030303020204" pitchFamily="34" charset="0"/>
+              </a:rPr>
+              <a:t>But what about acid rain and the ozone layer? Do we not have successful international environmental treaties?</a:t>
+            </a:r>
+          </a:p>
+        </p:txBody>
+      </p:sp>
+    </p:spTree>
+  </p:cSld>
+  <p:clrMapOvr>
+    <a:masterClrMapping/>
+  </p:clrMapOvr>
+</p:sld>
+</file>
+
+<file path=ppt/slides/slide41.xml><?xml version="1.0" encoding="utf-8"?>
+<p:sld xmlns:a="http://schemas.openxmlformats.org/drawingml/2006/main" xmlns:r="http://schemas.openxmlformats.org/officeDocument/2006/relationships" xmlns:p="http://schemas.openxmlformats.org/presentationml/2006/main">
+  <p:cSld>
+    <p:spTree>
+      <p:nvGrpSpPr>
+        <p:cNvPr id="1" name=""/>
+        <p:cNvGrpSpPr/>
+        <p:nvPr/>
+      </p:nvGrpSpPr>
+      <p:grpSpPr>
+        <a:xfrm>
+          <a:off x="0" y="0"/>
+          <a:ext cx="0" cy="0"/>
+          <a:chOff x="0" y="0"/>
+          <a:chExt cx="0" cy="0"/>
+        </a:xfrm>
+      </p:grpSpPr>
+      <p:sp>
+        <p:nvSpPr>
           <p:cNvPr id="4098" name="Rectangle 2"/>
           <p:cNvSpPr>
             <a:spLocks noGrp="1" noChangeArrowheads="1"/>
@@ -32462,7 +32883,7 @@
 </p:sld>
 </file>
 
-<file path=ppt/slides/slide41.xml><?xml version="1.0" encoding="utf-8"?>
+<file path=ppt/slides/slide42.xml><?xml version="1.0" encoding="utf-8"?>
 <p:sld xmlns:a="http://schemas.openxmlformats.org/drawingml/2006/main" xmlns:r="http://schemas.openxmlformats.org/officeDocument/2006/relationships" xmlns:p="http://schemas.openxmlformats.org/presentationml/2006/main">
   <p:cSld>
     <p:spTree>
@@ -32605,7 +33026,7 @@
 </p:sld>
 </file>
 
-<file path=ppt/slides/slide42.xml><?xml version="1.0" encoding="utf-8"?>
+<file path=ppt/slides/slide43.xml><?xml version="1.0" encoding="utf-8"?>
 <p:sld xmlns:a="http://schemas.openxmlformats.org/drawingml/2006/main" xmlns:r="http://schemas.openxmlformats.org/officeDocument/2006/relationships" xmlns:p="http://schemas.openxmlformats.org/presentationml/2006/main">
   <p:cSld>
     <p:spTree>
@@ -32732,7 +33153,7 @@
 </p:sld>
 </file>
 
-<file path=ppt/slides/slide43.xml><?xml version="1.0" encoding="utf-8"?>
+<file path=ppt/slides/slide44.xml><?xml version="1.0" encoding="utf-8"?>
 <p:sld xmlns:a="http://schemas.openxmlformats.org/drawingml/2006/main" xmlns:r="http://schemas.openxmlformats.org/officeDocument/2006/relationships" xmlns:p="http://schemas.openxmlformats.org/presentationml/2006/main">
   <p:cSld>
     <p:spTree>
@@ -32909,7 +33330,7 @@
 </p:sld>
 </file>
 
-<file path=ppt/slides/slide44.xml><?xml version="1.0" encoding="utf-8"?>
+<file path=ppt/slides/slide45.xml><?xml version="1.0" encoding="utf-8"?>
 <p:sld xmlns:a="http://schemas.openxmlformats.org/drawingml/2006/main" xmlns:r="http://schemas.openxmlformats.org/officeDocument/2006/relationships" xmlns:p="http://schemas.openxmlformats.org/presentationml/2006/main">
   <p:cSld>
     <p:spTree>
@@ -33042,7 +33463,7 @@
 </p:sld>
 </file>
 
-<file path=ppt/slides/slide45.xml><?xml version="1.0" encoding="utf-8"?>
+<file path=ppt/slides/slide46.xml><?xml version="1.0" encoding="utf-8"?>
 <p:sld xmlns:a="http://schemas.openxmlformats.org/drawingml/2006/main" xmlns:r="http://schemas.openxmlformats.org/officeDocument/2006/relationships" xmlns:p="http://schemas.openxmlformats.org/presentationml/2006/main">
   <p:cSld>
     <p:spTree>
@@ -33108,7 +33529,7 @@
 </p:sld>
 </file>
 
-<file path=ppt/slides/slide46.xml><?xml version="1.0" encoding="utf-8"?>
+<file path=ppt/slides/slide47.xml><?xml version="1.0" encoding="utf-8"?>
 <p:sld xmlns:a="http://schemas.openxmlformats.org/drawingml/2006/main" xmlns:r="http://schemas.openxmlformats.org/officeDocument/2006/relationships" xmlns:p="http://schemas.openxmlformats.org/presentationml/2006/main">
   <p:cSld>
     <p:spTree>
@@ -33174,7 +33595,7 @@
 </p:sld>
 </file>
 
-<file path=ppt/slides/slide47.xml><?xml version="1.0" encoding="utf-8"?>
+<file path=ppt/slides/slide48.xml><?xml version="1.0" encoding="utf-8"?>
 <p:sld xmlns:a="http://schemas.openxmlformats.org/drawingml/2006/main" xmlns:r="http://schemas.openxmlformats.org/officeDocument/2006/relationships" xmlns:p="http://schemas.openxmlformats.org/presentationml/2006/main">
   <p:cSld>
     <p:spTree>
@@ -33461,7 +33882,7 @@
 </p:sld>
 </file>
 
-<file path=ppt/slides/slide48.xml><?xml version="1.0" encoding="utf-8"?>
+<file path=ppt/slides/slide49.xml><?xml version="1.0" encoding="utf-8"?>
 <p:sld xmlns:a="http://schemas.openxmlformats.org/drawingml/2006/main" xmlns:r="http://schemas.openxmlformats.org/officeDocument/2006/relationships" xmlns:p="http://schemas.openxmlformats.org/presentationml/2006/main">
   <p:cSld>
     <p:spTree>
@@ -33626,167 +34047,6 @@
         </p:txBody>
       </p:sp>
     </p:spTree>
-  </p:cSld>
-  <p:clrMapOvr>
-    <a:masterClrMapping/>
-  </p:clrMapOvr>
-</p:sld>
-</file>
-
-<file path=ppt/slides/slide49.xml><?xml version="1.0" encoding="utf-8"?>
-<p:sld xmlns:a="http://schemas.openxmlformats.org/drawingml/2006/main" xmlns:r="http://schemas.openxmlformats.org/officeDocument/2006/relationships" xmlns:p="http://schemas.openxmlformats.org/presentationml/2006/main">
-  <p:cSld>
-    <p:spTree>
-      <p:nvGrpSpPr>
-        <p:cNvPr id="1" name=""/>
-        <p:cNvGrpSpPr/>
-        <p:nvPr/>
-      </p:nvGrpSpPr>
-      <p:grpSpPr>
-        <a:xfrm>
-          <a:off x="0" y="0"/>
-          <a:ext cx="0" cy="0"/>
-          <a:chOff x="0" y="0"/>
-          <a:chExt cx="0" cy="0"/>
-        </a:xfrm>
-      </p:grpSpPr>
-      <p:sp>
-        <p:nvSpPr>
-          <p:cNvPr id="78850" name="Rectangle 2"/>
-          <p:cNvSpPr>
-            <a:spLocks noGrp="1" noChangeArrowheads="1"/>
-          </p:cNvSpPr>
-          <p:nvPr>
-            <p:ph type="title"/>
-          </p:nvPr>
-        </p:nvSpPr>
-        <p:spPr>
-          <a:xfrm>
-            <a:off x="685800" y="-152400"/>
-            <a:ext cx="7772400" cy="1143000"/>
-          </a:xfrm>
-        </p:spPr>
-        <p:txBody>
-          <a:bodyPr/>
-          <a:lstStyle/>
-          <a:p>
-            <a:r>
-              <a:rPr lang="de-DE" altLang="en-US" sz="3600" dirty="0">
-                <a:latin typeface="Candara" panose="020E0502030303020204" pitchFamily="34" charset="0"/>
-              </a:rPr>
-              <a:t>Ozone Policy -4</a:t>
-            </a:r>
-            <a:endParaRPr lang="en-GB" altLang="en-US" sz="3600" dirty="0">
-              <a:latin typeface="Candara" panose="020E0502030303020204" pitchFamily="34" charset="0"/>
-            </a:endParaRPr>
-          </a:p>
-        </p:txBody>
-      </p:sp>
-      <p:sp>
-        <p:nvSpPr>
-          <p:cNvPr id="78851" name="Rectangle 3"/>
-          <p:cNvSpPr>
-            <a:spLocks noGrp="1" noChangeArrowheads="1"/>
-          </p:cNvSpPr>
-          <p:nvPr>
-            <p:ph type="body" idx="1"/>
-          </p:nvPr>
-        </p:nvSpPr>
-        <p:spPr>
-          <a:xfrm>
-            <a:off x="457200" y="838200"/>
-            <a:ext cx="8229600" cy="5334000"/>
-          </a:xfrm>
-        </p:spPr>
-        <p:txBody>
-          <a:bodyPr/>
-          <a:lstStyle/>
-          <a:p>
-            <a:pPr>
-              <a:lnSpc>
-                <a:spcPct val="90000"/>
-              </a:lnSpc>
-            </a:pPr>
-            <a:r>
-              <a:rPr lang="de-DE" altLang="en-US" sz="2800" dirty="0">
-                <a:latin typeface="Candara" panose="020E0502030303020204" pitchFamily="34" charset="0"/>
-              </a:rPr>
-              <a:t>Exporters of CFCs also happen to export its substitutes, choice is between</a:t>
-            </a:r>
-          </a:p>
-          <a:p>
-            <a:pPr lvl="1">
-              <a:lnSpc>
-                <a:spcPct val="90000"/>
-              </a:lnSpc>
-            </a:pPr>
-            <a:r>
-              <a:rPr lang="de-DE" altLang="en-US" sz="2400" dirty="0">
-                <a:latin typeface="Candara" panose="020E0502030303020204" pitchFamily="34" charset="0"/>
-              </a:rPr>
-              <a:t>an unrestricted low-value market</a:t>
-            </a:r>
-          </a:p>
-          <a:p>
-            <a:pPr lvl="1">
-              <a:lnSpc>
-                <a:spcPct val="90000"/>
-              </a:lnSpc>
-            </a:pPr>
-            <a:r>
-              <a:rPr lang="de-DE" altLang="en-US" sz="2400" dirty="0">
-                <a:latin typeface="Candara" panose="020E0502030303020204" pitchFamily="34" charset="0"/>
-              </a:rPr>
-              <a:t>a restricted low-value market plus a high-value growth market</a:t>
-            </a:r>
-          </a:p>
-          <a:p>
-            <a:pPr>
-              <a:lnSpc>
-                <a:spcPct val="90000"/>
-              </a:lnSpc>
-            </a:pPr>
-            <a:r>
-              <a:rPr lang="de-DE" altLang="en-US" sz="2800" dirty="0">
-                <a:latin typeface="Candara" panose="020E0502030303020204" pitchFamily="34" charset="0"/>
-              </a:rPr>
-              <a:t>Domestic pressure for emission reduction</a:t>
-            </a:r>
-          </a:p>
-          <a:p>
-            <a:pPr>
-              <a:lnSpc>
-                <a:spcPct val="90000"/>
-              </a:lnSpc>
-            </a:pPr>
-            <a:endParaRPr lang="de-DE" altLang="en-US" sz="2800" dirty="0">
-              <a:latin typeface="Candara" panose="020E0502030303020204" pitchFamily="34" charset="0"/>
-            </a:endParaRPr>
-          </a:p>
-          <a:p>
-            <a:pPr>
-              <a:lnSpc>
-                <a:spcPct val="90000"/>
-              </a:lnSpc>
-            </a:pPr>
-            <a:r>
-              <a:rPr lang="de-DE" altLang="en-US" sz="2800" dirty="0">
-                <a:latin typeface="Candara" panose="020E0502030303020204" pitchFamily="34" charset="0"/>
-              </a:rPr>
-              <a:t>HFCs replaced CFCs: No damage to ozone, but stronger greenhouse gases</a:t>
-            </a:r>
-            <a:endParaRPr lang="en-GB" altLang="en-US" sz="2400" dirty="0">
-              <a:latin typeface="Comic Sans MS" panose="030F0702030302020204" pitchFamily="66" charset="0"/>
-            </a:endParaRPr>
-          </a:p>
-        </p:txBody>
-      </p:sp>
-    </p:spTree>
-    <p:extLst>
-      <p:ext uri="{BB962C8B-B14F-4D97-AF65-F5344CB8AC3E}">
-        <p14:creationId xmlns:p14="http://schemas.microsoft.com/office/powerpoint/2010/main" val="828730077"/>
-      </p:ext>
-    </p:extLst>
   </p:cSld>
   <p:clrMapOvr>
     <a:masterClrMapping/>
@@ -33881,6 +34141,167 @@
         </p:nvSpPr>
         <p:spPr>
           <a:xfrm>
+            <a:off x="685800" y="-152400"/>
+            <a:ext cx="7772400" cy="1143000"/>
+          </a:xfrm>
+        </p:spPr>
+        <p:txBody>
+          <a:bodyPr/>
+          <a:lstStyle/>
+          <a:p>
+            <a:r>
+              <a:rPr lang="de-DE" altLang="en-US" sz="3600" dirty="0">
+                <a:latin typeface="Candara" panose="020E0502030303020204" pitchFamily="34" charset="0"/>
+              </a:rPr>
+              <a:t>Ozone Policy -4</a:t>
+            </a:r>
+            <a:endParaRPr lang="en-GB" altLang="en-US" sz="3600" dirty="0">
+              <a:latin typeface="Candara" panose="020E0502030303020204" pitchFamily="34" charset="0"/>
+            </a:endParaRPr>
+          </a:p>
+        </p:txBody>
+      </p:sp>
+      <p:sp>
+        <p:nvSpPr>
+          <p:cNvPr id="78851" name="Rectangle 3"/>
+          <p:cNvSpPr>
+            <a:spLocks noGrp="1" noChangeArrowheads="1"/>
+          </p:cNvSpPr>
+          <p:nvPr>
+            <p:ph type="body" idx="1"/>
+          </p:nvPr>
+        </p:nvSpPr>
+        <p:spPr>
+          <a:xfrm>
+            <a:off x="457200" y="838200"/>
+            <a:ext cx="8229600" cy="5334000"/>
+          </a:xfrm>
+        </p:spPr>
+        <p:txBody>
+          <a:bodyPr/>
+          <a:lstStyle/>
+          <a:p>
+            <a:pPr>
+              <a:lnSpc>
+                <a:spcPct val="90000"/>
+              </a:lnSpc>
+            </a:pPr>
+            <a:r>
+              <a:rPr lang="de-DE" altLang="en-US" sz="2800" dirty="0">
+                <a:latin typeface="Candara" panose="020E0502030303020204" pitchFamily="34" charset="0"/>
+              </a:rPr>
+              <a:t>Exporters of CFCs also happen to export its substitutes, choice is between</a:t>
+            </a:r>
+          </a:p>
+          <a:p>
+            <a:pPr lvl="1">
+              <a:lnSpc>
+                <a:spcPct val="90000"/>
+              </a:lnSpc>
+            </a:pPr>
+            <a:r>
+              <a:rPr lang="de-DE" altLang="en-US" sz="2400" dirty="0">
+                <a:latin typeface="Candara" panose="020E0502030303020204" pitchFamily="34" charset="0"/>
+              </a:rPr>
+              <a:t>an unrestricted low-value market</a:t>
+            </a:r>
+          </a:p>
+          <a:p>
+            <a:pPr lvl="1">
+              <a:lnSpc>
+                <a:spcPct val="90000"/>
+              </a:lnSpc>
+            </a:pPr>
+            <a:r>
+              <a:rPr lang="de-DE" altLang="en-US" sz="2400" dirty="0">
+                <a:latin typeface="Candara" panose="020E0502030303020204" pitchFamily="34" charset="0"/>
+              </a:rPr>
+              <a:t>a restricted low-value market plus a high-value growth market</a:t>
+            </a:r>
+          </a:p>
+          <a:p>
+            <a:pPr>
+              <a:lnSpc>
+                <a:spcPct val="90000"/>
+              </a:lnSpc>
+            </a:pPr>
+            <a:r>
+              <a:rPr lang="de-DE" altLang="en-US" sz="2800" dirty="0">
+                <a:latin typeface="Candara" panose="020E0502030303020204" pitchFamily="34" charset="0"/>
+              </a:rPr>
+              <a:t>Domestic pressure for emission reduction</a:t>
+            </a:r>
+          </a:p>
+          <a:p>
+            <a:pPr>
+              <a:lnSpc>
+                <a:spcPct val="90000"/>
+              </a:lnSpc>
+            </a:pPr>
+            <a:endParaRPr lang="de-DE" altLang="en-US" sz="2800" dirty="0">
+              <a:latin typeface="Candara" panose="020E0502030303020204" pitchFamily="34" charset="0"/>
+            </a:endParaRPr>
+          </a:p>
+          <a:p>
+            <a:pPr>
+              <a:lnSpc>
+                <a:spcPct val="90000"/>
+              </a:lnSpc>
+            </a:pPr>
+            <a:r>
+              <a:rPr lang="de-DE" altLang="en-US" sz="2800" dirty="0">
+                <a:latin typeface="Candara" panose="020E0502030303020204" pitchFamily="34" charset="0"/>
+              </a:rPr>
+              <a:t>HFCs replaced CFCs: No damage to ozone, but stronger greenhouse gases</a:t>
+            </a:r>
+            <a:endParaRPr lang="en-GB" altLang="en-US" sz="2400" dirty="0">
+              <a:latin typeface="Comic Sans MS" panose="030F0702030302020204" pitchFamily="66" charset="0"/>
+            </a:endParaRPr>
+          </a:p>
+        </p:txBody>
+      </p:sp>
+    </p:spTree>
+    <p:extLst>
+      <p:ext uri="{BB962C8B-B14F-4D97-AF65-F5344CB8AC3E}">
+        <p14:creationId xmlns:p14="http://schemas.microsoft.com/office/powerpoint/2010/main" val="828730077"/>
+      </p:ext>
+    </p:extLst>
+  </p:cSld>
+  <p:clrMapOvr>
+    <a:masterClrMapping/>
+  </p:clrMapOvr>
+</p:sld>
+</file>
+
+<file path=ppt/slides/slide51.xml><?xml version="1.0" encoding="utf-8"?>
+<p:sld xmlns:a="http://schemas.openxmlformats.org/drawingml/2006/main" xmlns:r="http://schemas.openxmlformats.org/officeDocument/2006/relationships" xmlns:p="http://schemas.openxmlformats.org/presentationml/2006/main">
+  <p:cSld>
+    <p:spTree>
+      <p:nvGrpSpPr>
+        <p:cNvPr id="1" name=""/>
+        <p:cNvGrpSpPr/>
+        <p:nvPr/>
+      </p:nvGrpSpPr>
+      <p:grpSpPr>
+        <a:xfrm>
+          <a:off x="0" y="0"/>
+          <a:ext cx="0" cy="0"/>
+          <a:chOff x="0" y="0"/>
+          <a:chExt cx="0" cy="0"/>
+        </a:xfrm>
+      </p:grpSpPr>
+      <p:sp>
+        <p:nvSpPr>
+          <p:cNvPr id="78850" name="Rectangle 2"/>
+          <p:cNvSpPr>
+            <a:spLocks noGrp="1" noChangeArrowheads="1"/>
+          </p:cNvSpPr>
+          <p:nvPr>
+            <p:ph type="title"/>
+          </p:nvPr>
+        </p:nvSpPr>
+        <p:spPr>
+          <a:xfrm>
             <a:off x="685800" y="-190500"/>
             <a:ext cx="7772400" cy="1143000"/>
           </a:xfrm>
@@ -34005,7 +34426,7 @@
 </p:sld>
 </file>
 
-<file path=ppt/slides/slide51.xml><?xml version="1.0" encoding="utf-8"?>
+<file path=ppt/slides/slide52.xml><?xml version="1.0" encoding="utf-8"?>
 <p:sld xmlns:a="http://schemas.openxmlformats.org/drawingml/2006/main" xmlns:r="http://schemas.openxmlformats.org/officeDocument/2006/relationships" xmlns:p="http://schemas.openxmlformats.org/presentationml/2006/main">
   <p:cSld>
     <p:spTree>
